--- a/description_project/Презентация.pptx
+++ b/description_project/Презентация.pptx
@@ -5,7 +5,7 @@
     <p:sldMasterId id="2147485761" r:id="rId1"/>
   </p:sldMasterIdLst>
   <p:notesMasterIdLst>
-    <p:notesMasterId r:id="rId9"/>
+    <p:notesMasterId r:id="rId10"/>
   </p:notesMasterIdLst>
   <p:sldIdLst>
     <p:sldId id="256" r:id="rId2"/>
@@ -14,7 +14,8 @@
     <p:sldId id="259" r:id="rId5"/>
     <p:sldId id="260" r:id="rId6"/>
     <p:sldId id="267" r:id="rId7"/>
-    <p:sldId id="263" r:id="rId8"/>
+    <p:sldId id="268" r:id="rId8"/>
+    <p:sldId id="263" r:id="rId9"/>
   </p:sldIdLst>
   <p:sldSz cx="12192000" cy="6858000"/>
   <p:notesSz cx="6858000" cy="9144000"/>
@@ -124,6 +125,7 @@
             <p14:sldId id="259"/>
             <p14:sldId id="260"/>
             <p14:sldId id="267"/>
+            <p14:sldId id="268"/>
           </p14:sldIdLst>
         </p14:section>
         <p14:section name="Раздел без заголовка" id="{3BC3D5B8-68D4-44B5-9A54-0A28537204E0}">
@@ -237,7 +239,7 @@
             <a:fld id="{242E115C-DB9A-B14B-BC56-BF97C1E58CDC}" type="datetimeFigureOut">
               <a:rPr lang="ru-RU" smtClean="0"/>
               <a:pPr/>
-              <a:t>20.11.2023</a:t>
+              <a:t>12.02.2024</a:t>
             </a:fld>
             <a:endParaRPr lang="ru-RU"/>
           </a:p>
@@ -856,7 +858,7 @@
           <a:p>
             <a:fld id="{19A2DF0B-947C-4099-8BD7-E614C990624E}" type="datetime1">
               <a:rPr lang="en-US" smtClean="0"/>
-              <a:t>11/20/2023</a:t>
+              <a:t>2/12/2024</a:t>
             </a:fld>
             <a:endParaRPr lang="en-US" dirty="0"/>
           </a:p>
@@ -1126,7 +1128,7 @@
           <a:p>
             <a:fld id="{0D134BD1-EDC2-45A9-9D56-E8F9E9DE58E2}" type="datetime1">
               <a:rPr lang="en-US" smtClean="0"/>
-              <a:t>11/20/2023</a:t>
+              <a:t>2/12/2024</a:t>
             </a:fld>
             <a:endParaRPr lang="en-US" dirty="0"/>
           </a:p>
@@ -1319,7 +1321,7 @@
           <a:p>
             <a:fld id="{0C6EA745-4A34-4056-A14C-2A403BEB243C}" type="datetime1">
               <a:rPr lang="en-US" smtClean="0"/>
-              <a:t>11/20/2023</a:t>
+              <a:t>2/12/2024</a:t>
             </a:fld>
             <a:endParaRPr lang="en-US" dirty="0"/>
           </a:p>
@@ -1586,7 +1588,7 @@
           <a:p>
             <a:fld id="{0FCDFD0C-6E31-4FDF-96AA-2E319B6AC716}" type="datetime1">
               <a:rPr lang="en-US" smtClean="0"/>
-              <a:t>11/20/2023</a:t>
+              <a:t>2/12/2024</a:t>
             </a:fld>
             <a:endParaRPr lang="en-US" dirty="0"/>
           </a:p>
@@ -1917,7 +1919,7 @@
           <a:p>
             <a:fld id="{2E47DCC1-F17F-44D7-98FD-89212EE360AA}" type="datetime1">
               <a:rPr lang="en-US" smtClean="0"/>
-              <a:t>11/20/2023</a:t>
+              <a:t>2/12/2024</a:t>
             </a:fld>
             <a:endParaRPr lang="en-US" dirty="0"/>
           </a:p>
@@ -2526,7 +2528,7 @@
           <a:p>
             <a:fld id="{B166E977-4E7F-4F02-A002-B0247436D757}" type="datetime1">
               <a:rPr lang="en-US" smtClean="0"/>
-              <a:t>11/20/2023</a:t>
+              <a:t>2/12/2024</a:t>
             </a:fld>
             <a:endParaRPr lang="en-US" dirty="0"/>
           </a:p>
@@ -3360,7 +3362,7 @@
           <a:p>
             <a:fld id="{9298B2A5-26D9-462E-9B51-890C4FE568D1}" type="datetime1">
               <a:rPr lang="en-US" smtClean="0"/>
-              <a:t>11/20/2023</a:t>
+              <a:t>2/12/2024</a:t>
             </a:fld>
             <a:endParaRPr lang="en-US" dirty="0"/>
           </a:p>
@@ -3528,7 +3530,7 @@
           <a:p>
             <a:fld id="{F69FBA40-5DE0-4AAD-9B9D-00CA3C19DD48}" type="datetime1">
               <a:rPr lang="en-US" smtClean="0"/>
-              <a:t>11/20/2023</a:t>
+              <a:t>2/12/2024</a:t>
             </a:fld>
             <a:endParaRPr lang="en-US" dirty="0"/>
           </a:p>
@@ -3706,7 +3708,7 @@
           <a:p>
             <a:fld id="{F23BB48A-EF88-43FC-9561-CCBF0FB5723B}" type="datetime1">
               <a:rPr lang="en-US" smtClean="0"/>
-              <a:t>11/20/2023</a:t>
+              <a:t>2/12/2024</a:t>
             </a:fld>
             <a:endParaRPr lang="en-US" dirty="0"/>
           </a:p>
@@ -3874,7 +3876,7 @@
           <a:p>
             <a:fld id="{33573000-D23E-4E8E-83B5-363A014A4C7E}" type="datetime1">
               <a:rPr lang="en-US" smtClean="0"/>
-              <a:t>11/20/2023</a:t>
+              <a:t>2/12/2024</a:t>
             </a:fld>
             <a:endParaRPr lang="en-US" dirty="0"/>
           </a:p>
@@ -4117,7 +4119,7 @@
           <a:p>
             <a:fld id="{79D3C6D3-91C3-48FD-A8CD-A5C583B3FBDC}" type="datetime1">
               <a:rPr lang="en-US" smtClean="0"/>
-              <a:t>11/20/2023</a:t>
+              <a:t>2/12/2024</a:t>
             </a:fld>
             <a:endParaRPr lang="en-US" dirty="0"/>
           </a:p>
@@ -4406,7 +4408,7 @@
           <a:p>
             <a:fld id="{046EF8D6-F9D0-4887-BBD8-D10DF2E83524}" type="datetime1">
               <a:rPr lang="en-US" smtClean="0"/>
-              <a:t>11/20/2023</a:t>
+              <a:t>2/12/2024</a:t>
             </a:fld>
             <a:endParaRPr lang="en-US" dirty="0"/>
           </a:p>
@@ -4841,7 +4843,7 @@
           <a:p>
             <a:fld id="{4141118D-A3A7-4850-B78D-10F53F6626A8}" type="datetime1">
               <a:rPr lang="en-US" smtClean="0"/>
-              <a:t>11/20/2023</a:t>
+              <a:t>2/12/2024</a:t>
             </a:fld>
             <a:endParaRPr lang="en-US" dirty="0"/>
           </a:p>
@@ -4958,7 +4960,7 @@
           <a:p>
             <a:fld id="{B82C9CC1-C7FE-4C57-8BA2-228CD1707078}" type="datetime1">
               <a:rPr lang="en-US" smtClean="0"/>
-              <a:t>11/20/2023</a:t>
+              <a:t>2/12/2024</a:t>
             </a:fld>
             <a:endParaRPr lang="en-US" dirty="0"/>
           </a:p>
@@ -5053,7 +5055,7 @@
           <a:p>
             <a:fld id="{05D01185-00D9-4969-9285-A4B7C61437EB}" type="datetime1">
               <a:rPr lang="en-US" smtClean="0"/>
-              <a:t>11/20/2023</a:t>
+              <a:t>2/12/2024</a:t>
             </a:fld>
             <a:endParaRPr lang="en-US" dirty="0"/>
           </a:p>
@@ -5330,7 +5332,7 @@
           <a:p>
             <a:fld id="{F2418385-3F2C-4636-8E16-4F065C1202A2}" type="datetime1">
               <a:rPr lang="en-US" smtClean="0"/>
-              <a:t>11/20/2023</a:t>
+              <a:t>2/12/2024</a:t>
             </a:fld>
             <a:endParaRPr lang="en-US" dirty="0"/>
           </a:p>
@@ -5600,7 +5602,7 @@
           <a:p>
             <a:fld id="{37D105C2-2003-4BBE-96D8-F4549432BE15}" type="datetime1">
               <a:rPr lang="en-US" smtClean="0"/>
-              <a:t>11/20/2023</a:t>
+              <a:t>2/12/2024</a:t>
             </a:fld>
             <a:endParaRPr lang="en-US" dirty="0"/>
           </a:p>
@@ -6027,7 +6029,7 @@
           <a:p>
             <a:fld id="{0E64B62E-408E-4B7F-9F87-C8319CF72145}" type="datetime1">
               <a:rPr lang="en-US" smtClean="0"/>
-              <a:t>11/20/2023</a:t>
+              <a:t>2/12/2024</a:t>
             </a:fld>
             <a:endParaRPr lang="en-US" dirty="0"/>
           </a:p>
@@ -6656,18 +6658,7 @@
                   <a:srgbClr val="FFFF00"/>
                 </a:solidFill>
               </a:rPr>
-              <a:t>                                                                            Лицей Академии Яндекса</a:t>
-            </a:r>
-          </a:p>
-          <a:p>
-            <a:pPr lvl="1" algn="r"/>
-            <a:r>
-              <a:rPr lang="ru-RU" sz="1600" dirty="0">
-                <a:solidFill>
-                  <a:srgbClr val="FFFF00"/>
-                </a:solidFill>
-              </a:rPr>
-              <a:t>Москва – 2023 год</a:t>
+              <a:t>                                                                        </a:t>
             </a:r>
           </a:p>
         </p:txBody>
@@ -6836,7 +6827,7 @@
             </a:pPr>
             <a:r>
               <a:rPr lang="ru-RU" sz="2200" dirty="0"/>
-              <a:t>Приложение предназначено для спортсменов и людей, занимающихся физкультурой, которые хотят отслеживать свои спортивные достижения. Оно предоставляет возможность записывать результаты спортивных задач, добавлять комментарии к ним и просматривать свои достижения в динамике. Таким образом, пользователи могут удобно отслеживать свой прогресс в тренировках и видеть свои улучшения или ухудшения со временем.</a:t>
+              <a:t>Приложение предназначено для спортсменов и людей, занимающихся физкультурой, которые хотят отслеживать свои спортивные достижения. Оно предоставляет возможность записывать результаты спортивных задач, добавлять комментарии к ним и просматривать свои достижения в динамике. Таким образом, пользователи могут удобно отслеживать свой прогресс в тренировках, видеть свои улучшения или ухудшения со временем, а график результатов и комментарии к ним могут помочь тренеру сделать выводы, как улучшить прогресс тренирующегося</a:t>
             </a:r>
           </a:p>
         </p:txBody>
@@ -7171,6 +7162,25 @@
           <a:lstStyle/>
           <a:p>
             <a:r>
+              <a:rPr lang="ru-RU" dirty="0" err="1"/>
+              <a:t>Python</a:t>
+            </a:r>
+            <a:r>
+              <a:rPr lang="ru-RU" dirty="0"/>
+              <a:t>: язык программирования</a:t>
+            </a:r>
+          </a:p>
+          <a:p>
+            <a:pPr marL="0" indent="0">
+              <a:buNone/>
+            </a:pPr>
+            <a:r>
+              <a:rPr lang="ru-RU" dirty="0"/>
+              <a:t>Основные библиотеки и модули:</a:t>
+            </a:r>
+          </a:p>
+          <a:p>
+            <a:r>
               <a:rPr lang="ru-RU" dirty="0"/>
               <a:t>PyQt5: создание графического дизайна</a:t>
             </a:r>
@@ -7180,19 +7190,27 @@
               <a:rPr lang="ru-RU" dirty="0"/>
               <a:t>Sqlite3: хранение информации (база данных)</a:t>
             </a:r>
-          </a:p>
-          <a:p>
-            <a:r>
-              <a:rPr lang="ru-RU" dirty="0" err="1"/>
-              <a:t>Python</a:t>
+            <a:endParaRPr lang="ru-RU" sz="1600" dirty="0"/>
+          </a:p>
+          <a:p>
+            <a:r>
+              <a:rPr lang="en-US" dirty="0"/>
+              <a:t>Matplotlib</a:t>
             </a:r>
             <a:r>
               <a:rPr lang="ru-RU" dirty="0"/>
-              <a:t>: язык программирования</a:t>
-            </a:r>
-          </a:p>
-          <a:p>
-            <a:endParaRPr lang="en-US" sz="1600" dirty="0"/>
+              <a:t>: для построения графика</a:t>
+            </a:r>
+          </a:p>
+          <a:p>
+            <a:r>
+              <a:rPr lang="en-US" dirty="0"/>
+              <a:t>Datetime</a:t>
+            </a:r>
+            <a:r>
+              <a:rPr lang="ru-RU" dirty="0"/>
+              <a:t>: для работы со временем</a:t>
+            </a:r>
           </a:p>
         </p:txBody>
       </p:sp>
@@ -7523,14 +7541,19 @@
             <p:ph type="title"/>
           </p:nvPr>
         </p:nvSpPr>
-        <p:spPr/>
+        <p:spPr>
+          <a:xfrm>
+            <a:off x="947817" y="378415"/>
+            <a:ext cx="9404723" cy="1400530"/>
+          </a:xfrm>
+        </p:spPr>
         <p:txBody>
           <a:bodyPr/>
           <a:lstStyle/>
           <a:p>
             <a:r>
               <a:rPr lang="ru-RU" sz="3200" dirty="0"/>
-              <a:t>Основное окно. Особенности приложения</a:t>
+              <a:t>Основное окно</a:t>
             </a:r>
           </a:p>
         </p:txBody>
@@ -7553,13 +7576,13 @@
         </p:nvSpPr>
         <p:spPr>
           <a:xfrm>
-            <a:off x="217487" y="1771650"/>
-            <a:ext cx="4487863" cy="4333875"/>
+            <a:off x="217487" y="1285154"/>
+            <a:ext cx="4487863" cy="5429970"/>
           </a:xfrm>
         </p:spPr>
         <p:txBody>
           <a:bodyPr vert="horz" lIns="91440" tIns="45720" rIns="91440" bIns="45720" rtlCol="0" anchor="t">
-            <a:normAutofit/>
+            <a:normAutofit lnSpcReduction="10000"/>
           </a:bodyPr>
           <a:lstStyle/>
           <a:p>
@@ -7568,11 +7591,29 @@
             </a:pPr>
             <a:r>
               <a:rPr lang="ru-RU" sz="1600" dirty="0"/>
-              <a:t>Класс </a:t>
-            </a:r>
-            <a:r>
-              <a:rPr lang="en-US" sz="1600" dirty="0" err="1"/>
-              <a:t>MainWindow</a:t>
+              <a:t>Составляющие главного окна: создание задания, перемещение между заданиями, показ таблицы результатов, занесение в таблицу результатов заданий (дата</a:t>
+            </a:r>
+            <a:r>
+              <a:rPr lang="en-US" sz="1600" dirty="0"/>
+              <a:t>, </a:t>
+            </a:r>
+            <a:r>
+              <a:rPr lang="ru-RU" sz="1600" dirty="0"/>
+              <a:t>результат</a:t>
+            </a:r>
+            <a:r>
+              <a:rPr lang="en-US" sz="1600" dirty="0"/>
+              <a:t>, </a:t>
+            </a:r>
+            <a:r>
+              <a:rPr lang="ru-RU" sz="1600" dirty="0"/>
+              <a:t>оценка, комментарий) и их удаление. Результаты в таблице отсортированы по дате. Также есть возможность:</a:t>
+            </a:r>
+          </a:p>
+          <a:p>
+            <a:r>
+              <a:rPr lang="ru-RU" sz="1600" dirty="0"/>
+              <a:t>Скачать таблицу</a:t>
             </a:r>
             <a:r>
               <a:rPr lang="en-US" sz="1600" dirty="0"/>
@@ -7580,49 +7621,31 @@
             </a:r>
             <a:r>
               <a:rPr lang="ru-RU" sz="1600" dirty="0"/>
-              <a:t>отвечает за работу с главным окном: создание заданий, перемещение между заданиями, показ таблицы результатов, занесение в таблицу результатов заданий (дата</a:t>
-            </a:r>
-            <a:r>
-              <a:rPr lang="en-US" sz="1600" dirty="0"/>
-              <a:t>, </a:t>
-            </a:r>
-            <a:r>
-              <a:rPr lang="ru-RU" sz="1600" dirty="0"/>
-              <a:t>результат</a:t>
-            </a:r>
-            <a:r>
-              <a:rPr lang="en-US" sz="1600" dirty="0"/>
-              <a:t>, </a:t>
-            </a:r>
-            <a:r>
-              <a:rPr lang="ru-RU" sz="1600" dirty="0"/>
-              <a:t>оценка, комментарий) и их удаление. Некоторые особенности:</a:t>
-            </a:r>
-          </a:p>
-          <a:p>
-            <a:r>
-              <a:rPr lang="ru-RU" sz="1600" dirty="0"/>
-              <a:t>Результаты в таблице отсортированы по дате</a:t>
-            </a:r>
-          </a:p>
-          <a:p>
-            <a:r>
-              <a:rPr lang="ru-RU" sz="1600" dirty="0"/>
-              <a:t>Таблицу</a:t>
-            </a:r>
-            <a:r>
-              <a:rPr lang="en-US" sz="1600" dirty="0"/>
-              <a:t> </a:t>
-            </a:r>
-            <a:r>
-              <a:rPr lang="ru-RU" sz="1600" dirty="0"/>
-              <a:t>с результатами можно скачать в формате .</a:t>
+              <a:t>с результатами в формате .</a:t>
             </a:r>
             <a:r>
               <a:rPr lang="en-US" sz="1600" dirty="0"/>
               <a:t>xlsx, .csv</a:t>
             </a:r>
             <a:endParaRPr lang="ru-RU" sz="1600" dirty="0"/>
+          </a:p>
+          <a:p>
+            <a:r>
+              <a:rPr lang="ru-RU" sz="1600" dirty="0"/>
+              <a:t>Посмотреть или скачать график с результатами. Для этого надо выбрать сколько записей (результатов) будет в графике. По умолчанию – первые 30 записей.</a:t>
+            </a:r>
+          </a:p>
+          <a:p>
+            <a:r>
+              <a:rPr lang="ru-RU" sz="1600" dirty="0"/>
+              <a:t>Удалить задачу, если появилась необходимость</a:t>
+            </a:r>
+          </a:p>
+          <a:p>
+            <a:r>
+              <a:rPr lang="ru-RU" sz="1600" dirty="0"/>
+              <a:t>Удалить запись (результат) из таблицы, если была допущена ошибка</a:t>
+            </a:r>
           </a:p>
         </p:txBody>
       </p:sp>
@@ -7658,10 +7681,10 @@
       </p:sp>
       <p:pic>
         <p:nvPicPr>
-          <p:cNvPr id="6" name="Рисунок 5">
+          <p:cNvPr id="7" name="Рисунок 6">
             <a:extLst>
               <a:ext uri="{FF2B5EF4-FFF2-40B4-BE49-F238E27FC236}">
-                <a16:creationId xmlns:a16="http://schemas.microsoft.com/office/drawing/2014/main" id="{6519EDD2-9D3E-4DEC-ABDB-BF6DF2BEF648}"/>
+                <a16:creationId xmlns:a16="http://schemas.microsoft.com/office/drawing/2014/main" id="{5279F28E-48B2-46E7-938E-873D45B82D11}"/>
               </a:ext>
             </a:extLst>
           </p:cNvPr>
@@ -7678,8 +7701,8 @@
         </p:blipFill>
         <p:spPr>
           <a:xfrm>
-            <a:off x="4810125" y="1309687"/>
-            <a:ext cx="6477269" cy="5352913"/>
+            <a:off x="5332864" y="1285154"/>
+            <a:ext cx="5857875" cy="5429970"/>
           </a:xfrm>
           <a:prstGeom prst="rect">
             <a:avLst/>
@@ -7721,6 +7744,152 @@
           <p:cNvPr id="2" name="Заголовок 1">
             <a:extLst>
               <a:ext uri="{FF2B5EF4-FFF2-40B4-BE49-F238E27FC236}">
+                <a16:creationId xmlns:a16="http://schemas.microsoft.com/office/drawing/2014/main" id="{01BCEC7A-CCE5-49F5-91FC-ECE5E5D8F979}"/>
+              </a:ext>
+            </a:extLst>
+          </p:cNvPr>
+          <p:cNvSpPr>
+            <a:spLocks noGrp="1"/>
+          </p:cNvSpPr>
+          <p:nvPr>
+            <p:ph type="title"/>
+          </p:nvPr>
+        </p:nvSpPr>
+        <p:spPr/>
+        <p:txBody>
+          <a:bodyPr/>
+          <a:lstStyle/>
+          <a:p>
+            <a:r>
+              <a:rPr lang="ru-RU" dirty="0"/>
+              <a:t>Некоторые примеры</a:t>
+            </a:r>
+          </a:p>
+        </p:txBody>
+      </p:sp>
+      <p:sp>
+        <p:nvSpPr>
+          <p:cNvPr id="4" name="Номер слайда 3">
+            <a:extLst>
+              <a:ext uri="{FF2B5EF4-FFF2-40B4-BE49-F238E27FC236}">
+                <a16:creationId xmlns:a16="http://schemas.microsoft.com/office/drawing/2014/main" id="{5E4BE8B0-53E2-485F-B1BB-DBE03C1D2A34}"/>
+              </a:ext>
+            </a:extLst>
+          </p:cNvPr>
+          <p:cNvSpPr>
+            <a:spLocks noGrp="1"/>
+          </p:cNvSpPr>
+          <p:nvPr>
+            <p:ph type="sldNum" sz="quarter" idx="12"/>
+          </p:nvPr>
+        </p:nvSpPr>
+        <p:spPr/>
+        <p:txBody>
+          <a:bodyPr/>
+          <a:lstStyle/>
+          <a:p>
+            <a:fld id="{D57F1E4F-1CFF-5643-939E-02111984F565}" type="slidenum">
+              <a:rPr lang="en-US" smtClean="0"/>
+              <a:t>7</a:t>
+            </a:fld>
+            <a:endParaRPr lang="en-US" dirty="0"/>
+          </a:p>
+        </p:txBody>
+      </p:sp>
+      <p:pic>
+        <p:nvPicPr>
+          <p:cNvPr id="9" name="Объект 8">
+            <a:extLst>
+              <a:ext uri="{FF2B5EF4-FFF2-40B4-BE49-F238E27FC236}">
+                <a16:creationId xmlns:a16="http://schemas.microsoft.com/office/drawing/2014/main" id="{0126964A-48C6-49C1-B2FD-82477B812E26}"/>
+              </a:ext>
+            </a:extLst>
+          </p:cNvPr>
+          <p:cNvPicPr>
+            <a:picLocks noGrp="1" noChangeAspect="1"/>
+          </p:cNvPicPr>
+          <p:nvPr>
+            <p:ph idx="1"/>
+          </p:nvPr>
+        </p:nvPicPr>
+        <p:blipFill>
+          <a:blip r:embed="rId2"/>
+          <a:stretch>
+            <a:fillRect/>
+          </a:stretch>
+        </p:blipFill>
+        <p:spPr>
+          <a:xfrm>
+            <a:off x="408063" y="1738948"/>
+            <a:ext cx="5251299" cy="4195762"/>
+          </a:xfrm>
+        </p:spPr>
+      </p:pic>
+      <p:pic>
+        <p:nvPicPr>
+          <p:cNvPr id="11" name="Рисунок 10">
+            <a:extLst>
+              <a:ext uri="{FF2B5EF4-FFF2-40B4-BE49-F238E27FC236}">
+                <a16:creationId xmlns:a16="http://schemas.microsoft.com/office/drawing/2014/main" id="{1B0C0B26-E7AA-431E-9DEF-A0FDCD6F867A}"/>
+              </a:ext>
+            </a:extLst>
+          </p:cNvPr>
+          <p:cNvPicPr>
+            <a:picLocks noChangeAspect="1"/>
+          </p:cNvPicPr>
+          <p:nvPr/>
+        </p:nvPicPr>
+        <p:blipFill>
+          <a:blip r:embed="rId3"/>
+          <a:stretch>
+            <a:fillRect/>
+          </a:stretch>
+        </p:blipFill>
+        <p:spPr>
+          <a:xfrm>
+            <a:off x="5851373" y="2240756"/>
+            <a:ext cx="6144873" cy="3826669"/>
+          </a:xfrm>
+          <a:prstGeom prst="rect">
+            <a:avLst/>
+          </a:prstGeom>
+        </p:spPr>
+      </p:pic>
+    </p:spTree>
+    <p:extLst>
+      <p:ext uri="{BB962C8B-B14F-4D97-AF65-F5344CB8AC3E}">
+        <p14:creationId xmlns:p14="http://schemas.microsoft.com/office/powerpoint/2010/main" val="775298386"/>
+      </p:ext>
+    </p:extLst>
+  </p:cSld>
+  <p:clrMapOvr>
+    <a:masterClrMapping/>
+  </p:clrMapOvr>
+</p:sld>
+</file>
+
+<file path=ppt/slides/slide8.xml><?xml version="1.0" encoding="utf-8"?>
+<p:sld xmlns:a="http://schemas.openxmlformats.org/drawingml/2006/main" xmlns:r="http://schemas.openxmlformats.org/officeDocument/2006/relationships" xmlns:p="http://schemas.openxmlformats.org/presentationml/2006/main">
+  <p:cSld>
+    <p:spTree>
+      <p:nvGrpSpPr>
+        <p:cNvPr id="1" name=""/>
+        <p:cNvGrpSpPr/>
+        <p:nvPr/>
+      </p:nvGrpSpPr>
+      <p:grpSpPr>
+        <a:xfrm>
+          <a:off x="0" y="0"/>
+          <a:ext cx="0" cy="0"/>
+          <a:chOff x="0" y="0"/>
+          <a:chExt cx="0" cy="0"/>
+        </a:xfrm>
+      </p:grpSpPr>
+      <p:sp>
+        <p:nvSpPr>
+          <p:cNvPr id="2" name="Заголовок 1">
+            <a:extLst>
+              <a:ext uri="{FF2B5EF4-FFF2-40B4-BE49-F238E27FC236}">
                 <a16:creationId xmlns:a16="http://schemas.microsoft.com/office/drawing/2014/main" id="{B9F725C6-B556-1140-BDD0-AEA412DEF657}"/>
               </a:ext>
             </a:extLst>
@@ -7782,30 +7951,7 @@
             </a:pPr>
             <a:r>
               <a:rPr lang="ru-RU" sz="1800" dirty="0"/>
-              <a:t>В заключение, можно сказать, что данный проект открывает новые возможности для спортсменов и людей, занимающихся физкультурой. Приложение не только поможет им вести учёт своих результатов, но и будет мотивировать к достижению новых спортивных целей. Возможность комментирования и просмотра своих достижений с течением времени позволит пользователям отслеживать свой прогресс и делиться им с другими. Это приложение может </a:t>
-            </a:r>
-            <a:r>
-              <a:rPr lang="ru-RU" sz="1800"/>
-              <a:t>помочь многим, </a:t>
-            </a:r>
-            <a:r>
-              <a:rPr lang="ru-RU" sz="1800" dirty="0"/>
-              <a:t>кто стремится к здоровому образу жизни и достижению спортивных успехов.</a:t>
-            </a:r>
-          </a:p>
-          <a:p>
-            <a:pPr marL="0" indent="0">
-              <a:buNone/>
-            </a:pPr>
-            <a:endParaRPr lang="ru-RU" sz="1600" dirty="0"/>
-          </a:p>
-          <a:p>
-            <a:pPr marL="0" indent="0">
-              <a:buNone/>
-            </a:pPr>
-            <a:r>
-              <a:rPr lang="ru-RU" sz="1800" dirty="0"/>
-              <a:t>В будущем в проекте будет добавлена функция просмотра и скачивания графика, который будет основываться на спортивных результатах человека с течением времени</a:t>
+              <a:t>В заключение, можно сказать, что данный проект открывает новые возможности для спортсменов и людей, занимающихся физкультурой. Приложение не только поможет им вести учёт своих результатов, но и будет мотивировать к достижению новых спортивных целей. Возможность комментирования и просмотра своих достижений с течением времени позволит пользователям отслеживать свой прогресс и делиться им с другими. Это приложение может помочь многим, кто стремится к здоровому образу жизни и достижению спортивных успехов.</a:t>
             </a:r>
           </a:p>
         </p:txBody>
@@ -7834,7 +7980,7 @@
             <a:fld id="{7D575049-B6D6-2143-9484-1B8B99E2DEA9}" type="slidenum">
               <a:rPr lang="ru-RU" smtClean="0"/>
               <a:pPr/>
-              <a:t>7</a:t>
+              <a:t>8</a:t>
             </a:fld>
             <a:endParaRPr lang="ru-RU"/>
           </a:p>

--- a/description_project/Презентация.pptx
+++ b/description_project/Презентация.pptx
@@ -5,17 +5,16 @@
     <p:sldMasterId id="2147485761" r:id="rId1"/>
   </p:sldMasterIdLst>
   <p:notesMasterIdLst>
-    <p:notesMasterId r:id="rId10"/>
+    <p:notesMasterId r:id="rId9"/>
   </p:notesMasterIdLst>
   <p:sldIdLst>
     <p:sldId id="256" r:id="rId2"/>
     <p:sldId id="257" r:id="rId3"/>
-    <p:sldId id="258" r:id="rId4"/>
-    <p:sldId id="259" r:id="rId5"/>
-    <p:sldId id="260" r:id="rId6"/>
-    <p:sldId id="267" r:id="rId7"/>
-    <p:sldId id="268" r:id="rId8"/>
-    <p:sldId id="263" r:id="rId9"/>
+    <p:sldId id="259" r:id="rId4"/>
+    <p:sldId id="267" r:id="rId5"/>
+    <p:sldId id="269" r:id="rId6"/>
+    <p:sldId id="268" r:id="rId7"/>
+    <p:sldId id="263" r:id="rId8"/>
   </p:sldIdLst>
   <p:sldSz cx="12192000" cy="6858000"/>
   <p:notesSz cx="6858000" cy="9144000"/>
@@ -121,10 +120,9 @@
           <p14:sldIdLst>
             <p14:sldId id="256"/>
             <p14:sldId id="257"/>
-            <p14:sldId id="258"/>
             <p14:sldId id="259"/>
-            <p14:sldId id="260"/>
             <p14:sldId id="267"/>
+            <p14:sldId id="269"/>
             <p14:sldId id="268"/>
           </p14:sldIdLst>
         </p14:section>
@@ -239,7 +237,7 @@
             <a:fld id="{242E115C-DB9A-B14B-BC56-BF97C1E58CDC}" type="datetimeFigureOut">
               <a:rPr lang="ru-RU" smtClean="0"/>
               <a:pPr/>
-              <a:t>12.02.2024</a:t>
+              <a:t>14.02.2024</a:t>
             </a:fld>
             <a:endParaRPr lang="ru-RU"/>
           </a:p>
@@ -858,7 +856,7 @@
           <a:p>
             <a:fld id="{19A2DF0B-947C-4099-8BD7-E614C990624E}" type="datetime1">
               <a:rPr lang="en-US" smtClean="0"/>
-              <a:t>2/12/2024</a:t>
+              <a:t>2/14/2024</a:t>
             </a:fld>
             <a:endParaRPr lang="en-US" dirty="0"/>
           </a:p>
@@ -1128,7 +1126,7 @@
           <a:p>
             <a:fld id="{0D134BD1-EDC2-45A9-9D56-E8F9E9DE58E2}" type="datetime1">
               <a:rPr lang="en-US" smtClean="0"/>
-              <a:t>2/12/2024</a:t>
+              <a:t>2/14/2024</a:t>
             </a:fld>
             <a:endParaRPr lang="en-US" dirty="0"/>
           </a:p>
@@ -1321,7 +1319,7 @@
           <a:p>
             <a:fld id="{0C6EA745-4A34-4056-A14C-2A403BEB243C}" type="datetime1">
               <a:rPr lang="en-US" smtClean="0"/>
-              <a:t>2/12/2024</a:t>
+              <a:t>2/14/2024</a:t>
             </a:fld>
             <a:endParaRPr lang="en-US" dirty="0"/>
           </a:p>
@@ -1588,7 +1586,7 @@
           <a:p>
             <a:fld id="{0FCDFD0C-6E31-4FDF-96AA-2E319B6AC716}" type="datetime1">
               <a:rPr lang="en-US" smtClean="0"/>
-              <a:t>2/12/2024</a:t>
+              <a:t>2/14/2024</a:t>
             </a:fld>
             <a:endParaRPr lang="en-US" dirty="0"/>
           </a:p>
@@ -1919,7 +1917,7 @@
           <a:p>
             <a:fld id="{2E47DCC1-F17F-44D7-98FD-89212EE360AA}" type="datetime1">
               <a:rPr lang="en-US" smtClean="0"/>
-              <a:t>2/12/2024</a:t>
+              <a:t>2/14/2024</a:t>
             </a:fld>
             <a:endParaRPr lang="en-US" dirty="0"/>
           </a:p>
@@ -2528,7 +2526,7 @@
           <a:p>
             <a:fld id="{B166E977-4E7F-4F02-A002-B0247436D757}" type="datetime1">
               <a:rPr lang="en-US" smtClean="0"/>
-              <a:t>2/12/2024</a:t>
+              <a:t>2/14/2024</a:t>
             </a:fld>
             <a:endParaRPr lang="en-US" dirty="0"/>
           </a:p>
@@ -3362,7 +3360,7 @@
           <a:p>
             <a:fld id="{9298B2A5-26D9-462E-9B51-890C4FE568D1}" type="datetime1">
               <a:rPr lang="en-US" smtClean="0"/>
-              <a:t>2/12/2024</a:t>
+              <a:t>2/14/2024</a:t>
             </a:fld>
             <a:endParaRPr lang="en-US" dirty="0"/>
           </a:p>
@@ -3530,7 +3528,7 @@
           <a:p>
             <a:fld id="{F69FBA40-5DE0-4AAD-9B9D-00CA3C19DD48}" type="datetime1">
               <a:rPr lang="en-US" smtClean="0"/>
-              <a:t>2/12/2024</a:t>
+              <a:t>2/14/2024</a:t>
             </a:fld>
             <a:endParaRPr lang="en-US" dirty="0"/>
           </a:p>
@@ -3708,7 +3706,7 @@
           <a:p>
             <a:fld id="{F23BB48A-EF88-43FC-9561-CCBF0FB5723B}" type="datetime1">
               <a:rPr lang="en-US" smtClean="0"/>
-              <a:t>2/12/2024</a:t>
+              <a:t>2/14/2024</a:t>
             </a:fld>
             <a:endParaRPr lang="en-US" dirty="0"/>
           </a:p>
@@ -3876,7 +3874,7 @@
           <a:p>
             <a:fld id="{33573000-D23E-4E8E-83B5-363A014A4C7E}" type="datetime1">
               <a:rPr lang="en-US" smtClean="0"/>
-              <a:t>2/12/2024</a:t>
+              <a:t>2/14/2024</a:t>
             </a:fld>
             <a:endParaRPr lang="en-US" dirty="0"/>
           </a:p>
@@ -4119,7 +4117,7 @@
           <a:p>
             <a:fld id="{79D3C6D3-91C3-48FD-A8CD-A5C583B3FBDC}" type="datetime1">
               <a:rPr lang="en-US" smtClean="0"/>
-              <a:t>2/12/2024</a:t>
+              <a:t>2/14/2024</a:t>
             </a:fld>
             <a:endParaRPr lang="en-US" dirty="0"/>
           </a:p>
@@ -4408,7 +4406,7 @@
           <a:p>
             <a:fld id="{046EF8D6-F9D0-4887-BBD8-D10DF2E83524}" type="datetime1">
               <a:rPr lang="en-US" smtClean="0"/>
-              <a:t>2/12/2024</a:t>
+              <a:t>2/14/2024</a:t>
             </a:fld>
             <a:endParaRPr lang="en-US" dirty="0"/>
           </a:p>
@@ -4843,7 +4841,7 @@
           <a:p>
             <a:fld id="{4141118D-A3A7-4850-B78D-10F53F6626A8}" type="datetime1">
               <a:rPr lang="en-US" smtClean="0"/>
-              <a:t>2/12/2024</a:t>
+              <a:t>2/14/2024</a:t>
             </a:fld>
             <a:endParaRPr lang="en-US" dirty="0"/>
           </a:p>
@@ -4960,7 +4958,7 @@
           <a:p>
             <a:fld id="{B82C9CC1-C7FE-4C57-8BA2-228CD1707078}" type="datetime1">
               <a:rPr lang="en-US" smtClean="0"/>
-              <a:t>2/12/2024</a:t>
+              <a:t>2/14/2024</a:t>
             </a:fld>
             <a:endParaRPr lang="en-US" dirty="0"/>
           </a:p>
@@ -5055,7 +5053,7 @@
           <a:p>
             <a:fld id="{05D01185-00D9-4969-9285-A4B7C61437EB}" type="datetime1">
               <a:rPr lang="en-US" smtClean="0"/>
-              <a:t>2/12/2024</a:t>
+              <a:t>2/14/2024</a:t>
             </a:fld>
             <a:endParaRPr lang="en-US" dirty="0"/>
           </a:p>
@@ -5332,7 +5330,7 @@
           <a:p>
             <a:fld id="{F2418385-3F2C-4636-8E16-4F065C1202A2}" type="datetime1">
               <a:rPr lang="en-US" smtClean="0"/>
-              <a:t>2/12/2024</a:t>
+              <a:t>2/14/2024</a:t>
             </a:fld>
             <a:endParaRPr lang="en-US" dirty="0"/>
           </a:p>
@@ -5602,7 +5600,7 @@
           <a:p>
             <a:fld id="{37D105C2-2003-4BBE-96D8-F4549432BE15}" type="datetime1">
               <a:rPr lang="en-US" smtClean="0"/>
-              <a:t>2/12/2024</a:t>
+              <a:t>2/14/2024</a:t>
             </a:fld>
             <a:endParaRPr lang="en-US" dirty="0"/>
           </a:p>
@@ -6029,7 +6027,7 @@
           <a:p>
             <a:fld id="{0E64B62E-408E-4B7F-9F87-C8319CF72145}" type="datetime1">
               <a:rPr lang="en-US" smtClean="0"/>
-              <a:t>2/12/2024</a:t>
+              <a:t>2/14/2024</a:t>
             </a:fld>
             <a:endParaRPr lang="en-US" dirty="0"/>
           </a:p>
@@ -6827,7 +6825,15 @@
             </a:pPr>
             <a:r>
               <a:rPr lang="ru-RU" sz="2200" dirty="0"/>
-              <a:t>Приложение предназначено для спортсменов и людей, занимающихся физкультурой, которые хотят отслеживать свои спортивные достижения. Оно предоставляет возможность записывать результаты спортивных задач, добавлять комментарии к ним и просматривать свои достижения в динамике. Таким образом, пользователи могут удобно отслеживать свой прогресс в тренировках, видеть свои улучшения или ухудшения со временем, а график результатов и комментарии к ним могут помочь тренеру сделать выводы, как улучшить прогресс тренирующегося</a:t>
+              <a:t>Приложение предназначено для спортсменов и людей, занимающихся физкультурой, которые хотят</a:t>
+            </a:r>
+            <a:r>
+              <a:rPr lang="en-US" sz="2200" dirty="0"/>
+              <a:t> </a:t>
+            </a:r>
+            <a:r>
+              <a:rPr lang="ru-RU" sz="2200" dirty="0"/>
+              <a:t>заносить и отслеживать результаты своих спортивных целей. Оно предоставляет возможность записывать результаты своих спортивных задач, добавлять комментарии к ним и просматривать свои достижения в динамике. Таким образом, пользователи могут удобно отслеживать свой прогресс в тренировках, видеть свои улучшения или ухудшения со временем.</a:t>
             </a:r>
           </a:p>
         </p:txBody>
@@ -6933,7 +6939,7 @@
           <p:cNvPr id="2" name="Заголовок 1">
             <a:extLst>
               <a:ext uri="{FF2B5EF4-FFF2-40B4-BE49-F238E27FC236}">
-                <a16:creationId xmlns:a16="http://schemas.microsoft.com/office/drawing/2014/main" id="{493D828F-171C-D740-8530-68197A1E7649}"/>
+                <a16:creationId xmlns:a16="http://schemas.microsoft.com/office/drawing/2014/main" id="{BD899461-28E1-9B4E-BF11-DDADE82989C2}"/>
               </a:ext>
             </a:extLst>
           </p:cNvPr>
@@ -6950,8 +6956,89 @@
           <a:lstStyle/>
           <a:p>
             <a:r>
-              <a:rPr lang="ru-RU" sz="3600" dirty="0"/>
-              <a:t>Использованные файлы и база данных</a:t>
+              <a:rPr lang="ru-RU" dirty="0"/>
+              <a:t>Использованные технологии</a:t>
+            </a:r>
+          </a:p>
+        </p:txBody>
+      </p:sp>
+      <p:sp>
+        <p:nvSpPr>
+          <p:cNvPr id="5" name="Объект 4">
+            <a:extLst>
+              <a:ext uri="{FF2B5EF4-FFF2-40B4-BE49-F238E27FC236}">
+                <a16:creationId xmlns:a16="http://schemas.microsoft.com/office/drawing/2014/main" id="{E74FB0DB-98B9-4C4E-9429-9E28B46BC55B}"/>
+              </a:ext>
+            </a:extLst>
+          </p:cNvPr>
+          <p:cNvSpPr>
+            <a:spLocks noGrp="1"/>
+          </p:cNvSpPr>
+          <p:nvPr>
+            <p:ph idx="1"/>
+          </p:nvPr>
+        </p:nvSpPr>
+        <p:spPr>
+          <a:xfrm>
+            <a:off x="1057275" y="1757364"/>
+            <a:ext cx="8409750" cy="3898517"/>
+          </a:xfrm>
+        </p:spPr>
+        <p:txBody>
+          <a:bodyPr vert="horz" lIns="91440" tIns="45720" rIns="91440" bIns="45720" rtlCol="0" anchor="t">
+            <a:normAutofit/>
+          </a:bodyPr>
+          <a:lstStyle/>
+          <a:p>
+            <a:r>
+              <a:rPr lang="ru-RU" dirty="0" err="1"/>
+              <a:t>Python</a:t>
+            </a:r>
+            <a:r>
+              <a:rPr lang="ru-RU" dirty="0"/>
+              <a:t>: язык программирования</a:t>
+            </a:r>
+          </a:p>
+          <a:p>
+            <a:pPr marL="0" indent="0">
+              <a:buNone/>
+            </a:pPr>
+            <a:r>
+              <a:rPr lang="ru-RU" dirty="0"/>
+              <a:t>Основные библиотеки и модули:</a:t>
+            </a:r>
+          </a:p>
+          <a:p>
+            <a:r>
+              <a:rPr lang="ru-RU" dirty="0"/>
+              <a:t>PyQt5: создание графического дизайна</a:t>
+            </a:r>
+          </a:p>
+          <a:p>
+            <a:r>
+              <a:rPr lang="ru-RU" dirty="0"/>
+              <a:t>Sqlite3: хранение информации (база данных)</a:t>
+            </a:r>
+            <a:endParaRPr lang="ru-RU" sz="1600" dirty="0"/>
+          </a:p>
+          <a:p>
+            <a:r>
+              <a:rPr lang="en-US" dirty="0"/>
+              <a:t>Matplotlib</a:t>
+            </a:r>
+            <a:r>
+              <a:rPr lang="ru-RU" dirty="0"/>
+              <a:t>: для построения графика</a:t>
+            </a:r>
+          </a:p>
+          <a:p>
+            <a:r>
+              <a:rPr lang="en-US" dirty="0"/>
+              <a:t>Datetime</a:t>
+            </a:r>
+            <a:r>
+              <a:rPr lang="ru-RU" dirty="0"/>
+              <a:t>: для работы со временем</a:t>
             </a:r>
           </a:p>
         </p:txBody>
@@ -6961,7 +7048,7 @@
           <p:cNvPr id="3" name="Номер слайда 2">
             <a:extLst>
               <a:ext uri="{FF2B5EF4-FFF2-40B4-BE49-F238E27FC236}">
-                <a16:creationId xmlns:a16="http://schemas.microsoft.com/office/drawing/2014/main" id="{F336E956-6CE7-4928-A8BE-44BBD48E56F5}"/>
+                <a16:creationId xmlns:a16="http://schemas.microsoft.com/office/drawing/2014/main" id="{CB90776F-075E-4C10-8AC5-85F54C8C8A9B}"/>
               </a:ext>
             </a:extLst>
           </p:cNvPr>
@@ -6978,107 +7065,18 @@
           <a:lstStyle/>
           <a:p>
             <a:fld id="{7D575049-B6D6-2143-9484-1B8B99E2DEA9}" type="slidenum">
-              <a:rPr lang="ru-RU" smtClean="0"/>
+              <a:rPr lang="ru-RU" dirty="0" smtClean="0"/>
               <a:pPr/>
               <a:t>3</a:t>
             </a:fld>
-            <a:endParaRPr lang="ru-RU"/>
-          </a:p>
-        </p:txBody>
-      </p:sp>
-      <p:pic>
-        <p:nvPicPr>
-          <p:cNvPr id="7" name="Объект 6">
-            <a:extLst>
-              <a:ext uri="{FF2B5EF4-FFF2-40B4-BE49-F238E27FC236}">
-                <a16:creationId xmlns:a16="http://schemas.microsoft.com/office/drawing/2014/main" id="{2F3126F5-3A1E-4A25-8579-1A1D456AD9A1}"/>
-              </a:ext>
-            </a:extLst>
-          </p:cNvPr>
-          <p:cNvPicPr>
-            <a:picLocks noGrp="1" noChangeAspect="1"/>
-          </p:cNvPicPr>
-          <p:nvPr>
-            <p:ph idx="1"/>
-          </p:nvPr>
-        </p:nvPicPr>
-        <p:blipFill>
-          <a:blip r:embed="rId2"/>
-          <a:stretch>
-            <a:fillRect/>
-          </a:stretch>
-        </p:blipFill>
-        <p:spPr>
-          <a:xfrm>
-            <a:off x="796065" y="1152983"/>
-            <a:ext cx="3429238" cy="5495925"/>
-          </a:xfrm>
-        </p:spPr>
-      </p:pic>
-      <p:pic>
-        <p:nvPicPr>
-          <p:cNvPr id="9" name="Рисунок 8">
-            <a:extLst>
-              <a:ext uri="{FF2B5EF4-FFF2-40B4-BE49-F238E27FC236}">
-                <a16:creationId xmlns:a16="http://schemas.microsoft.com/office/drawing/2014/main" id="{2C04E513-6297-4238-955A-C140ACF4454B}"/>
-              </a:ext>
-            </a:extLst>
-          </p:cNvPr>
-          <p:cNvPicPr>
-            <a:picLocks noChangeAspect="1"/>
-          </p:cNvPicPr>
-          <p:nvPr/>
-        </p:nvPicPr>
-        <p:blipFill>
-          <a:blip r:embed="rId3"/>
-          <a:stretch>
-            <a:fillRect/>
-          </a:stretch>
-        </p:blipFill>
-        <p:spPr>
-          <a:xfrm>
-            <a:off x="4714874" y="1243648"/>
-            <a:ext cx="6132363" cy="3537902"/>
-          </a:xfrm>
-          <a:prstGeom prst="rect">
-            <a:avLst/>
-          </a:prstGeom>
-        </p:spPr>
-      </p:pic>
-      <p:pic>
-        <p:nvPicPr>
-          <p:cNvPr id="11" name="Рисунок 10">
-            <a:extLst>
-              <a:ext uri="{FF2B5EF4-FFF2-40B4-BE49-F238E27FC236}">
-                <a16:creationId xmlns:a16="http://schemas.microsoft.com/office/drawing/2014/main" id="{B0E4477F-D2B3-4392-A5A2-B2BEF6646D7E}"/>
-              </a:ext>
-            </a:extLst>
-          </p:cNvPr>
-          <p:cNvPicPr>
-            <a:picLocks noChangeAspect="1"/>
-          </p:cNvPicPr>
-          <p:nvPr/>
-        </p:nvPicPr>
-        <p:blipFill>
-          <a:blip r:embed="rId4"/>
-          <a:stretch>
-            <a:fillRect/>
-          </a:stretch>
-        </p:blipFill>
-        <p:spPr>
-          <a:xfrm>
-            <a:off x="6509467" y="4937334"/>
-            <a:ext cx="2543176" cy="1562843"/>
-          </a:xfrm>
-          <a:prstGeom prst="rect">
-            <a:avLst/>
-          </a:prstGeom>
-        </p:spPr>
-      </p:pic>
+            <a:endParaRPr lang="ru-RU" dirty="0"/>
+          </a:p>
+        </p:txBody>
+      </p:sp>
     </p:spTree>
     <p:extLst>
       <p:ext uri="{BB962C8B-B14F-4D97-AF65-F5344CB8AC3E}">
-        <p14:creationId xmlns:p14="http://schemas.microsoft.com/office/powerpoint/2010/main" val="1911192602"/>
+        <p14:creationId xmlns:p14="http://schemas.microsoft.com/office/powerpoint/2010/main" val="247838873"/>
       </p:ext>
     </p:extLst>
   </p:cSld>
@@ -7110,7 +7108,7 @@
           <p:cNvPr id="2" name="Заголовок 1">
             <a:extLst>
               <a:ext uri="{FF2B5EF4-FFF2-40B4-BE49-F238E27FC236}">
-                <a16:creationId xmlns:a16="http://schemas.microsoft.com/office/drawing/2014/main" id="{BD899461-28E1-9B4E-BF11-DDADE82989C2}"/>
+                <a16:creationId xmlns:a16="http://schemas.microsoft.com/office/drawing/2014/main" id="{7D43BCEC-C319-984B-B3B7-F123515DF981}"/>
               </a:ext>
             </a:extLst>
           </p:cNvPr>
@@ -7121,24 +7119,29 @@
             <p:ph type="title"/>
           </p:nvPr>
         </p:nvSpPr>
-        <p:spPr/>
+        <p:spPr>
+          <a:xfrm>
+            <a:off x="947817" y="378415"/>
+            <a:ext cx="9404723" cy="1400530"/>
+          </a:xfrm>
+        </p:spPr>
         <p:txBody>
           <a:bodyPr/>
           <a:lstStyle/>
           <a:p>
             <a:r>
-              <a:rPr lang="ru-RU" dirty="0"/>
-              <a:t>Использованные технологии</a:t>
-            </a:r>
-          </a:p>
-        </p:txBody>
-      </p:sp>
-      <p:sp>
-        <p:nvSpPr>
-          <p:cNvPr id="5" name="Объект 4">
+              <a:rPr lang="ru-RU" sz="3200" dirty="0"/>
+              <a:t>Основное окно</a:t>
+            </a:r>
+          </a:p>
+        </p:txBody>
+      </p:sp>
+      <p:sp>
+        <p:nvSpPr>
+          <p:cNvPr id="3" name="Объект 2">
             <a:extLst>
               <a:ext uri="{FF2B5EF4-FFF2-40B4-BE49-F238E27FC236}">
-                <a16:creationId xmlns:a16="http://schemas.microsoft.com/office/drawing/2014/main" id="{E74FB0DB-98B9-4C4E-9429-9E28B46BC55B}"/>
+                <a16:creationId xmlns:a16="http://schemas.microsoft.com/office/drawing/2014/main" id="{A3C78FDA-8E81-014F-B2CF-70019159919E}"/>
               </a:ext>
             </a:extLst>
           </p:cNvPr>
@@ -7151,8 +7154,8 @@
         </p:nvSpPr>
         <p:spPr>
           <a:xfrm>
-            <a:off x="1057275" y="1757364"/>
-            <a:ext cx="8409750" cy="3898517"/>
+            <a:off x="217487" y="1285154"/>
+            <a:ext cx="4487863" cy="5429970"/>
           </a:xfrm>
         </p:spPr>
         <p:txBody>
@@ -7161,65 +7164,75 @@
           </a:bodyPr>
           <a:lstStyle/>
           <a:p>
-            <a:r>
-              <a:rPr lang="ru-RU" dirty="0" err="1"/>
-              <a:t>Python</a:t>
-            </a:r>
-            <a:r>
-              <a:rPr lang="ru-RU" dirty="0"/>
-              <a:t>: язык программирования</a:t>
-            </a:r>
-          </a:p>
-          <a:p>
             <a:pPr marL="0" indent="0">
               <a:buNone/>
             </a:pPr>
             <a:r>
-              <a:rPr lang="ru-RU" dirty="0"/>
-              <a:t>Основные библиотеки и модули:</a:t>
-            </a:r>
-          </a:p>
-          <a:p>
-            <a:r>
-              <a:rPr lang="ru-RU" dirty="0"/>
-              <a:t>PyQt5: создание графического дизайна</a:t>
-            </a:r>
-          </a:p>
-          <a:p>
-            <a:r>
-              <a:rPr lang="ru-RU" dirty="0"/>
-              <a:t>Sqlite3: хранение информации (база данных)</a:t>
+              <a:rPr lang="ru-RU" sz="1600" dirty="0"/>
+              <a:t>Составляющие главного окна: создание задания, перемещение между заданиями, показ таблицы результатов, занесение в таблицу результатов заданий (дата</a:t>
+            </a:r>
+            <a:r>
+              <a:rPr lang="en-US" sz="1600" dirty="0"/>
+              <a:t>, </a:t>
+            </a:r>
+            <a:r>
+              <a:rPr lang="ru-RU" sz="1600" dirty="0"/>
+              <a:t>результат</a:t>
+            </a:r>
+            <a:r>
+              <a:rPr lang="en-US" sz="1600" dirty="0"/>
+              <a:t>, </a:t>
+            </a:r>
+            <a:r>
+              <a:rPr lang="ru-RU" sz="1600" dirty="0"/>
+              <a:t>оценка, комментарий) и их удаление. Результаты в таблице отсортированы по дате. Также есть возможность:</a:t>
+            </a:r>
+          </a:p>
+          <a:p>
+            <a:r>
+              <a:rPr lang="ru-RU" sz="1600" dirty="0"/>
+              <a:t>Скачать таблицу</a:t>
+            </a:r>
+            <a:r>
+              <a:rPr lang="en-US" sz="1600" dirty="0"/>
+              <a:t> </a:t>
+            </a:r>
+            <a:r>
+              <a:rPr lang="ru-RU" sz="1600" dirty="0"/>
+              <a:t>с результатами в формате .</a:t>
+            </a:r>
+            <a:r>
+              <a:rPr lang="en-US" sz="1600" dirty="0"/>
+              <a:t>xlsx, .csv</a:t>
             </a:r>
             <a:endParaRPr lang="ru-RU" sz="1600" dirty="0"/>
           </a:p>
           <a:p>
             <a:r>
-              <a:rPr lang="en-US" dirty="0"/>
-              <a:t>Matplotlib</a:t>
-            </a:r>
-            <a:r>
-              <a:rPr lang="ru-RU" dirty="0"/>
-              <a:t>: для построения графика</a:t>
-            </a:r>
-          </a:p>
-          <a:p>
-            <a:r>
-              <a:rPr lang="en-US" dirty="0"/>
-              <a:t>Datetime</a:t>
-            </a:r>
-            <a:r>
-              <a:rPr lang="ru-RU" dirty="0"/>
-              <a:t>: для работы со временем</a:t>
-            </a:r>
-          </a:p>
-        </p:txBody>
-      </p:sp>
-      <p:sp>
-        <p:nvSpPr>
-          <p:cNvPr id="3" name="Номер слайда 2">
+              <a:rPr lang="ru-RU" sz="1600" dirty="0"/>
+              <a:t>Посмотреть или скачать график с результатами. Для этого надо выбрать сколько записей (результатов) будет в графике. По умолчанию – первые 30 записей.</a:t>
+            </a:r>
+          </a:p>
+          <a:p>
+            <a:r>
+              <a:rPr lang="ru-RU" sz="1600" dirty="0"/>
+              <a:t>Удалить задачу, если появилась необходимость.</a:t>
+            </a:r>
+          </a:p>
+          <a:p>
+            <a:r>
+              <a:rPr lang="ru-RU" sz="1600" dirty="0"/>
+              <a:t>Удалить запись (результат) из таблицы по номеру строки в таблице.</a:t>
+            </a:r>
+          </a:p>
+        </p:txBody>
+      </p:sp>
+      <p:sp>
+        <p:nvSpPr>
+          <p:cNvPr id="4" name="Номер слайда 3">
             <a:extLst>
               <a:ext uri="{FF2B5EF4-FFF2-40B4-BE49-F238E27FC236}">
-                <a16:creationId xmlns:a16="http://schemas.microsoft.com/office/drawing/2014/main" id="{CB90776F-075E-4C10-8AC5-85F54C8C8A9B}"/>
+                <a16:creationId xmlns:a16="http://schemas.microsoft.com/office/drawing/2014/main" id="{4F3F6C65-68B2-41A2-B120-2B5AEBFEC71C}"/>
               </a:ext>
             </a:extLst>
           </p:cNvPr>
@@ -7236,18 +7249,48 @@
           <a:lstStyle/>
           <a:p>
             <a:fld id="{7D575049-B6D6-2143-9484-1B8B99E2DEA9}" type="slidenum">
-              <a:rPr lang="ru-RU" dirty="0" smtClean="0"/>
+              <a:rPr lang="ru-RU" smtClean="0"/>
               <a:pPr/>
               <a:t>4</a:t>
             </a:fld>
-            <a:endParaRPr lang="ru-RU" dirty="0"/>
-          </a:p>
-        </p:txBody>
-      </p:sp>
+            <a:endParaRPr lang="ru-RU"/>
+          </a:p>
+        </p:txBody>
+      </p:sp>
+      <p:pic>
+        <p:nvPicPr>
+          <p:cNvPr id="6" name="Рисунок 5">
+            <a:extLst>
+              <a:ext uri="{FF2B5EF4-FFF2-40B4-BE49-F238E27FC236}">
+                <a16:creationId xmlns:a16="http://schemas.microsoft.com/office/drawing/2014/main" id="{6CF9634D-CF7A-4AED-8A36-C22B41A07CA6}"/>
+              </a:ext>
+            </a:extLst>
+          </p:cNvPr>
+          <p:cNvPicPr>
+            <a:picLocks noChangeAspect="1"/>
+          </p:cNvPicPr>
+          <p:nvPr/>
+        </p:nvPicPr>
+        <p:blipFill>
+          <a:blip r:embed="rId2"/>
+          <a:stretch>
+            <a:fillRect/>
+          </a:stretch>
+        </p:blipFill>
+        <p:spPr>
+          <a:xfrm>
+            <a:off x="5316205" y="1261384"/>
+            <a:ext cx="5927978" cy="5453740"/>
+          </a:xfrm>
+          <a:prstGeom prst="rect">
+            <a:avLst/>
+          </a:prstGeom>
+        </p:spPr>
+      </p:pic>
     </p:spTree>
     <p:extLst>
       <p:ext uri="{BB962C8B-B14F-4D97-AF65-F5344CB8AC3E}">
-        <p14:creationId xmlns:p14="http://schemas.microsoft.com/office/powerpoint/2010/main" val="247838873"/>
+        <p14:creationId xmlns:p14="http://schemas.microsoft.com/office/powerpoint/2010/main" val="2450468970"/>
       </p:ext>
     </p:extLst>
   </p:cSld>
@@ -7279,7 +7322,7 @@
           <p:cNvPr id="2" name="Заголовок 1">
             <a:extLst>
               <a:ext uri="{FF2B5EF4-FFF2-40B4-BE49-F238E27FC236}">
-                <a16:creationId xmlns:a16="http://schemas.microsoft.com/office/drawing/2014/main" id="{FE578C6A-C5AB-594C-AF28-99A25BEAC496}"/>
+                <a16:creationId xmlns:a16="http://schemas.microsoft.com/office/drawing/2014/main" id="{E9B39857-8C0E-46C1-A000-62B1EFCDC1DF}"/>
               </a:ext>
             </a:extLst>
           </p:cNvPr>
@@ -7290,29 +7333,24 @@
             <p:ph type="title"/>
           </p:nvPr>
         </p:nvSpPr>
-        <p:spPr>
-          <a:xfrm>
-            <a:off x="768779" y="180975"/>
-            <a:ext cx="8596668" cy="1320800"/>
-          </a:xfrm>
-        </p:spPr>
+        <p:spPr/>
         <p:txBody>
           <a:bodyPr/>
           <a:lstStyle/>
           <a:p>
             <a:r>
-              <a:rPr lang="ru-RU" dirty="0"/>
-              <a:t>Реализованные классы</a:t>
-            </a:r>
-          </a:p>
-        </p:txBody>
-      </p:sp>
-      <p:sp>
-        <p:nvSpPr>
-          <p:cNvPr id="3" name="Номер слайда 2">
+              <a:rPr lang="ru-RU" sz="3600" dirty="0"/>
+              <a:t>Примеры создания задания и записи результата в таблицу</a:t>
+            </a:r>
+          </a:p>
+        </p:txBody>
+      </p:sp>
+      <p:sp>
+        <p:nvSpPr>
+          <p:cNvPr id="4" name="Номер слайда 3">
             <a:extLst>
               <a:ext uri="{FF2B5EF4-FFF2-40B4-BE49-F238E27FC236}">
-                <a16:creationId xmlns:a16="http://schemas.microsoft.com/office/drawing/2014/main" id="{DB81AB4A-720D-47A0-BE5D-60FFA20130A6}"/>
+                <a16:creationId xmlns:a16="http://schemas.microsoft.com/office/drawing/2014/main" id="{52F4D105-1F12-419A-ABA3-EF70BBAB5389}"/>
               </a:ext>
             </a:extLst>
           </p:cNvPr>
@@ -7328,148 +7366,20 @@
           <a:bodyPr/>
           <a:lstStyle/>
           <a:p>
-            <a:fld id="{7D575049-B6D6-2143-9484-1B8B99E2DEA9}" type="slidenum">
-              <a:rPr lang="ru-RU" smtClean="0"/>
-              <a:pPr/>
+            <a:fld id="{D57F1E4F-1CFF-5643-939E-02111984F565}" type="slidenum">
+              <a:rPr lang="en-US" smtClean="0"/>
               <a:t>5</a:t>
             </a:fld>
-            <a:endParaRPr lang="ru-RU"/>
-          </a:p>
-        </p:txBody>
-      </p:sp>
-      <p:sp>
-        <p:nvSpPr>
-          <p:cNvPr id="12" name="Объект 11">
+            <a:endParaRPr lang="en-US" dirty="0"/>
+          </a:p>
+        </p:txBody>
+      </p:sp>
+      <p:pic>
+        <p:nvPicPr>
+          <p:cNvPr id="8" name="Рисунок 7">
             <a:extLst>
               <a:ext uri="{FF2B5EF4-FFF2-40B4-BE49-F238E27FC236}">
-                <a16:creationId xmlns:a16="http://schemas.microsoft.com/office/drawing/2014/main" id="{CD0FDDCF-4121-4DDA-BDA8-440594B2D62C}"/>
-              </a:ext>
-            </a:extLst>
-          </p:cNvPr>
-          <p:cNvSpPr>
-            <a:spLocks noGrp="1"/>
-          </p:cNvSpPr>
-          <p:nvPr>
-            <p:ph idx="1"/>
-          </p:nvPr>
-        </p:nvSpPr>
-        <p:spPr>
-          <a:xfrm>
-            <a:off x="4464367" y="1501776"/>
-            <a:ext cx="7346633" cy="5060496"/>
-          </a:xfrm>
-        </p:spPr>
-        <p:txBody>
-          <a:bodyPr/>
-          <a:lstStyle/>
-          <a:p>
-            <a:r>
-              <a:rPr lang="ru-RU" dirty="0"/>
-              <a:t>Классы </a:t>
-            </a:r>
-            <a:r>
-              <a:rPr lang="en-US" dirty="0"/>
-              <a:t>Authorization, Login, Registration </a:t>
-            </a:r>
-            <a:r>
-              <a:rPr lang="ru-RU" dirty="0"/>
-              <a:t>отвечают создание окон, в которых происходит авторизация, вход в аккаунт и регистрация соответственно</a:t>
-            </a:r>
-          </a:p>
-          <a:p>
-            <a:r>
-              <a:rPr lang="ru-RU" dirty="0"/>
-              <a:t>Класс </a:t>
-            </a:r>
-            <a:r>
-              <a:rPr lang="en-US" dirty="0"/>
-              <a:t>Database </a:t>
-            </a:r>
-            <a:r>
-              <a:rPr lang="ru-RU" dirty="0"/>
-              <a:t>отвечает за работу с базой данных</a:t>
-            </a:r>
-          </a:p>
-          <a:p>
-            <a:r>
-              <a:rPr lang="ru-RU" dirty="0"/>
-              <a:t>Класс </a:t>
-            </a:r>
-            <a:r>
-              <a:rPr lang="en-US" dirty="0" err="1"/>
-              <a:t>CreateTask</a:t>
-            </a:r>
-            <a:r>
-              <a:rPr lang="en-US" dirty="0"/>
-              <a:t> </a:t>
-            </a:r>
-            <a:r>
-              <a:rPr lang="ru-RU" dirty="0"/>
-              <a:t>отвечает за создание диалогового окна, в котором создается новая задача и информация о ней</a:t>
-            </a:r>
-          </a:p>
-          <a:p>
-            <a:r>
-              <a:rPr lang="ru-RU" dirty="0"/>
-              <a:t>Класс </a:t>
-            </a:r>
-            <a:r>
-              <a:rPr lang="en-US" dirty="0" err="1"/>
-              <a:t>AddEntry</a:t>
-            </a:r>
-            <a:r>
-              <a:rPr lang="en-US" dirty="0"/>
-              <a:t> </a:t>
-            </a:r>
-            <a:r>
-              <a:rPr lang="ru-RU" dirty="0"/>
-              <a:t>отвечает за добавление записи (результата задачи) в таблицу</a:t>
-            </a:r>
-          </a:p>
-          <a:p>
-            <a:r>
-              <a:rPr lang="ru-RU" dirty="0"/>
-              <a:t>Класс </a:t>
-            </a:r>
-            <a:r>
-              <a:rPr lang="en-US" dirty="0" err="1"/>
-              <a:t>AboutProgram</a:t>
-            </a:r>
-            <a:r>
-              <a:rPr lang="en-US" dirty="0"/>
-              <a:t> </a:t>
-            </a:r>
-            <a:r>
-              <a:rPr lang="ru-RU" dirty="0"/>
-              <a:t>отвечает за создание окна, в котором показывается информация о программе</a:t>
-            </a:r>
-          </a:p>
-          <a:p>
-            <a:r>
-              <a:rPr lang="ru-RU" dirty="0"/>
-              <a:t>Класс </a:t>
-            </a:r>
-            <a:r>
-              <a:rPr lang="en-US" dirty="0" err="1"/>
-              <a:t>WarningDialogWindow</a:t>
-            </a:r>
-            <a:r>
-              <a:rPr lang="en-US" dirty="0"/>
-              <a:t> </a:t>
-            </a:r>
-            <a:r>
-              <a:rPr lang="ru-RU" dirty="0"/>
-              <a:t>отвечает за создание окон с предупреждениями, если пользователь сделал что-то не так</a:t>
-            </a:r>
-          </a:p>
-        </p:txBody>
-      </p:sp>
-      <p:pic>
-        <p:nvPicPr>
-          <p:cNvPr id="14" name="Рисунок 13">
-            <a:extLst>
-              <a:ext uri="{FF2B5EF4-FFF2-40B4-BE49-F238E27FC236}">
-                <a16:creationId xmlns:a16="http://schemas.microsoft.com/office/drawing/2014/main" id="{89C5E1A9-CEEA-496E-88DB-4A1182EB2CE6}"/>
+                <a16:creationId xmlns:a16="http://schemas.microsoft.com/office/drawing/2014/main" id="{22A5FBD7-A468-4FE6-BF10-36615140DFA6}"/>
               </a:ext>
             </a:extLst>
           </p:cNvPr>
@@ -7486,25 +7396,53 @@
         </p:blipFill>
         <p:spPr>
           <a:xfrm>
-            <a:off x="660792" y="1097575"/>
-            <a:ext cx="3367126" cy="5496565"/>
+            <a:off x="6008349" y="1461634"/>
+            <a:ext cx="5468304" cy="5036055"/>
           </a:xfrm>
           <a:prstGeom prst="rect">
             <a:avLst/>
           </a:prstGeom>
         </p:spPr>
       </p:pic>
+      <p:pic>
+        <p:nvPicPr>
+          <p:cNvPr id="12" name="Объект 11">
+            <a:extLst>
+              <a:ext uri="{FF2B5EF4-FFF2-40B4-BE49-F238E27FC236}">
+                <a16:creationId xmlns:a16="http://schemas.microsoft.com/office/drawing/2014/main" id="{99F961DC-A61C-4EB9-BF60-E07BB366CAD6}"/>
+              </a:ext>
+            </a:extLst>
+          </p:cNvPr>
+          <p:cNvPicPr>
+            <a:picLocks noGrp="1" noChangeAspect="1"/>
+          </p:cNvPicPr>
+          <p:nvPr>
+            <p:ph idx="1"/>
+          </p:nvPr>
+        </p:nvPicPr>
+        <p:blipFill>
+          <a:blip r:embed="rId3"/>
+          <a:stretch>
+            <a:fillRect/>
+          </a:stretch>
+        </p:blipFill>
+        <p:spPr>
+          <a:xfrm>
+            <a:off x="391190" y="1853248"/>
+            <a:ext cx="5216507" cy="4786146"/>
+          </a:xfrm>
+        </p:spPr>
+      </p:pic>
     </p:spTree>
     <p:extLst>
       <p:ext uri="{BB962C8B-B14F-4D97-AF65-F5344CB8AC3E}">
-        <p14:creationId xmlns:p14="http://schemas.microsoft.com/office/powerpoint/2010/main" val="1952577791"/>
+        <p14:creationId xmlns:p14="http://schemas.microsoft.com/office/powerpoint/2010/main" val="3262391778"/>
       </p:ext>
     </p:extLst>
   </p:cSld>
   <p:clrMapOvr>
     <a:masterClrMapping/>
   </p:clrMapOvr>
-  <p:transition/>
 </p:sld>
 </file>
 
@@ -7530,7 +7468,7 @@
           <p:cNvPr id="2" name="Заголовок 1">
             <a:extLst>
               <a:ext uri="{FF2B5EF4-FFF2-40B4-BE49-F238E27FC236}">
-                <a16:creationId xmlns:a16="http://schemas.microsoft.com/office/drawing/2014/main" id="{7D43BCEC-C319-984B-B3B7-F123515DF981}"/>
+                <a16:creationId xmlns:a16="http://schemas.microsoft.com/office/drawing/2014/main" id="{01BCEC7A-CCE5-49F5-91FC-ECE5E5D8F979}"/>
               </a:ext>
             </a:extLst>
           </p:cNvPr>
@@ -7541,29 +7479,24 @@
             <p:ph type="title"/>
           </p:nvPr>
         </p:nvSpPr>
-        <p:spPr>
-          <a:xfrm>
-            <a:off x="947817" y="378415"/>
-            <a:ext cx="9404723" cy="1400530"/>
-          </a:xfrm>
-        </p:spPr>
+        <p:spPr/>
         <p:txBody>
           <a:bodyPr/>
           <a:lstStyle/>
           <a:p>
             <a:r>
-              <a:rPr lang="ru-RU" sz="3200" dirty="0"/>
-              <a:t>Основное окно</a:t>
-            </a:r>
-          </a:p>
-        </p:txBody>
-      </p:sp>
-      <p:sp>
-        <p:nvSpPr>
-          <p:cNvPr id="3" name="Объект 2">
+              <a:rPr lang="ru-RU" sz="3600" dirty="0"/>
+              <a:t>Примера графика и скачивания таблицы с результатами</a:t>
+            </a:r>
+          </a:p>
+        </p:txBody>
+      </p:sp>
+      <p:sp>
+        <p:nvSpPr>
+          <p:cNvPr id="4" name="Номер слайда 3">
             <a:extLst>
               <a:ext uri="{FF2B5EF4-FFF2-40B4-BE49-F238E27FC236}">
-                <a16:creationId xmlns:a16="http://schemas.microsoft.com/office/drawing/2014/main" id="{A3C78FDA-8E81-014F-B2CF-70019159919E}"/>
+                <a16:creationId xmlns:a16="http://schemas.microsoft.com/office/drawing/2014/main" id="{5E4BE8B0-53E2-485F-B1BB-DBE03C1D2A34}"/>
               </a:ext>
             </a:extLst>
           </p:cNvPr>
@@ -7571,120 +7504,28 @@
             <a:spLocks noGrp="1"/>
           </p:cNvSpPr>
           <p:nvPr>
-            <p:ph idx="1"/>
-          </p:nvPr>
-        </p:nvSpPr>
-        <p:spPr>
-          <a:xfrm>
-            <a:off x="217487" y="1285154"/>
-            <a:ext cx="4487863" cy="5429970"/>
-          </a:xfrm>
-        </p:spPr>
-        <p:txBody>
-          <a:bodyPr vert="horz" lIns="91440" tIns="45720" rIns="91440" bIns="45720" rtlCol="0" anchor="t">
-            <a:normAutofit lnSpcReduction="10000"/>
-          </a:bodyPr>
-          <a:lstStyle/>
-          <a:p>
-            <a:pPr marL="0" indent="0">
-              <a:buNone/>
-            </a:pPr>
-            <a:r>
-              <a:rPr lang="ru-RU" sz="1600" dirty="0"/>
-              <a:t>Составляющие главного окна: создание задания, перемещение между заданиями, показ таблицы результатов, занесение в таблицу результатов заданий (дата</a:t>
-            </a:r>
-            <a:r>
-              <a:rPr lang="en-US" sz="1600" dirty="0"/>
-              <a:t>, </a:t>
-            </a:r>
-            <a:r>
-              <a:rPr lang="ru-RU" sz="1600" dirty="0"/>
-              <a:t>результат</a:t>
-            </a:r>
-            <a:r>
-              <a:rPr lang="en-US" sz="1600" dirty="0"/>
-              <a:t>, </a:t>
-            </a:r>
-            <a:r>
-              <a:rPr lang="ru-RU" sz="1600" dirty="0"/>
-              <a:t>оценка, комментарий) и их удаление. Результаты в таблице отсортированы по дате. Также есть возможность:</a:t>
-            </a:r>
-          </a:p>
-          <a:p>
-            <a:r>
-              <a:rPr lang="ru-RU" sz="1600" dirty="0"/>
-              <a:t>Скачать таблицу</a:t>
-            </a:r>
-            <a:r>
-              <a:rPr lang="en-US" sz="1600" dirty="0"/>
-              <a:t> </a:t>
-            </a:r>
-            <a:r>
-              <a:rPr lang="ru-RU" sz="1600" dirty="0"/>
-              <a:t>с результатами в формате .</a:t>
-            </a:r>
-            <a:r>
-              <a:rPr lang="en-US" sz="1600" dirty="0"/>
-              <a:t>xlsx, .csv</a:t>
-            </a:r>
-            <a:endParaRPr lang="ru-RU" sz="1600" dirty="0"/>
-          </a:p>
-          <a:p>
-            <a:r>
-              <a:rPr lang="ru-RU" sz="1600" dirty="0"/>
-              <a:t>Посмотреть или скачать график с результатами. Для этого надо выбрать сколько записей (результатов) будет в графике. По умолчанию – первые 30 записей.</a:t>
-            </a:r>
-          </a:p>
-          <a:p>
-            <a:r>
-              <a:rPr lang="ru-RU" sz="1600" dirty="0"/>
-              <a:t>Удалить задачу, если появилась необходимость</a:t>
-            </a:r>
-          </a:p>
-          <a:p>
-            <a:r>
-              <a:rPr lang="ru-RU" sz="1600" dirty="0"/>
-              <a:t>Удалить запись (результат) из таблицы, если была допущена ошибка</a:t>
-            </a:r>
-          </a:p>
-        </p:txBody>
-      </p:sp>
-      <p:sp>
-        <p:nvSpPr>
-          <p:cNvPr id="4" name="Номер слайда 3">
+            <p:ph type="sldNum" sz="quarter" idx="12"/>
+          </p:nvPr>
+        </p:nvSpPr>
+        <p:spPr/>
+        <p:txBody>
+          <a:bodyPr/>
+          <a:lstStyle/>
+          <a:p>
+            <a:fld id="{D57F1E4F-1CFF-5643-939E-02111984F565}" type="slidenum">
+              <a:rPr lang="en-US" smtClean="0"/>
+              <a:t>6</a:t>
+            </a:fld>
+            <a:endParaRPr lang="en-US" dirty="0"/>
+          </a:p>
+        </p:txBody>
+      </p:sp>
+      <p:pic>
+        <p:nvPicPr>
+          <p:cNvPr id="11" name="Рисунок 10">
             <a:extLst>
               <a:ext uri="{FF2B5EF4-FFF2-40B4-BE49-F238E27FC236}">
-                <a16:creationId xmlns:a16="http://schemas.microsoft.com/office/drawing/2014/main" id="{4F3F6C65-68B2-41A2-B120-2B5AEBFEC71C}"/>
-              </a:ext>
-            </a:extLst>
-          </p:cNvPr>
-          <p:cNvSpPr>
-            <a:spLocks noGrp="1"/>
-          </p:cNvSpPr>
-          <p:nvPr>
-            <p:ph type="sldNum" sz="quarter" idx="12"/>
-          </p:nvPr>
-        </p:nvSpPr>
-        <p:spPr/>
-        <p:txBody>
-          <a:bodyPr/>
-          <a:lstStyle/>
-          <a:p>
-            <a:fld id="{7D575049-B6D6-2143-9484-1B8B99E2DEA9}" type="slidenum">
-              <a:rPr lang="ru-RU" smtClean="0"/>
-              <a:pPr/>
-              <a:t>6</a:t>
-            </a:fld>
-            <a:endParaRPr lang="ru-RU"/>
-          </a:p>
-        </p:txBody>
-      </p:sp>
-      <p:pic>
-        <p:nvPicPr>
-          <p:cNvPr id="7" name="Рисунок 6">
-            <a:extLst>
-              <a:ext uri="{FF2B5EF4-FFF2-40B4-BE49-F238E27FC236}">
-                <a16:creationId xmlns:a16="http://schemas.microsoft.com/office/drawing/2014/main" id="{5279F28E-48B2-46E7-938E-873D45B82D11}"/>
+                <a16:creationId xmlns:a16="http://schemas.microsoft.com/office/drawing/2014/main" id="{1B0C0B26-E7AA-431E-9DEF-A0FDCD6F867A}"/>
               </a:ext>
             </a:extLst>
           </p:cNvPr>
@@ -7701,18 +7542,47 @@
         </p:blipFill>
         <p:spPr>
           <a:xfrm>
-            <a:off x="5332864" y="1285154"/>
-            <a:ext cx="5857875" cy="5429970"/>
+            <a:off x="5851373" y="2240756"/>
+            <a:ext cx="6144873" cy="3826669"/>
           </a:xfrm>
           <a:prstGeom prst="rect">
             <a:avLst/>
           </a:prstGeom>
         </p:spPr>
       </p:pic>
+      <p:pic>
+        <p:nvPicPr>
+          <p:cNvPr id="7" name="Объект 6">
+            <a:extLst>
+              <a:ext uri="{FF2B5EF4-FFF2-40B4-BE49-F238E27FC236}">
+                <a16:creationId xmlns:a16="http://schemas.microsoft.com/office/drawing/2014/main" id="{AED4353B-2A4A-4A72-9C3E-C935798B66EA}"/>
+              </a:ext>
+            </a:extLst>
+          </p:cNvPr>
+          <p:cNvPicPr>
+            <a:picLocks noGrp="1" noChangeAspect="1"/>
+          </p:cNvPicPr>
+          <p:nvPr>
+            <p:ph idx="1"/>
+          </p:nvPr>
+        </p:nvPicPr>
+        <p:blipFill>
+          <a:blip r:embed="rId3"/>
+          <a:stretch>
+            <a:fillRect/>
+          </a:stretch>
+        </p:blipFill>
+        <p:spPr>
+          <a:xfrm>
+            <a:off x="407280" y="2056209"/>
+            <a:ext cx="5244702" cy="4195762"/>
+          </a:xfrm>
+        </p:spPr>
+      </p:pic>
     </p:spTree>
     <p:extLst>
       <p:ext uri="{BB962C8B-B14F-4D97-AF65-F5344CB8AC3E}">
-        <p14:creationId xmlns:p14="http://schemas.microsoft.com/office/powerpoint/2010/main" val="2450468970"/>
+        <p14:creationId xmlns:p14="http://schemas.microsoft.com/office/powerpoint/2010/main" val="775298386"/>
       </p:ext>
     </p:extLst>
   </p:cSld>
@@ -7744,152 +7614,6 @@
           <p:cNvPr id="2" name="Заголовок 1">
             <a:extLst>
               <a:ext uri="{FF2B5EF4-FFF2-40B4-BE49-F238E27FC236}">
-                <a16:creationId xmlns:a16="http://schemas.microsoft.com/office/drawing/2014/main" id="{01BCEC7A-CCE5-49F5-91FC-ECE5E5D8F979}"/>
-              </a:ext>
-            </a:extLst>
-          </p:cNvPr>
-          <p:cNvSpPr>
-            <a:spLocks noGrp="1"/>
-          </p:cNvSpPr>
-          <p:nvPr>
-            <p:ph type="title"/>
-          </p:nvPr>
-        </p:nvSpPr>
-        <p:spPr/>
-        <p:txBody>
-          <a:bodyPr/>
-          <a:lstStyle/>
-          <a:p>
-            <a:r>
-              <a:rPr lang="ru-RU" dirty="0"/>
-              <a:t>Некоторые примеры</a:t>
-            </a:r>
-          </a:p>
-        </p:txBody>
-      </p:sp>
-      <p:sp>
-        <p:nvSpPr>
-          <p:cNvPr id="4" name="Номер слайда 3">
-            <a:extLst>
-              <a:ext uri="{FF2B5EF4-FFF2-40B4-BE49-F238E27FC236}">
-                <a16:creationId xmlns:a16="http://schemas.microsoft.com/office/drawing/2014/main" id="{5E4BE8B0-53E2-485F-B1BB-DBE03C1D2A34}"/>
-              </a:ext>
-            </a:extLst>
-          </p:cNvPr>
-          <p:cNvSpPr>
-            <a:spLocks noGrp="1"/>
-          </p:cNvSpPr>
-          <p:nvPr>
-            <p:ph type="sldNum" sz="quarter" idx="12"/>
-          </p:nvPr>
-        </p:nvSpPr>
-        <p:spPr/>
-        <p:txBody>
-          <a:bodyPr/>
-          <a:lstStyle/>
-          <a:p>
-            <a:fld id="{D57F1E4F-1CFF-5643-939E-02111984F565}" type="slidenum">
-              <a:rPr lang="en-US" smtClean="0"/>
-              <a:t>7</a:t>
-            </a:fld>
-            <a:endParaRPr lang="en-US" dirty="0"/>
-          </a:p>
-        </p:txBody>
-      </p:sp>
-      <p:pic>
-        <p:nvPicPr>
-          <p:cNvPr id="9" name="Объект 8">
-            <a:extLst>
-              <a:ext uri="{FF2B5EF4-FFF2-40B4-BE49-F238E27FC236}">
-                <a16:creationId xmlns:a16="http://schemas.microsoft.com/office/drawing/2014/main" id="{0126964A-48C6-49C1-B2FD-82477B812E26}"/>
-              </a:ext>
-            </a:extLst>
-          </p:cNvPr>
-          <p:cNvPicPr>
-            <a:picLocks noGrp="1" noChangeAspect="1"/>
-          </p:cNvPicPr>
-          <p:nvPr>
-            <p:ph idx="1"/>
-          </p:nvPr>
-        </p:nvPicPr>
-        <p:blipFill>
-          <a:blip r:embed="rId2"/>
-          <a:stretch>
-            <a:fillRect/>
-          </a:stretch>
-        </p:blipFill>
-        <p:spPr>
-          <a:xfrm>
-            <a:off x="408063" y="1738948"/>
-            <a:ext cx="5251299" cy="4195762"/>
-          </a:xfrm>
-        </p:spPr>
-      </p:pic>
-      <p:pic>
-        <p:nvPicPr>
-          <p:cNvPr id="11" name="Рисунок 10">
-            <a:extLst>
-              <a:ext uri="{FF2B5EF4-FFF2-40B4-BE49-F238E27FC236}">
-                <a16:creationId xmlns:a16="http://schemas.microsoft.com/office/drawing/2014/main" id="{1B0C0B26-E7AA-431E-9DEF-A0FDCD6F867A}"/>
-              </a:ext>
-            </a:extLst>
-          </p:cNvPr>
-          <p:cNvPicPr>
-            <a:picLocks noChangeAspect="1"/>
-          </p:cNvPicPr>
-          <p:nvPr/>
-        </p:nvPicPr>
-        <p:blipFill>
-          <a:blip r:embed="rId3"/>
-          <a:stretch>
-            <a:fillRect/>
-          </a:stretch>
-        </p:blipFill>
-        <p:spPr>
-          <a:xfrm>
-            <a:off x="5851373" y="2240756"/>
-            <a:ext cx="6144873" cy="3826669"/>
-          </a:xfrm>
-          <a:prstGeom prst="rect">
-            <a:avLst/>
-          </a:prstGeom>
-        </p:spPr>
-      </p:pic>
-    </p:spTree>
-    <p:extLst>
-      <p:ext uri="{BB962C8B-B14F-4D97-AF65-F5344CB8AC3E}">
-        <p14:creationId xmlns:p14="http://schemas.microsoft.com/office/powerpoint/2010/main" val="775298386"/>
-      </p:ext>
-    </p:extLst>
-  </p:cSld>
-  <p:clrMapOvr>
-    <a:masterClrMapping/>
-  </p:clrMapOvr>
-</p:sld>
-</file>
-
-<file path=ppt/slides/slide8.xml><?xml version="1.0" encoding="utf-8"?>
-<p:sld xmlns:a="http://schemas.openxmlformats.org/drawingml/2006/main" xmlns:r="http://schemas.openxmlformats.org/officeDocument/2006/relationships" xmlns:p="http://schemas.openxmlformats.org/presentationml/2006/main">
-  <p:cSld>
-    <p:spTree>
-      <p:nvGrpSpPr>
-        <p:cNvPr id="1" name=""/>
-        <p:cNvGrpSpPr/>
-        <p:nvPr/>
-      </p:nvGrpSpPr>
-      <p:grpSpPr>
-        <a:xfrm>
-          <a:off x="0" y="0"/>
-          <a:ext cx="0" cy="0"/>
-          <a:chOff x="0" y="0"/>
-          <a:chExt cx="0" cy="0"/>
-        </a:xfrm>
-      </p:grpSpPr>
-      <p:sp>
-        <p:nvSpPr>
-          <p:cNvPr id="2" name="Заголовок 1">
-            <a:extLst>
-              <a:ext uri="{FF2B5EF4-FFF2-40B4-BE49-F238E27FC236}">
                 <a16:creationId xmlns:a16="http://schemas.microsoft.com/office/drawing/2014/main" id="{B9F725C6-B556-1140-BDD0-AEA412DEF657}"/>
               </a:ext>
             </a:extLst>
@@ -7951,7 +7675,30 @@
             </a:pPr>
             <a:r>
               <a:rPr lang="ru-RU" sz="1800" dirty="0"/>
-              <a:t>В заключение, можно сказать, что данный проект открывает новые возможности для спортсменов и людей, занимающихся физкультурой. Приложение не только поможет им вести учёт своих результатов, но и будет мотивировать к достижению новых спортивных целей. Возможность комментирования и просмотра своих достижений с течением времени позволит пользователям отслеживать свой прогресс и делиться им с другими. Это приложение может помочь многим, кто стремится к здоровому образу жизни и достижению спортивных успехов.</a:t>
+              <a:t>В заключение, могу сказать, что данный проект открывает новые возможности для спортсменов и людей, занимающихся физкультурой. Приложение поможет тренирующемуся вести учёт своих результатов. Анализ графика результатов и комментарии к результатам могут помочь тренеру сделать выводы, как улучшить прогресс своего ученика. Возможность скачивания графика или таблицы с результатами в отдельный файл позволит тренирующимся делиться им с другими людьми (например, с учителем физкультуры). Это приложение может помочь многим, кто стремится к здоровому образу жизни и достижению спортивных успехов.</a:t>
+            </a:r>
+          </a:p>
+          <a:p>
+            <a:pPr marL="0" indent="0">
+              <a:buNone/>
+            </a:pPr>
+            <a:endParaRPr lang="ru-RU" sz="1800" dirty="0"/>
+          </a:p>
+          <a:p>
+            <a:pPr marL="0" indent="0">
+              <a:buNone/>
+            </a:pPr>
+            <a:r>
+              <a:rPr lang="ru-RU" sz="1800" dirty="0"/>
+              <a:t>В будущем хотелось бы добавить просмотр максимального, минимального и среднего результатов в таблице</a:t>
+            </a:r>
+            <a:r>
+              <a:rPr lang="en-US" sz="1800" dirty="0"/>
+              <a:t>, </a:t>
+            </a:r>
+            <a:r>
+              <a:rPr lang="ru-RU" sz="1800" dirty="0"/>
+              <a:t>а также поиск данных в таблице.</a:t>
             </a:r>
           </a:p>
         </p:txBody>
@@ -7980,7 +7727,7 @@
             <a:fld id="{7D575049-B6D6-2143-9484-1B8B99E2DEA9}" type="slidenum">
               <a:rPr lang="ru-RU" smtClean="0"/>
               <a:pPr/>
-              <a:t>8</a:t>
+              <a:t>7</a:t>
             </a:fld>
             <a:endParaRPr lang="ru-RU"/>
           </a:p>

--- a/description_project/Презентация.pptx
+++ b/description_project/Презентация.pptx
@@ -237,7 +237,7 @@
             <a:fld id="{242E115C-DB9A-B14B-BC56-BF97C1E58CDC}" type="datetimeFigureOut">
               <a:rPr lang="ru-RU" smtClean="0"/>
               <a:pPr/>
-              <a:t>14.02.2024</a:t>
+              <a:t>17.02.2024</a:t>
             </a:fld>
             <a:endParaRPr lang="ru-RU"/>
           </a:p>
@@ -856,7 +856,7 @@
           <a:p>
             <a:fld id="{19A2DF0B-947C-4099-8BD7-E614C990624E}" type="datetime1">
               <a:rPr lang="en-US" smtClean="0"/>
-              <a:t>2/14/2024</a:t>
+              <a:t>2/17/2024</a:t>
             </a:fld>
             <a:endParaRPr lang="en-US" dirty="0"/>
           </a:p>
@@ -1126,7 +1126,7 @@
           <a:p>
             <a:fld id="{0D134BD1-EDC2-45A9-9D56-E8F9E9DE58E2}" type="datetime1">
               <a:rPr lang="en-US" smtClean="0"/>
-              <a:t>2/14/2024</a:t>
+              <a:t>2/17/2024</a:t>
             </a:fld>
             <a:endParaRPr lang="en-US" dirty="0"/>
           </a:p>
@@ -1319,7 +1319,7 @@
           <a:p>
             <a:fld id="{0C6EA745-4A34-4056-A14C-2A403BEB243C}" type="datetime1">
               <a:rPr lang="en-US" smtClean="0"/>
-              <a:t>2/14/2024</a:t>
+              <a:t>2/17/2024</a:t>
             </a:fld>
             <a:endParaRPr lang="en-US" dirty="0"/>
           </a:p>
@@ -1586,7 +1586,7 @@
           <a:p>
             <a:fld id="{0FCDFD0C-6E31-4FDF-96AA-2E319B6AC716}" type="datetime1">
               <a:rPr lang="en-US" smtClean="0"/>
-              <a:t>2/14/2024</a:t>
+              <a:t>2/17/2024</a:t>
             </a:fld>
             <a:endParaRPr lang="en-US" dirty="0"/>
           </a:p>
@@ -1917,7 +1917,7 @@
           <a:p>
             <a:fld id="{2E47DCC1-F17F-44D7-98FD-89212EE360AA}" type="datetime1">
               <a:rPr lang="en-US" smtClean="0"/>
-              <a:t>2/14/2024</a:t>
+              <a:t>2/17/2024</a:t>
             </a:fld>
             <a:endParaRPr lang="en-US" dirty="0"/>
           </a:p>
@@ -2526,7 +2526,7 @@
           <a:p>
             <a:fld id="{B166E977-4E7F-4F02-A002-B0247436D757}" type="datetime1">
               <a:rPr lang="en-US" smtClean="0"/>
-              <a:t>2/14/2024</a:t>
+              <a:t>2/17/2024</a:t>
             </a:fld>
             <a:endParaRPr lang="en-US" dirty="0"/>
           </a:p>
@@ -3360,7 +3360,7 @@
           <a:p>
             <a:fld id="{9298B2A5-26D9-462E-9B51-890C4FE568D1}" type="datetime1">
               <a:rPr lang="en-US" smtClean="0"/>
-              <a:t>2/14/2024</a:t>
+              <a:t>2/17/2024</a:t>
             </a:fld>
             <a:endParaRPr lang="en-US" dirty="0"/>
           </a:p>
@@ -3528,7 +3528,7 @@
           <a:p>
             <a:fld id="{F69FBA40-5DE0-4AAD-9B9D-00CA3C19DD48}" type="datetime1">
               <a:rPr lang="en-US" smtClean="0"/>
-              <a:t>2/14/2024</a:t>
+              <a:t>2/17/2024</a:t>
             </a:fld>
             <a:endParaRPr lang="en-US" dirty="0"/>
           </a:p>
@@ -3706,7 +3706,7 @@
           <a:p>
             <a:fld id="{F23BB48A-EF88-43FC-9561-CCBF0FB5723B}" type="datetime1">
               <a:rPr lang="en-US" smtClean="0"/>
-              <a:t>2/14/2024</a:t>
+              <a:t>2/17/2024</a:t>
             </a:fld>
             <a:endParaRPr lang="en-US" dirty="0"/>
           </a:p>
@@ -3874,7 +3874,7 @@
           <a:p>
             <a:fld id="{33573000-D23E-4E8E-83B5-363A014A4C7E}" type="datetime1">
               <a:rPr lang="en-US" smtClean="0"/>
-              <a:t>2/14/2024</a:t>
+              <a:t>2/17/2024</a:t>
             </a:fld>
             <a:endParaRPr lang="en-US" dirty="0"/>
           </a:p>
@@ -4117,7 +4117,7 @@
           <a:p>
             <a:fld id="{79D3C6D3-91C3-48FD-A8CD-A5C583B3FBDC}" type="datetime1">
               <a:rPr lang="en-US" smtClean="0"/>
-              <a:t>2/14/2024</a:t>
+              <a:t>2/17/2024</a:t>
             </a:fld>
             <a:endParaRPr lang="en-US" dirty="0"/>
           </a:p>
@@ -4406,7 +4406,7 @@
           <a:p>
             <a:fld id="{046EF8D6-F9D0-4887-BBD8-D10DF2E83524}" type="datetime1">
               <a:rPr lang="en-US" smtClean="0"/>
-              <a:t>2/14/2024</a:t>
+              <a:t>2/17/2024</a:t>
             </a:fld>
             <a:endParaRPr lang="en-US" dirty="0"/>
           </a:p>
@@ -4841,7 +4841,7 @@
           <a:p>
             <a:fld id="{4141118D-A3A7-4850-B78D-10F53F6626A8}" type="datetime1">
               <a:rPr lang="en-US" smtClean="0"/>
-              <a:t>2/14/2024</a:t>
+              <a:t>2/17/2024</a:t>
             </a:fld>
             <a:endParaRPr lang="en-US" dirty="0"/>
           </a:p>
@@ -4958,7 +4958,7 @@
           <a:p>
             <a:fld id="{B82C9CC1-C7FE-4C57-8BA2-228CD1707078}" type="datetime1">
               <a:rPr lang="en-US" smtClean="0"/>
-              <a:t>2/14/2024</a:t>
+              <a:t>2/17/2024</a:t>
             </a:fld>
             <a:endParaRPr lang="en-US" dirty="0"/>
           </a:p>
@@ -5053,7 +5053,7 @@
           <a:p>
             <a:fld id="{05D01185-00D9-4969-9285-A4B7C61437EB}" type="datetime1">
               <a:rPr lang="en-US" smtClean="0"/>
-              <a:t>2/14/2024</a:t>
+              <a:t>2/17/2024</a:t>
             </a:fld>
             <a:endParaRPr lang="en-US" dirty="0"/>
           </a:p>
@@ -5330,7 +5330,7 @@
           <a:p>
             <a:fld id="{F2418385-3F2C-4636-8E16-4F065C1202A2}" type="datetime1">
               <a:rPr lang="en-US" smtClean="0"/>
-              <a:t>2/14/2024</a:t>
+              <a:t>2/17/2024</a:t>
             </a:fld>
             <a:endParaRPr lang="en-US" dirty="0"/>
           </a:p>
@@ -5600,7 +5600,7 @@
           <a:p>
             <a:fld id="{37D105C2-2003-4BBE-96D8-F4549432BE15}" type="datetime1">
               <a:rPr lang="en-US" smtClean="0"/>
-              <a:t>2/14/2024</a:t>
+              <a:t>2/17/2024</a:t>
             </a:fld>
             <a:endParaRPr lang="en-US" dirty="0"/>
           </a:p>
@@ -6027,7 +6027,7 @@
           <a:p>
             <a:fld id="{0E64B62E-408E-4B7F-9F87-C8319CF72145}" type="datetime1">
               <a:rPr lang="en-US" smtClean="0"/>
-              <a:t>2/14/2024</a:t>
+              <a:t>2/17/2024</a:t>
             </a:fld>
             <a:endParaRPr lang="en-US" dirty="0"/>
           </a:p>
@@ -7169,7 +7169,19 @@
             </a:pPr>
             <a:r>
               <a:rPr lang="ru-RU" sz="1600" dirty="0"/>
-              <a:t>Составляющие главного окна: создание задания, перемещение между заданиями, показ таблицы результатов, занесение в таблицу результатов заданий (дата</a:t>
+              <a:t>Составляющие главного окна: создание задания, перемещение между заданиями, показ таблицы</a:t>
+            </a:r>
+            <a:r>
+              <a:rPr lang="en-US" sz="1600" dirty="0"/>
+              <a:t> </a:t>
+            </a:r>
+            <a:r>
+              <a:rPr lang="ru-RU" sz="1600"/>
+              <a:t>с результатами, </a:t>
+            </a:r>
+            <a:r>
+              <a:rPr lang="ru-RU" sz="1600" dirty="0"/>
+              <a:t>занесение в таблицу результатов заданий (дата</a:t>
             </a:r>
             <a:r>
               <a:rPr lang="en-US" sz="1600" dirty="0"/>

--- a/description_project/Презентация.pptx
+++ b/description_project/Презентация.pptx
@@ -846,7 +846,7 @@
             <a:fld id="{B61BEF0D-F0BB-DE4B-95CE-6DB70DBA9567}" type="datetimeFigureOut">
               <a:rPr lang="en-US" dirty="0"/>
               <a:pPr/>
-              <a:t>2/20/2024</a:t>
+              <a:t>3/27/2024</a:t>
             </a:fld>
             <a:endParaRPr lang="en-US" dirty="0"/>
           </a:p>
@@ -1094,7 +1094,7 @@
             <a:fld id="{B61BEF0D-F0BB-DE4B-95CE-6DB70DBA9567}" type="datetimeFigureOut">
               <a:rPr lang="en-US" dirty="0"/>
               <a:pPr/>
-              <a:t>2/20/2024</a:t>
+              <a:t>3/27/2024</a:t>
             </a:fld>
             <a:endParaRPr lang="en-US" dirty="0"/>
           </a:p>
@@ -1405,7 +1405,7 @@
             <a:fld id="{B61BEF0D-F0BB-DE4B-95CE-6DB70DBA9567}" type="datetimeFigureOut">
               <a:rPr lang="en-US" dirty="0"/>
               <a:pPr/>
-              <a:t>2/20/2024</a:t>
+              <a:t>3/27/2024</a:t>
             </a:fld>
             <a:endParaRPr lang="en-US" dirty="0"/>
           </a:p>
@@ -1729,7 +1729,7 @@
             <a:fld id="{B61BEF0D-F0BB-DE4B-95CE-6DB70DBA9567}" type="datetimeFigureOut">
               <a:rPr lang="en-US" dirty="0"/>
               <a:pPr/>
-              <a:t>2/20/2024</a:t>
+              <a:t>3/27/2024</a:t>
             </a:fld>
             <a:endParaRPr lang="en-US" dirty="0"/>
           </a:p>
@@ -2040,7 +2040,7 @@
             <a:fld id="{B61BEF0D-F0BB-DE4B-95CE-6DB70DBA9567}" type="datetimeFigureOut">
               <a:rPr lang="en-US" dirty="0"/>
               <a:pPr/>
-              <a:t>2/20/2024</a:t>
+              <a:t>3/27/2024</a:t>
             </a:fld>
             <a:endParaRPr lang="en-US" dirty="0"/>
           </a:p>
@@ -2424,7 +2424,7 @@
             <a:fld id="{B61BEF0D-F0BB-DE4B-95CE-6DB70DBA9567}" type="datetimeFigureOut">
               <a:rPr lang="en-US" dirty="0"/>
               <a:pPr/>
-              <a:t>2/20/2024</a:t>
+              <a:t>3/27/2024</a:t>
             </a:fld>
             <a:endParaRPr lang="en-US" dirty="0"/>
           </a:p>
@@ -2590,7 +2590,7 @@
           <a:p>
             <a:fld id="{55C6B4A9-1611-4792-9094-5F34BCA07E0B}" type="datetimeFigureOut">
               <a:rPr lang="en-US" dirty="0"/>
-              <a:t>2/20/2024</a:t>
+              <a:t>3/27/2024</a:t>
             </a:fld>
             <a:endParaRPr lang="en-US" dirty="0"/>
           </a:p>
@@ -2766,7 +2766,7 @@
             <a:fld id="{B61BEF0D-F0BB-DE4B-95CE-6DB70DBA9567}" type="datetimeFigureOut">
               <a:rPr lang="en-US" dirty="0"/>
               <a:pPr/>
-              <a:t>2/20/2024</a:t>
+              <a:t>3/27/2024</a:t>
             </a:fld>
             <a:endParaRPr lang="en-US" dirty="0"/>
           </a:p>
@@ -2939,7 +2939,7 @@
             <a:fld id="{B61BEF0D-F0BB-DE4B-95CE-6DB70DBA9567}" type="datetimeFigureOut">
               <a:rPr lang="en-US" dirty="0"/>
               <a:pPr/>
-              <a:t>2/20/2024</a:t>
+              <a:t>3/27/2024</a:t>
             </a:fld>
             <a:endParaRPr lang="en-US" dirty="0"/>
           </a:p>
@@ -3183,7 +3183,7 @@
             <a:fld id="{B61BEF0D-F0BB-DE4B-95CE-6DB70DBA9567}" type="datetimeFigureOut">
               <a:rPr lang="en-US" dirty="0"/>
               <a:pPr/>
-              <a:t>2/20/2024</a:t>
+              <a:t>3/27/2024</a:t>
             </a:fld>
             <a:endParaRPr lang="en-US" dirty="0"/>
           </a:p>
@@ -3411,7 +3411,7 @@
           <a:p>
             <a:fld id="{EB712588-04B1-427B-82EE-E8DB90309F08}" type="datetimeFigureOut">
               <a:rPr lang="en-US" dirty="0"/>
-              <a:t>2/20/2024</a:t>
+              <a:t>3/27/2024</a:t>
             </a:fld>
             <a:endParaRPr lang="en-US" dirty="0"/>
           </a:p>
@@ -3781,7 +3781,7 @@
             <a:fld id="{B61BEF0D-F0BB-DE4B-95CE-6DB70DBA9567}" type="datetimeFigureOut">
               <a:rPr lang="en-US" dirty="0"/>
               <a:pPr/>
-              <a:t>2/20/2024</a:t>
+              <a:t>3/27/2024</a:t>
             </a:fld>
             <a:endParaRPr lang="en-US" dirty="0"/>
           </a:p>
@@ -3901,7 +3901,7 @@
             <a:fld id="{B61BEF0D-F0BB-DE4B-95CE-6DB70DBA9567}" type="datetimeFigureOut">
               <a:rPr lang="en-US" dirty="0"/>
               <a:pPr/>
-              <a:t>2/20/2024</a:t>
+              <a:t>3/27/2024</a:t>
             </a:fld>
             <a:endParaRPr lang="en-US" dirty="0"/>
           </a:p>
@@ -3993,7 +3993,7 @@
             <a:fld id="{B61BEF0D-F0BB-DE4B-95CE-6DB70DBA9567}" type="datetimeFigureOut">
               <a:rPr lang="en-US" dirty="0"/>
               <a:pPr/>
-              <a:t>2/20/2024</a:t>
+              <a:t>3/27/2024</a:t>
             </a:fld>
             <a:endParaRPr lang="en-US" dirty="0"/>
           </a:p>
@@ -4244,7 +4244,7 @@
           <a:p>
             <a:fld id="{42A54C80-263E-416B-A8E0-580EDEADCBDC}" type="datetimeFigureOut">
               <a:rPr lang="en-US" dirty="0"/>
-              <a:t>2/20/2024</a:t>
+              <a:t>3/27/2024</a:t>
             </a:fld>
             <a:endParaRPr lang="en-US" dirty="0"/>
           </a:p>
@@ -4503,7 +4503,7 @@
             <a:fld id="{B61BEF0D-F0BB-DE4B-95CE-6DB70DBA9567}" type="datetimeFigureOut">
               <a:rPr lang="en-US" dirty="0"/>
               <a:pPr/>
-              <a:t>2/20/2024</a:t>
+              <a:t>3/27/2024</a:t>
             </a:fld>
             <a:endParaRPr lang="en-US" dirty="0"/>
           </a:p>
@@ -5245,7 +5245,7 @@
             <a:fld id="{B61BEF0D-F0BB-DE4B-95CE-6DB70DBA9567}" type="datetimeFigureOut">
               <a:rPr lang="en-US" dirty="0"/>
               <a:pPr/>
-              <a:t>2/20/2024</a:t>
+              <a:t>3/27/2024</a:t>
             </a:fld>
             <a:endParaRPr lang="en-US" dirty="0"/>
           </a:p>
@@ -5938,7 +5938,7 @@
           </a:prstGeom>
         </p:spPr>
         <p:txBody>
-          <a:bodyPr wrap="none">
+          <a:bodyPr wrap="square">
             <a:spAutoFit/>
           </a:bodyPr>
           <a:lstStyle/>
@@ -5974,7 +5974,7 @@
         <p:spPr>
           <a:xfrm>
             <a:off x="404157" y="2285253"/>
-            <a:ext cx="4432559" cy="461665"/>
+            <a:ext cx="6014398" cy="461665"/>
           </a:xfrm>
           <a:prstGeom prst="rect">
             <a:avLst/>
@@ -5988,6 +5988,17 @@
           <a:lstStyle/>
           <a:p>
             <a:r>
+              <a:rPr lang="ru-RU" sz="2400" dirty="0">
+                <a:solidFill>
+                  <a:schemeClr val="bg2">
+                    <a:lumMod val="20000"/>
+                    <a:lumOff val="80000"/>
+                  </a:schemeClr>
+                </a:solidFill>
+              </a:rPr>
+              <a:t>К</a:t>
+            </a:r>
+            <a:r>
               <a:rPr lang="ru-RU" sz="2400" kern="1200" dirty="0">
                 <a:solidFill>
                   <a:schemeClr val="bg2">
@@ -5999,7 +6010,7 @@
                 <a:ea typeface="+mn-ea"/>
                 <a:cs typeface="+mn-cs"/>
               </a:rPr>
-              <a:t>Весь код доступен по ссылке:</a:t>
+              <a:t>од программы доступен по ссылке:</a:t>
             </a:r>
           </a:p>
         </p:txBody>
@@ -6244,7 +6255,7 @@
                 <a:ea typeface="Calibri" panose="020F0502020204030204" pitchFamily="34" charset="0"/>
                 <a:cs typeface="Times New Roman" panose="02020603050405020304" pitchFamily="18" charset="0"/>
               </a:rPr>
-              <a:t>Создать дневник, в котором удобно вести учёт спортивных результатов для поставленных задач с возможностью комментирования, перемещаться между задачами, просматривать график, созданный на основе результатов, скачивать таблицу с результатами.</a:t>
+              <a:t>Создать дневник, в котором удобно вести учёт результатов для поставленных спортивных задач с возможностью комментирования, перемещаться между задачами, просматривать график, созданный на основе результатов, скачивать таблицу с результатами.</a:t>
             </a:r>
           </a:p>
           <a:p>

--- a/description_project/Презентация.pptx
+++ b/description_project/Презентация.pptx
@@ -8,13 +8,12 @@
     <p:sldId id="256" r:id="rId2"/>
     <p:sldId id="258" r:id="rId3"/>
     <p:sldId id="265" r:id="rId4"/>
-    <p:sldId id="266" r:id="rId5"/>
-    <p:sldId id="268" r:id="rId6"/>
-    <p:sldId id="264" r:id="rId7"/>
-    <p:sldId id="270" r:id="rId8"/>
-    <p:sldId id="271" r:id="rId9"/>
-    <p:sldId id="267" r:id="rId10"/>
-    <p:sldId id="261" r:id="rId11"/>
+    <p:sldId id="268" r:id="rId5"/>
+    <p:sldId id="264" r:id="rId6"/>
+    <p:sldId id="270" r:id="rId7"/>
+    <p:sldId id="271" r:id="rId8"/>
+    <p:sldId id="267" r:id="rId9"/>
+    <p:sldId id="261" r:id="rId10"/>
   </p:sldIdLst>
   <p:sldSz cx="12192000" cy="6858000"/>
   <p:notesSz cx="6858000" cy="9144000"/>
@@ -846,7 +845,7 @@
             <a:fld id="{B61BEF0D-F0BB-DE4B-95CE-6DB70DBA9567}" type="datetimeFigureOut">
               <a:rPr lang="en-US" dirty="0"/>
               <a:pPr/>
-              <a:t>3/27/2024</a:t>
+              <a:t>4/16/2024</a:t>
             </a:fld>
             <a:endParaRPr lang="en-US" dirty="0"/>
           </a:p>
@@ -1094,7 +1093,7 @@
             <a:fld id="{B61BEF0D-F0BB-DE4B-95CE-6DB70DBA9567}" type="datetimeFigureOut">
               <a:rPr lang="en-US" dirty="0"/>
               <a:pPr/>
-              <a:t>3/27/2024</a:t>
+              <a:t>4/16/2024</a:t>
             </a:fld>
             <a:endParaRPr lang="en-US" dirty="0"/>
           </a:p>
@@ -1405,7 +1404,7 @@
             <a:fld id="{B61BEF0D-F0BB-DE4B-95CE-6DB70DBA9567}" type="datetimeFigureOut">
               <a:rPr lang="en-US" dirty="0"/>
               <a:pPr/>
-              <a:t>3/27/2024</a:t>
+              <a:t>4/16/2024</a:t>
             </a:fld>
             <a:endParaRPr lang="en-US" dirty="0"/>
           </a:p>
@@ -1729,7 +1728,7 @@
             <a:fld id="{B61BEF0D-F0BB-DE4B-95CE-6DB70DBA9567}" type="datetimeFigureOut">
               <a:rPr lang="en-US" dirty="0"/>
               <a:pPr/>
-              <a:t>3/27/2024</a:t>
+              <a:t>4/16/2024</a:t>
             </a:fld>
             <a:endParaRPr lang="en-US" dirty="0"/>
           </a:p>
@@ -2040,7 +2039,7 @@
             <a:fld id="{B61BEF0D-F0BB-DE4B-95CE-6DB70DBA9567}" type="datetimeFigureOut">
               <a:rPr lang="en-US" dirty="0"/>
               <a:pPr/>
-              <a:t>3/27/2024</a:t>
+              <a:t>4/16/2024</a:t>
             </a:fld>
             <a:endParaRPr lang="en-US" dirty="0"/>
           </a:p>
@@ -2424,7 +2423,7 @@
             <a:fld id="{B61BEF0D-F0BB-DE4B-95CE-6DB70DBA9567}" type="datetimeFigureOut">
               <a:rPr lang="en-US" dirty="0"/>
               <a:pPr/>
-              <a:t>3/27/2024</a:t>
+              <a:t>4/16/2024</a:t>
             </a:fld>
             <a:endParaRPr lang="en-US" dirty="0"/>
           </a:p>
@@ -2590,7 +2589,7 @@
           <a:p>
             <a:fld id="{55C6B4A9-1611-4792-9094-5F34BCA07E0B}" type="datetimeFigureOut">
               <a:rPr lang="en-US" dirty="0"/>
-              <a:t>3/27/2024</a:t>
+              <a:t>4/16/2024</a:t>
             </a:fld>
             <a:endParaRPr lang="en-US" dirty="0"/>
           </a:p>
@@ -2766,7 +2765,7 @@
             <a:fld id="{B61BEF0D-F0BB-DE4B-95CE-6DB70DBA9567}" type="datetimeFigureOut">
               <a:rPr lang="en-US" dirty="0"/>
               <a:pPr/>
-              <a:t>3/27/2024</a:t>
+              <a:t>4/16/2024</a:t>
             </a:fld>
             <a:endParaRPr lang="en-US" dirty="0"/>
           </a:p>
@@ -2939,7 +2938,7 @@
             <a:fld id="{B61BEF0D-F0BB-DE4B-95CE-6DB70DBA9567}" type="datetimeFigureOut">
               <a:rPr lang="en-US" dirty="0"/>
               <a:pPr/>
-              <a:t>3/27/2024</a:t>
+              <a:t>4/16/2024</a:t>
             </a:fld>
             <a:endParaRPr lang="en-US" dirty="0"/>
           </a:p>
@@ -3183,7 +3182,7 @@
             <a:fld id="{B61BEF0D-F0BB-DE4B-95CE-6DB70DBA9567}" type="datetimeFigureOut">
               <a:rPr lang="en-US" dirty="0"/>
               <a:pPr/>
-              <a:t>3/27/2024</a:t>
+              <a:t>4/16/2024</a:t>
             </a:fld>
             <a:endParaRPr lang="en-US" dirty="0"/>
           </a:p>
@@ -3411,7 +3410,7 @@
           <a:p>
             <a:fld id="{EB712588-04B1-427B-82EE-E8DB90309F08}" type="datetimeFigureOut">
               <a:rPr lang="en-US" dirty="0"/>
-              <a:t>3/27/2024</a:t>
+              <a:t>4/16/2024</a:t>
             </a:fld>
             <a:endParaRPr lang="en-US" dirty="0"/>
           </a:p>
@@ -3781,7 +3780,7 @@
             <a:fld id="{B61BEF0D-F0BB-DE4B-95CE-6DB70DBA9567}" type="datetimeFigureOut">
               <a:rPr lang="en-US" dirty="0"/>
               <a:pPr/>
-              <a:t>3/27/2024</a:t>
+              <a:t>4/16/2024</a:t>
             </a:fld>
             <a:endParaRPr lang="en-US" dirty="0"/>
           </a:p>
@@ -3901,7 +3900,7 @@
             <a:fld id="{B61BEF0D-F0BB-DE4B-95CE-6DB70DBA9567}" type="datetimeFigureOut">
               <a:rPr lang="en-US" dirty="0"/>
               <a:pPr/>
-              <a:t>3/27/2024</a:t>
+              <a:t>4/16/2024</a:t>
             </a:fld>
             <a:endParaRPr lang="en-US" dirty="0"/>
           </a:p>
@@ -3993,7 +3992,7 @@
             <a:fld id="{B61BEF0D-F0BB-DE4B-95CE-6DB70DBA9567}" type="datetimeFigureOut">
               <a:rPr lang="en-US" dirty="0"/>
               <a:pPr/>
-              <a:t>3/27/2024</a:t>
+              <a:t>4/16/2024</a:t>
             </a:fld>
             <a:endParaRPr lang="en-US" dirty="0"/>
           </a:p>
@@ -4244,7 +4243,7 @@
           <a:p>
             <a:fld id="{42A54C80-263E-416B-A8E0-580EDEADCBDC}" type="datetimeFigureOut">
               <a:rPr lang="en-US" dirty="0"/>
-              <a:t>3/27/2024</a:t>
+              <a:t>4/16/2024</a:t>
             </a:fld>
             <a:endParaRPr lang="en-US" dirty="0"/>
           </a:p>
@@ -4503,7 +4502,7 @@
             <a:fld id="{B61BEF0D-F0BB-DE4B-95CE-6DB70DBA9567}" type="datetimeFigureOut">
               <a:rPr lang="en-US" dirty="0"/>
               <a:pPr/>
-              <a:t>3/27/2024</a:t>
+              <a:t>4/16/2024</a:t>
             </a:fld>
             <a:endParaRPr lang="en-US" dirty="0"/>
           </a:p>
@@ -5245,7 +5244,7 @@
             <a:fld id="{B61BEF0D-F0BB-DE4B-95CE-6DB70DBA9567}" type="datetimeFigureOut">
               <a:rPr lang="en-US" dirty="0"/>
               <a:pPr/>
-              <a:t>3/27/2024</a:t>
+              <a:t>4/16/2024</a:t>
             </a:fld>
             <a:endParaRPr lang="en-US" dirty="0"/>
           </a:p>
@@ -5899,135 +5898,6 @@
 </p:sld>
 </file>
 
-<file path=ppt/slides/slide10.xml><?xml version="1.0" encoding="utf-8"?>
-<p:sld xmlns:a="http://schemas.openxmlformats.org/drawingml/2006/main" xmlns:r="http://schemas.openxmlformats.org/officeDocument/2006/relationships" xmlns:p="http://schemas.openxmlformats.org/presentationml/2006/main">
-  <p:cSld>
-    <p:spTree>
-      <p:nvGrpSpPr>
-        <p:cNvPr id="1" name=""/>
-        <p:cNvGrpSpPr/>
-        <p:nvPr/>
-      </p:nvGrpSpPr>
-      <p:grpSpPr>
-        <a:xfrm>
-          <a:off x="0" y="0"/>
-          <a:ext cx="0" cy="0"/>
-          <a:chOff x="0" y="0"/>
-          <a:chExt cx="0" cy="0"/>
-        </a:xfrm>
-      </p:grpSpPr>
-      <p:sp>
-        <p:nvSpPr>
-          <p:cNvPr id="2" name="Прямоугольник 1">
-            <a:extLst>
-              <a:ext uri="{FF2B5EF4-FFF2-40B4-BE49-F238E27FC236}">
-                <a16:creationId xmlns:a16="http://schemas.microsoft.com/office/drawing/2014/main" id="{6456F81B-4B94-42DA-9941-3F0AA38DD112}"/>
-              </a:ext>
-            </a:extLst>
-          </p:cNvPr>
-          <p:cNvSpPr/>
-          <p:nvPr/>
-        </p:nvSpPr>
-        <p:spPr>
-          <a:xfrm>
-            <a:off x="975156" y="2983925"/>
-            <a:ext cx="8792215" cy="523220"/>
-          </a:xfrm>
-          <a:prstGeom prst="rect">
-            <a:avLst/>
-          </a:prstGeom>
-        </p:spPr>
-        <p:txBody>
-          <a:bodyPr wrap="square">
-            <a:spAutoFit/>
-          </a:bodyPr>
-          <a:lstStyle/>
-          <a:p>
-            <a:r>
-              <a:rPr lang="en-US" sz="2800" u="sng" dirty="0">
-                <a:solidFill>
-                  <a:srgbClr val="0000FF"/>
-                </a:solidFill>
-                <a:latin typeface="Calibri" panose="020F0502020204030204" pitchFamily="34" charset="0"/>
-                <a:ea typeface="Calibri" panose="020F0502020204030204" pitchFamily="34" charset="0"/>
-              </a:rPr>
-              <a:t>https://github.com/BorislavTimoshin/TaskCompletionDiary</a:t>
-            </a:r>
-            <a:endParaRPr lang="ru-RU" sz="2800" dirty="0">
-              <a:latin typeface="Calibri" panose="020F0502020204030204" pitchFamily="34" charset="0"/>
-            </a:endParaRPr>
-          </a:p>
-        </p:txBody>
-      </p:sp>
-      <p:sp>
-        <p:nvSpPr>
-          <p:cNvPr id="3" name="TextBox 2">
-            <a:extLst>
-              <a:ext uri="{FF2B5EF4-FFF2-40B4-BE49-F238E27FC236}">
-                <a16:creationId xmlns:a16="http://schemas.microsoft.com/office/drawing/2014/main" id="{30F75D33-984B-427F-813B-43835FAA1152}"/>
-              </a:ext>
-            </a:extLst>
-          </p:cNvPr>
-          <p:cNvSpPr txBox="1"/>
-          <p:nvPr/>
-        </p:nvSpPr>
-        <p:spPr>
-          <a:xfrm>
-            <a:off x="404157" y="2285253"/>
-            <a:ext cx="6014398" cy="461665"/>
-          </a:xfrm>
-          <a:prstGeom prst="rect">
-            <a:avLst/>
-          </a:prstGeom>
-          <a:noFill/>
-        </p:spPr>
-        <p:txBody>
-          <a:bodyPr wrap="square" rtlCol="0">
-            <a:spAutoFit/>
-          </a:bodyPr>
-          <a:lstStyle/>
-          <a:p>
-            <a:r>
-              <a:rPr lang="ru-RU" sz="2400" dirty="0">
-                <a:solidFill>
-                  <a:schemeClr val="bg2">
-                    <a:lumMod val="20000"/>
-                    <a:lumOff val="80000"/>
-                  </a:schemeClr>
-                </a:solidFill>
-              </a:rPr>
-              <a:t>К</a:t>
-            </a:r>
-            <a:r>
-              <a:rPr lang="ru-RU" sz="2400" kern="1200" dirty="0">
-                <a:solidFill>
-                  <a:schemeClr val="bg2">
-                    <a:lumMod val="20000"/>
-                    <a:lumOff val="80000"/>
-                  </a:schemeClr>
-                </a:solidFill>
-                <a:latin typeface="+mn-lt"/>
-                <a:ea typeface="+mn-ea"/>
-                <a:cs typeface="+mn-cs"/>
-              </a:rPr>
-              <a:t>од программы доступен по ссылке:</a:t>
-            </a:r>
-          </a:p>
-        </p:txBody>
-      </p:sp>
-    </p:spTree>
-    <p:extLst>
-      <p:ext uri="{BB962C8B-B14F-4D97-AF65-F5344CB8AC3E}">
-        <p14:creationId xmlns:p14="http://schemas.microsoft.com/office/powerpoint/2010/main" val="798394565"/>
-      </p:ext>
-    </p:extLst>
-  </p:cSld>
-  <p:clrMapOvr>
-    <a:masterClrMapping/>
-  </p:clrMapOvr>
-</p:sld>
-</file>
-
 <file path=ppt/slides/slide2.xml><?xml version="1.0" encoding="utf-8"?>
 <p:sld xmlns:a="http://schemas.openxmlformats.org/drawingml/2006/main" xmlns:r="http://schemas.openxmlformats.org/officeDocument/2006/relationships" xmlns:p="http://schemas.openxmlformats.org/presentationml/2006/main">
   <p:cSld>
@@ -6060,7 +5930,7 @@
         <p:spPr>
           <a:xfrm>
             <a:off x="406400" y="320488"/>
-            <a:ext cx="8953499" cy="5061386"/>
+            <a:ext cx="8953499" cy="6277103"/>
           </a:xfrm>
           <a:prstGeom prst="rect">
             <a:avLst/>
@@ -6081,11 +5951,10 @@
               </a:spcBef>
             </a:pPr>
             <a:r>
-              <a:rPr lang="ru-RU" sz="2400" b="1" dirty="0">
-                <a:solidFill>
-                  <a:schemeClr val="bg2">
-                    <a:lumMod val="20000"/>
-                    <a:lumOff val="80000"/>
+              <a:rPr lang="ru-RU" sz="2000" b="1" dirty="0">
+                <a:solidFill>
+                  <a:schemeClr val="tx1">
+                    <a:lumMod val="95000"/>
                   </a:schemeClr>
                 </a:solidFill>
                 <a:latin typeface="+mj-lt"/>
@@ -6096,15 +5965,33 @@
             </a:r>
           </a:p>
           <a:p>
-            <a:pPr marL="457200" indent="-457200">
+            <a:pPr algn="ctr">
+              <a:lnSpc>
+                <a:spcPct val="150000"/>
+              </a:lnSpc>
+              <a:spcBef>
+                <a:spcPts val="600"/>
+              </a:spcBef>
+            </a:pPr>
+            <a:endParaRPr lang="ru-RU" sz="2000" b="1" dirty="0">
+              <a:solidFill>
+                <a:schemeClr val="tx1">
+                  <a:lumMod val="95000"/>
+                </a:schemeClr>
+              </a:solidFill>
+              <a:latin typeface="+mj-lt"/>
+              <a:ea typeface="Times New Roman" panose="02020603050405020304" pitchFamily="18" charset="0"/>
+              <a:cs typeface="Times New Roman" panose="02020603050405020304" pitchFamily="18" charset="0"/>
+            </a:endParaRPr>
+          </a:p>
+          <a:p>
+            <a:pPr>
               <a:lnSpc>
                 <a:spcPct val="150000"/>
               </a:lnSpc>
               <a:spcAft>
                 <a:spcPts val="1200"/>
               </a:spcAft>
-              <a:buFont typeface="+mj-lt"/>
-              <a:buAutoNum type="arabicPeriod"/>
             </a:pPr>
             <a:r>
               <a:rPr lang="ru-RU" sz="2000" dirty="0">
@@ -6112,39 +5999,17 @@
                 <a:ea typeface="Calibri" panose="020F0502020204030204" pitchFamily="34" charset="0"/>
                 <a:cs typeface="Times New Roman" panose="02020603050405020304" pitchFamily="18" charset="0"/>
               </a:rPr>
-              <a:t>У спортсменов возникает потребность использования платформы, в которой удобно вести учет результатов тренировок, в которой можно комментировать, хранить результаты, чтобы в дальнейшем проводить их анализ, а также отправить тренеру (для получения советов) или похвастаться знакомым в соц. сетях.</a:t>
-            </a:r>
-          </a:p>
-          <a:p>
-            <a:pPr marL="457200" indent="-457200">
+              <a:t>У профессиональных спортсменов и особенно у любителей возникает потребность использования платформы, в которой удобно вести учет спортивных нормативов, хранить результаты тренировок и проводить анализ . Это нужно, так как человеку с течением времени и накоплением спортивных результатов бывает необходимо наглядно просматривать свои достижения в динамике, делать выводы, как улучшить показатели, возникает потребность переслать тренеру результаты для получения советов. Иногда появляется надобность скачать или просмотреть график, созданный на основе результатов тренировок за определенный промежуток времени, чтобы в дальнейшем проводить анализ или похвастаться знакомым в соц. сетях.</a:t>
+            </a:r>
+          </a:p>
+          <a:p>
+            <a:pPr>
               <a:lnSpc>
                 <a:spcPct val="150000"/>
               </a:lnSpc>
               <a:spcAft>
                 <a:spcPts val="1200"/>
               </a:spcAft>
-              <a:buFont typeface="+mj-lt"/>
-              <a:buAutoNum type="arabicPeriod"/>
-            </a:pPr>
-            <a:r>
-              <a:rPr lang="ru-RU" sz="2000" dirty="0">
-                <a:latin typeface="Calibri" panose="020F0502020204030204" pitchFamily="34" charset="0"/>
-                <a:ea typeface="Calibri" panose="020F0502020204030204" pitchFamily="34" charset="0"/>
-                <a:cs typeface="Times New Roman" panose="02020603050405020304" pitchFamily="18" charset="0"/>
-              </a:rPr>
-              <a:t>Для отслеживания прогресса в тренировках за данный промежуток времени появляется необходимость наглядно проанализировать результаты с помощью графика.</a:t>
-            </a:r>
-          </a:p>
-          <a:p>
-            <a:pPr marL="457200" indent="-457200">
-              <a:lnSpc>
-                <a:spcPct val="150000"/>
-              </a:lnSpc>
-              <a:spcAft>
-                <a:spcPts val="1200"/>
-              </a:spcAft>
-              <a:buFont typeface="+mj-lt"/>
-              <a:buAutoNum type="arabicPeriod"/>
             </a:pPr>
             <a:endParaRPr lang="ru-RU" sz="2000" dirty="0">
               <a:latin typeface="Calibri" panose="020F0502020204030204" pitchFamily="34" charset="0"/>
@@ -6198,8 +6063,8 @@
         </p:nvSpPr>
         <p:spPr>
           <a:xfrm>
-            <a:off x="406400" y="320488"/>
-            <a:ext cx="8953499" cy="4845942"/>
+            <a:off x="406400" y="302733"/>
+            <a:ext cx="8953499" cy="6318525"/>
           </a:xfrm>
           <a:prstGeom prst="rect">
             <a:avLst/>
@@ -6231,7 +6096,19 @@
                 <a:ea typeface="Times New Roman" panose="02020603050405020304" pitchFamily="18" charset="0"/>
                 <a:cs typeface="Times New Roman" panose="02020603050405020304" pitchFamily="18" charset="0"/>
               </a:rPr>
-              <a:t>Цель работы:</a:t>
+              <a:t>							</a:t>
+            </a:r>
+            <a:r>
+              <a:rPr lang="ru-RU" sz="2400" b="1" dirty="0">
+                <a:solidFill>
+                  <a:schemeClr val="tx1">
+                    <a:lumMod val="95000"/>
+                  </a:schemeClr>
+                </a:solidFill>
+                <a:ea typeface="Times New Roman" panose="02020603050405020304" pitchFamily="18" charset="0"/>
+                <a:cs typeface="Times New Roman" panose="02020603050405020304" pitchFamily="18" charset="0"/>
+              </a:rPr>
+              <a:t>Цель работы</a:t>
             </a:r>
           </a:p>
           <a:p>
@@ -6244,18 +6121,239 @@
               </a:spcBef>
             </a:pPr>
             <a:r>
-              <a:rPr lang="ru-RU" sz="2000" dirty="0">
-                <a:solidFill>
-                  <a:schemeClr val="bg2">
-                    <a:lumMod val="20000"/>
-                    <a:lumOff val="80000"/>
+              <a:rPr lang="ru-RU" sz="2200" dirty="0">
+                <a:solidFill>
+                  <a:schemeClr val="tx1">
+                    <a:lumMod val="95000"/>
                   </a:schemeClr>
                 </a:solidFill>
                 <a:latin typeface="Calibri" panose="020F0502020204030204" pitchFamily="34" charset="0"/>
                 <a:ea typeface="Calibri" panose="020F0502020204030204" pitchFamily="34" charset="0"/>
                 <a:cs typeface="Times New Roman" panose="02020603050405020304" pitchFamily="18" charset="0"/>
               </a:rPr>
-              <a:t>Создать дневник, в котором удобно вести учёт результатов для поставленных спортивных задач с возможностью комментирования, перемещаться между задачами, просматривать график, созданный на основе результатов, скачивать таблицу с результатами.</a:t>
+              <a:t>Создать дневник, предназначенный для учёта результатов поставленных спортивных задач, в котором можно:</a:t>
+            </a:r>
+          </a:p>
+          <a:p>
+            <a:pPr marL="457200" indent="-457200">
+              <a:lnSpc>
+                <a:spcPct val="150000"/>
+              </a:lnSpc>
+              <a:spcBef>
+                <a:spcPts val="600"/>
+              </a:spcBef>
+              <a:buAutoNum type="arabicParenR"/>
+            </a:pPr>
+            <a:r>
+              <a:rPr lang="ru-RU" sz="2200" dirty="0">
+                <a:solidFill>
+                  <a:schemeClr val="tx1">
+                    <a:lumMod val="95000"/>
+                  </a:schemeClr>
+                </a:solidFill>
+                <a:latin typeface="Calibri" panose="020F0502020204030204" pitchFamily="34" charset="0"/>
+                <a:ea typeface="Calibri" panose="020F0502020204030204" pitchFamily="34" charset="0"/>
+                <a:cs typeface="Times New Roman" panose="02020603050405020304" pitchFamily="18" charset="0"/>
+              </a:rPr>
+              <a:t>создавать</a:t>
+            </a:r>
+            <a:r>
+              <a:rPr lang="en-US" sz="2200" dirty="0">
+                <a:solidFill>
+                  <a:schemeClr val="tx1">
+                    <a:lumMod val="95000"/>
+                  </a:schemeClr>
+                </a:solidFill>
+                <a:latin typeface="Calibri" panose="020F0502020204030204" pitchFamily="34" charset="0"/>
+                <a:ea typeface="Calibri" panose="020F0502020204030204" pitchFamily="34" charset="0"/>
+                <a:cs typeface="Times New Roman" panose="02020603050405020304" pitchFamily="18" charset="0"/>
+              </a:rPr>
+              <a:t>/</a:t>
+            </a:r>
+            <a:r>
+              <a:rPr lang="ru-RU" sz="2200" dirty="0">
+                <a:solidFill>
+                  <a:schemeClr val="tx1">
+                    <a:lumMod val="95000"/>
+                  </a:schemeClr>
+                </a:solidFill>
+                <a:latin typeface="Calibri" panose="020F0502020204030204" pitchFamily="34" charset="0"/>
+                <a:ea typeface="Calibri" panose="020F0502020204030204" pitchFamily="34" charset="0"/>
+                <a:cs typeface="Times New Roman" panose="02020603050405020304" pitchFamily="18" charset="0"/>
+              </a:rPr>
+              <a:t>удалять спортивные задачи</a:t>
+            </a:r>
+          </a:p>
+          <a:p>
+            <a:pPr marL="457200" indent="-457200">
+              <a:lnSpc>
+                <a:spcPct val="150000"/>
+              </a:lnSpc>
+              <a:spcBef>
+                <a:spcPts val="600"/>
+              </a:spcBef>
+              <a:buAutoNum type="arabicParenR"/>
+            </a:pPr>
+            <a:r>
+              <a:rPr lang="ru-RU" sz="2200" dirty="0">
+                <a:solidFill>
+                  <a:schemeClr val="tx1">
+                    <a:lumMod val="95000"/>
+                  </a:schemeClr>
+                </a:solidFill>
+                <a:latin typeface="Calibri" panose="020F0502020204030204" pitchFamily="34" charset="0"/>
+                <a:ea typeface="Calibri" panose="020F0502020204030204" pitchFamily="34" charset="0"/>
+                <a:cs typeface="Times New Roman" panose="02020603050405020304" pitchFamily="18" charset="0"/>
+              </a:rPr>
+              <a:t>хранить, добавлять</a:t>
+            </a:r>
+            <a:r>
+              <a:rPr lang="en-US" sz="2200" dirty="0">
+                <a:solidFill>
+                  <a:schemeClr val="tx1">
+                    <a:lumMod val="95000"/>
+                  </a:schemeClr>
+                </a:solidFill>
+                <a:latin typeface="Calibri" panose="020F0502020204030204" pitchFamily="34" charset="0"/>
+                <a:ea typeface="Calibri" panose="020F0502020204030204" pitchFamily="34" charset="0"/>
+                <a:cs typeface="Times New Roman" panose="02020603050405020304" pitchFamily="18" charset="0"/>
+              </a:rPr>
+              <a:t>/</a:t>
+            </a:r>
+            <a:r>
+              <a:rPr lang="ru-RU" sz="2200" dirty="0">
+                <a:solidFill>
+                  <a:schemeClr val="tx1">
+                    <a:lumMod val="95000"/>
+                  </a:schemeClr>
+                </a:solidFill>
+                <a:latin typeface="Calibri" panose="020F0502020204030204" pitchFamily="34" charset="0"/>
+                <a:ea typeface="Calibri" panose="020F0502020204030204" pitchFamily="34" charset="0"/>
+                <a:cs typeface="Times New Roman" panose="02020603050405020304" pitchFamily="18" charset="0"/>
+              </a:rPr>
+              <a:t>удалять результаты спортивных задач</a:t>
+            </a:r>
+          </a:p>
+          <a:p>
+            <a:pPr marL="457200" indent="-457200">
+              <a:lnSpc>
+                <a:spcPct val="150000"/>
+              </a:lnSpc>
+              <a:spcBef>
+                <a:spcPts val="600"/>
+              </a:spcBef>
+              <a:buAutoNum type="arabicParenR"/>
+            </a:pPr>
+            <a:r>
+              <a:rPr lang="ru-RU" sz="2200" dirty="0">
+                <a:solidFill>
+                  <a:schemeClr val="tx1">
+                    <a:lumMod val="95000"/>
+                  </a:schemeClr>
+                </a:solidFill>
+                <a:latin typeface="Calibri" panose="020F0502020204030204" pitchFamily="34" charset="0"/>
+                <a:ea typeface="Calibri" panose="020F0502020204030204" pitchFamily="34" charset="0"/>
+                <a:cs typeface="Times New Roman" panose="02020603050405020304" pitchFamily="18" charset="0"/>
+              </a:rPr>
+              <a:t>комментировать результаты</a:t>
+            </a:r>
+          </a:p>
+          <a:p>
+            <a:pPr marL="457200" indent="-457200">
+              <a:lnSpc>
+                <a:spcPct val="150000"/>
+              </a:lnSpc>
+              <a:spcBef>
+                <a:spcPts val="600"/>
+              </a:spcBef>
+              <a:buAutoNum type="arabicParenR"/>
+            </a:pPr>
+            <a:r>
+              <a:rPr lang="ru-RU" sz="2200" dirty="0">
+                <a:solidFill>
+                  <a:schemeClr val="tx1">
+                    <a:lumMod val="95000"/>
+                  </a:schemeClr>
+                </a:solidFill>
+                <a:latin typeface="Calibri" panose="020F0502020204030204" pitchFamily="34" charset="0"/>
+                <a:ea typeface="Calibri" panose="020F0502020204030204" pitchFamily="34" charset="0"/>
+                <a:cs typeface="Times New Roman" panose="02020603050405020304" pitchFamily="18" charset="0"/>
+              </a:rPr>
+              <a:t>перемещаться между таблицами с результатами спортивных задач</a:t>
+            </a:r>
+          </a:p>
+          <a:p>
+            <a:pPr marL="457200" indent="-457200">
+              <a:lnSpc>
+                <a:spcPct val="150000"/>
+              </a:lnSpc>
+              <a:spcBef>
+                <a:spcPts val="600"/>
+              </a:spcBef>
+              <a:buAutoNum type="arabicParenR"/>
+            </a:pPr>
+            <a:r>
+              <a:rPr lang="ru-RU" sz="2200" dirty="0">
+                <a:solidFill>
+                  <a:schemeClr val="tx1">
+                    <a:lumMod val="95000"/>
+                  </a:schemeClr>
+                </a:solidFill>
+                <a:latin typeface="Calibri" panose="020F0502020204030204" pitchFamily="34" charset="0"/>
+                <a:ea typeface="Calibri" panose="020F0502020204030204" pitchFamily="34" charset="0"/>
+                <a:cs typeface="Times New Roman" panose="02020603050405020304" pitchFamily="18" charset="0"/>
+              </a:rPr>
+              <a:t>Просматривать</a:t>
+            </a:r>
+            <a:r>
+              <a:rPr lang="en-US" sz="2200" dirty="0">
+                <a:solidFill>
+                  <a:schemeClr val="tx1">
+                    <a:lumMod val="95000"/>
+                  </a:schemeClr>
+                </a:solidFill>
+                <a:latin typeface="Calibri" panose="020F0502020204030204" pitchFamily="34" charset="0"/>
+                <a:ea typeface="Calibri" panose="020F0502020204030204" pitchFamily="34" charset="0"/>
+                <a:cs typeface="Times New Roman" panose="02020603050405020304" pitchFamily="18" charset="0"/>
+              </a:rPr>
+              <a:t>/</a:t>
+            </a:r>
+            <a:r>
+              <a:rPr lang="ru-RU" sz="2200" dirty="0">
+                <a:solidFill>
+                  <a:schemeClr val="tx1">
+                    <a:lumMod val="95000"/>
+                  </a:schemeClr>
+                </a:solidFill>
+                <a:latin typeface="Calibri" panose="020F0502020204030204" pitchFamily="34" charset="0"/>
+                <a:ea typeface="Calibri" panose="020F0502020204030204" pitchFamily="34" charset="0"/>
+                <a:cs typeface="Times New Roman" panose="02020603050405020304" pitchFamily="18" charset="0"/>
+              </a:rPr>
+              <a:t>скачивать график, созданный на основе результатов спортивной задачи за данный промежуток времени</a:t>
+            </a:r>
+          </a:p>
+          <a:p>
+            <a:pPr marL="457200" indent="-457200">
+              <a:lnSpc>
+                <a:spcPct val="150000"/>
+              </a:lnSpc>
+              <a:spcBef>
+                <a:spcPts val="600"/>
+              </a:spcBef>
+              <a:buAutoNum type="arabicParenR"/>
+            </a:pPr>
+            <a:r>
+              <a:rPr lang="ru-RU" sz="2200" dirty="0">
+                <a:solidFill>
+                  <a:schemeClr val="tx1">
+                    <a:lumMod val="95000"/>
+                  </a:schemeClr>
+                </a:solidFill>
+                <a:latin typeface="Calibri" panose="020F0502020204030204" pitchFamily="34" charset="0"/>
+                <a:ea typeface="Calibri" panose="020F0502020204030204" pitchFamily="34" charset="0"/>
+                <a:cs typeface="Times New Roman" panose="02020603050405020304" pitchFamily="18" charset="0"/>
+              </a:rPr>
+              <a:t>скачивать таблицу с результатами.</a:t>
             </a:r>
           </a:p>
           <a:p>
@@ -6267,111 +6365,17 @@
                 <a:spcPts val="600"/>
               </a:spcBef>
             </a:pPr>
-            <a:r>
-              <a:rPr lang="ru-RU" sz="2400" b="1" dirty="0">
-                <a:solidFill>
-                  <a:schemeClr val="bg2">
-                    <a:lumMod val="20000"/>
-                    <a:lumOff val="80000"/>
-                  </a:schemeClr>
-                </a:solidFill>
-                <a:ea typeface="Times New Roman" panose="02020603050405020304" pitchFamily="18" charset="0"/>
-                <a:cs typeface="Times New Roman" panose="02020603050405020304" pitchFamily="18" charset="0"/>
-              </a:rPr>
-              <a:t>Задачи</a:t>
-            </a:r>
-            <a:r>
-              <a:rPr lang="ru-RU" sz="2400" b="1" dirty="0">
-                <a:solidFill>
-                  <a:schemeClr val="bg2">
-                    <a:lumMod val="20000"/>
-                    <a:lumOff val="80000"/>
-                  </a:schemeClr>
-                </a:solidFill>
-                <a:latin typeface="+mj-lt"/>
-                <a:ea typeface="Times New Roman" panose="02020603050405020304" pitchFamily="18" charset="0"/>
-                <a:cs typeface="Times New Roman" panose="02020603050405020304" pitchFamily="18" charset="0"/>
-              </a:rPr>
-              <a:t>:</a:t>
-            </a:r>
-          </a:p>
-          <a:p>
-            <a:pPr marL="457200" indent="-457200" algn="just">
-              <a:lnSpc>
-                <a:spcPct val="150000"/>
-              </a:lnSpc>
-              <a:spcAft>
-                <a:spcPts val="1200"/>
-              </a:spcAft>
-              <a:buFont typeface="+mj-lt"/>
-              <a:buAutoNum type="arabicPeriod"/>
-            </a:pPr>
-            <a:r>
-              <a:rPr lang="ru-RU" sz="2000" dirty="0">
-                <a:solidFill>
-                  <a:schemeClr val="bg2">
-                    <a:lumMod val="20000"/>
-                    <a:lumOff val="80000"/>
-                  </a:schemeClr>
-                </a:solidFill>
-                <a:latin typeface="Calibri" panose="020F0502020204030204" pitchFamily="34" charset="0"/>
-                <a:ea typeface="Calibri" panose="020F0502020204030204" pitchFamily="34" charset="0"/>
-                <a:cs typeface="Times New Roman" panose="02020603050405020304" pitchFamily="18" charset="0"/>
-              </a:rPr>
-              <a:t>Продумать макет приложения и как с этим будет работать пользователь</a:t>
-            </a:r>
-          </a:p>
-          <a:p>
-            <a:pPr marL="457200" indent="-457200" algn="just">
-              <a:lnSpc>
-                <a:spcPct val="150000"/>
-              </a:lnSpc>
-              <a:spcAft>
-                <a:spcPts val="1200"/>
-              </a:spcAft>
-              <a:buFont typeface="+mj-lt"/>
-              <a:buAutoNum type="arabicPeriod"/>
-            </a:pPr>
-            <a:r>
-              <a:rPr lang="ru-RU" sz="2000" dirty="0">
-                <a:solidFill>
-                  <a:schemeClr val="bg2">
-                    <a:lumMod val="20000"/>
-                    <a:lumOff val="80000"/>
-                  </a:schemeClr>
-                </a:solidFill>
-                <a:latin typeface="Calibri" panose="020F0502020204030204" pitchFamily="34" charset="0"/>
-                <a:ea typeface="Calibri" panose="020F0502020204030204" pitchFamily="34" charset="0"/>
-                <a:cs typeface="Times New Roman" panose="02020603050405020304" pitchFamily="18" charset="0"/>
-              </a:rPr>
-              <a:t>Создать дизайн приложения</a:t>
-            </a:r>
-          </a:p>
-          <a:p>
-            <a:pPr marL="457200" indent="-457200" algn="just">
-              <a:lnSpc>
-                <a:spcPct val="150000"/>
-              </a:lnSpc>
-              <a:spcAft>
-                <a:spcPts val="1200"/>
-              </a:spcAft>
-              <a:buFont typeface="+mj-lt"/>
-              <a:buAutoNum type="arabicPeriod"/>
-            </a:pPr>
-            <a:r>
-              <a:rPr lang="ru-RU" sz="2000" dirty="0">
-                <a:solidFill>
-                  <a:schemeClr val="bg2">
-                    <a:lumMod val="20000"/>
-                    <a:lumOff val="80000"/>
-                  </a:schemeClr>
-                </a:solidFill>
-                <a:latin typeface="Calibri" panose="020F0502020204030204" pitchFamily="34" charset="0"/>
-                <a:ea typeface="Calibri" panose="020F0502020204030204" pitchFamily="34" charset="0"/>
-                <a:cs typeface="Times New Roman" panose="02020603050405020304" pitchFamily="18" charset="0"/>
-              </a:rPr>
-              <a:t>Написать программный код для управления приложением. </a:t>
-            </a:r>
+            <a:endParaRPr lang="ru-RU" sz="2400" b="1" dirty="0">
+              <a:solidFill>
+                <a:schemeClr val="bg2">
+                  <a:lumMod val="20000"/>
+                  <a:lumOff val="80000"/>
+                </a:schemeClr>
+              </a:solidFill>
+              <a:latin typeface="+mj-lt"/>
+              <a:ea typeface="Times New Roman" panose="02020603050405020304" pitchFamily="18" charset="0"/>
+              <a:cs typeface="Times New Roman" panose="02020603050405020304" pitchFamily="18" charset="0"/>
+            </a:endParaRPr>
           </a:p>
         </p:txBody>
       </p:sp>
@@ -6407,280 +6411,135 @@
       </p:grpSpPr>
       <p:sp>
         <p:nvSpPr>
-          <p:cNvPr id="4" name="Прямоугольник 3">
+          <p:cNvPr id="2" name="Заголовок 1">
             <a:extLst>
               <a:ext uri="{FF2B5EF4-FFF2-40B4-BE49-F238E27FC236}">
-                <a16:creationId xmlns:a16="http://schemas.microsoft.com/office/drawing/2014/main" id="{344306E3-36DA-48AC-B749-90774CD2EFB9}"/>
+                <a16:creationId xmlns:a16="http://schemas.microsoft.com/office/drawing/2014/main" id="{69BEF8A6-6723-4EDD-8331-3B0B3A7AEB97}"/>
               </a:ext>
             </a:extLst>
           </p:cNvPr>
-          <p:cNvSpPr/>
-          <p:nvPr/>
-        </p:nvSpPr>
-        <p:spPr>
-          <a:xfrm>
-            <a:off x="406400" y="320488"/>
-            <a:ext cx="8953499" cy="5523050"/>
-          </a:xfrm>
-          <a:prstGeom prst="rect">
-            <a:avLst/>
-          </a:prstGeom>
-        </p:spPr>
-        <p:txBody>
-          <a:bodyPr wrap="square">
-            <a:spAutoFit/>
+          <p:cNvSpPr>
+            <a:spLocks noGrp="1"/>
+          </p:cNvSpPr>
+          <p:nvPr>
+            <p:ph type="title"/>
+          </p:nvPr>
+        </p:nvSpPr>
+        <p:spPr/>
+        <p:txBody>
+          <a:bodyPr>
+            <a:normAutofit/>
           </a:bodyPr>
           <a:lstStyle/>
           <a:p>
-            <a:pPr algn="ctr">
-              <a:lnSpc>
-                <a:spcPct val="150000"/>
-              </a:lnSpc>
-              <a:spcBef>
-                <a:spcPts val="600"/>
-              </a:spcBef>
+            <a:r>
+              <a:rPr lang="ru-RU" sz="2800" dirty="0">
+                <a:solidFill>
+                  <a:schemeClr val="tx1">
+                    <a:lumMod val="95000"/>
+                  </a:schemeClr>
+                </a:solidFill>
+              </a:rPr>
+              <a:t>Использованные технологии</a:t>
+            </a:r>
+          </a:p>
+        </p:txBody>
+      </p:sp>
+      <p:sp>
+        <p:nvSpPr>
+          <p:cNvPr id="3" name="Объект 2">
+            <a:extLst>
+              <a:ext uri="{FF2B5EF4-FFF2-40B4-BE49-F238E27FC236}">
+                <a16:creationId xmlns:a16="http://schemas.microsoft.com/office/drawing/2014/main" id="{5FDC863B-8DF6-4FA1-A8EE-DD54A9402829}"/>
+              </a:ext>
+            </a:extLst>
+          </p:cNvPr>
+          <p:cNvSpPr>
+            <a:spLocks noGrp="1"/>
+          </p:cNvSpPr>
+          <p:nvPr>
+            <p:ph idx="1"/>
+          </p:nvPr>
+        </p:nvSpPr>
+        <p:spPr/>
+        <p:txBody>
+          <a:bodyPr/>
+          <a:lstStyle/>
+          <a:p>
+            <a:r>
+              <a:rPr lang="ru-RU" dirty="0" err="1"/>
+              <a:t>Python</a:t>
+            </a:r>
+            <a:r>
+              <a:rPr lang="ru-RU" dirty="0"/>
+              <a:t>: язык программирования</a:t>
+            </a:r>
+          </a:p>
+          <a:p>
+            <a:r>
+              <a:rPr lang="en-US" dirty="0" err="1"/>
+              <a:t>QtDesigner</a:t>
+            </a:r>
+            <a:r>
+              <a:rPr lang="en-US" dirty="0"/>
+              <a:t>: </a:t>
+            </a:r>
+            <a:r>
+              <a:rPr lang="ru-RU" dirty="0"/>
+              <a:t>создание дизайна</a:t>
+            </a:r>
+          </a:p>
+          <a:p>
+            <a:pPr marL="0" indent="0">
+              <a:buNone/>
             </a:pPr>
             <a:r>
-              <a:rPr lang="ru-RU" sz="2400" b="1" dirty="0">
-                <a:solidFill>
-                  <a:schemeClr val="bg2">
-                    <a:lumMod val="20000"/>
-                    <a:lumOff val="80000"/>
-                  </a:schemeClr>
-                </a:solidFill>
-              </a:rPr>
-              <a:t>Этапы выполнения работы</a:t>
-            </a:r>
-            <a:endParaRPr lang="ru-RU" sz="2400" b="1" dirty="0">
-              <a:solidFill>
-                <a:schemeClr val="bg2">
-                  <a:lumMod val="20000"/>
-                  <a:lumOff val="80000"/>
-                </a:schemeClr>
-              </a:solidFill>
-              <a:latin typeface="+mj-lt"/>
-              <a:ea typeface="Times New Roman" panose="02020603050405020304" pitchFamily="18" charset="0"/>
-              <a:cs typeface="Times New Roman" panose="02020603050405020304" pitchFamily="18" charset="0"/>
-            </a:endParaRPr>
-          </a:p>
-          <a:p>
-            <a:pPr marL="457200" indent="-457200">
-              <a:lnSpc>
-                <a:spcPct val="150000"/>
-              </a:lnSpc>
-              <a:spcAft>
-                <a:spcPts val="1200"/>
-              </a:spcAft>
-              <a:buFont typeface="+mj-lt"/>
-              <a:buAutoNum type="arabicPeriod"/>
-            </a:pPr>
-            <a:r>
-              <a:rPr lang="ru-RU" sz="2000" dirty="0">
-                <a:solidFill>
-                  <a:schemeClr val="bg2">
-                    <a:lumMod val="20000"/>
-                    <a:lumOff val="80000"/>
-                  </a:schemeClr>
-                </a:solidFill>
-                <a:latin typeface="Calibri" panose="020F0502020204030204" pitchFamily="34" charset="0"/>
-                <a:ea typeface="Calibri" panose="020F0502020204030204" pitchFamily="34" charset="0"/>
-                <a:cs typeface="Times New Roman" panose="02020603050405020304" pitchFamily="18" charset="0"/>
-              </a:rPr>
-              <a:t>Создание макета (скелета) приложения</a:t>
-            </a:r>
-          </a:p>
-          <a:p>
-            <a:pPr marL="457200" indent="-457200">
-              <a:lnSpc>
-                <a:spcPct val="150000"/>
-              </a:lnSpc>
-              <a:spcAft>
-                <a:spcPts val="1200"/>
-              </a:spcAft>
-              <a:buFont typeface="+mj-lt"/>
-              <a:buAutoNum type="arabicPeriod"/>
-            </a:pPr>
-            <a:r>
-              <a:rPr lang="ru-RU" sz="2000" dirty="0">
-                <a:solidFill>
-                  <a:schemeClr val="bg2">
-                    <a:lumMod val="20000"/>
-                    <a:lumOff val="80000"/>
-                  </a:schemeClr>
-                </a:solidFill>
-                <a:latin typeface="Calibri" panose="020F0502020204030204" pitchFamily="34" charset="0"/>
-                <a:ea typeface="Calibri" panose="020F0502020204030204" pitchFamily="34" charset="0"/>
-                <a:cs typeface="Times New Roman" panose="02020603050405020304" pitchFamily="18" charset="0"/>
-              </a:rPr>
-              <a:t>Добавление дизайна</a:t>
-            </a:r>
-          </a:p>
-          <a:p>
-            <a:pPr marL="457200" indent="-457200">
-              <a:lnSpc>
-                <a:spcPct val="150000"/>
-              </a:lnSpc>
-              <a:spcAft>
-                <a:spcPts val="1200"/>
-              </a:spcAft>
-              <a:buFont typeface="+mj-lt"/>
-              <a:buAutoNum type="arabicPeriod"/>
-            </a:pPr>
-            <a:r>
-              <a:rPr lang="ru-RU" sz="2000" dirty="0">
-                <a:solidFill>
-                  <a:schemeClr val="bg2">
-                    <a:lumMod val="20000"/>
-                    <a:lumOff val="80000"/>
-                  </a:schemeClr>
-                </a:solidFill>
-                <a:latin typeface="Calibri" panose="020F0502020204030204" pitchFamily="34" charset="0"/>
-                <a:ea typeface="Calibri" panose="020F0502020204030204" pitchFamily="34" charset="0"/>
-                <a:cs typeface="Times New Roman" panose="02020603050405020304" pitchFamily="18" charset="0"/>
-              </a:rPr>
-              <a:t>Подключение авторизации пользователя</a:t>
-            </a:r>
-          </a:p>
-          <a:p>
-            <a:pPr marL="457200" indent="-457200">
-              <a:lnSpc>
-                <a:spcPct val="150000"/>
-              </a:lnSpc>
-              <a:spcAft>
-                <a:spcPts val="1200"/>
-              </a:spcAft>
-              <a:buFont typeface="+mj-lt"/>
-              <a:buAutoNum type="arabicPeriod"/>
-            </a:pPr>
-            <a:r>
-              <a:rPr lang="ru-RU" sz="2000" dirty="0">
-                <a:solidFill>
-                  <a:schemeClr val="bg2">
-                    <a:lumMod val="20000"/>
-                    <a:lumOff val="80000"/>
-                  </a:schemeClr>
-                </a:solidFill>
-                <a:latin typeface="Calibri" panose="020F0502020204030204" pitchFamily="34" charset="0"/>
-                <a:ea typeface="Calibri" panose="020F0502020204030204" pitchFamily="34" charset="0"/>
-                <a:cs typeface="Times New Roman" panose="02020603050405020304" pitchFamily="18" charset="0"/>
-              </a:rPr>
-              <a:t>Построение основного функционала: создание</a:t>
-            </a:r>
-            <a:r>
-              <a:rPr lang="en-US" sz="2000" dirty="0">
-                <a:solidFill>
-                  <a:schemeClr val="bg2">
-                    <a:lumMod val="20000"/>
-                    <a:lumOff val="80000"/>
-                  </a:schemeClr>
-                </a:solidFill>
-                <a:latin typeface="Calibri" panose="020F0502020204030204" pitchFamily="34" charset="0"/>
-                <a:ea typeface="Calibri" panose="020F0502020204030204" pitchFamily="34" charset="0"/>
-                <a:cs typeface="Times New Roman" panose="02020603050405020304" pitchFamily="18" charset="0"/>
-              </a:rPr>
-              <a:t>/</a:t>
-            </a:r>
-            <a:r>
-              <a:rPr lang="ru-RU" sz="2000" dirty="0">
-                <a:solidFill>
-                  <a:schemeClr val="bg2">
-                    <a:lumMod val="20000"/>
-                    <a:lumOff val="80000"/>
-                  </a:schemeClr>
-                </a:solidFill>
-                <a:latin typeface="Calibri" panose="020F0502020204030204" pitchFamily="34" charset="0"/>
-                <a:ea typeface="Calibri" panose="020F0502020204030204" pitchFamily="34" charset="0"/>
-                <a:cs typeface="Times New Roman" panose="02020603050405020304" pitchFamily="18" charset="0"/>
-              </a:rPr>
-              <a:t>удаление спортивной задачи, создание таблицы с результатами, добавление</a:t>
-            </a:r>
-            <a:r>
-              <a:rPr lang="en-US" sz="2000" dirty="0">
-                <a:solidFill>
-                  <a:schemeClr val="bg2">
-                    <a:lumMod val="20000"/>
-                    <a:lumOff val="80000"/>
-                  </a:schemeClr>
-                </a:solidFill>
-                <a:latin typeface="Calibri" panose="020F0502020204030204" pitchFamily="34" charset="0"/>
-                <a:ea typeface="Calibri" panose="020F0502020204030204" pitchFamily="34" charset="0"/>
-                <a:cs typeface="Times New Roman" panose="02020603050405020304" pitchFamily="18" charset="0"/>
-              </a:rPr>
-              <a:t>/</a:t>
-            </a:r>
-            <a:r>
-              <a:rPr lang="ru-RU" sz="2000" dirty="0">
-                <a:solidFill>
-                  <a:schemeClr val="bg2">
-                    <a:lumMod val="20000"/>
-                    <a:lumOff val="80000"/>
-                  </a:schemeClr>
-                </a:solidFill>
-                <a:latin typeface="Calibri" panose="020F0502020204030204" pitchFamily="34" charset="0"/>
-                <a:ea typeface="Calibri" panose="020F0502020204030204" pitchFamily="34" charset="0"/>
-                <a:cs typeface="Times New Roman" panose="02020603050405020304" pitchFamily="18" charset="0"/>
-              </a:rPr>
-              <a:t>удаление записи таблицы</a:t>
-            </a:r>
-          </a:p>
-          <a:p>
-            <a:pPr marL="457200" indent="-457200">
-              <a:lnSpc>
-                <a:spcPct val="150000"/>
-              </a:lnSpc>
-              <a:spcAft>
-                <a:spcPts val="1200"/>
-              </a:spcAft>
-              <a:buFont typeface="+mj-lt"/>
-              <a:buAutoNum type="arabicPeriod"/>
-            </a:pPr>
-            <a:r>
-              <a:rPr lang="ru-RU" sz="2000" dirty="0">
-                <a:solidFill>
-                  <a:schemeClr val="bg2">
-                    <a:lumMod val="20000"/>
-                    <a:lumOff val="80000"/>
-                  </a:schemeClr>
-                </a:solidFill>
-                <a:latin typeface="Calibri" panose="020F0502020204030204" pitchFamily="34" charset="0"/>
-                <a:ea typeface="Calibri" panose="020F0502020204030204" pitchFamily="34" charset="0"/>
-                <a:cs typeface="Times New Roman" panose="02020603050405020304" pitchFamily="18" charset="0"/>
-              </a:rPr>
-              <a:t>Просмотр или скачивание графика, созданного на основе результатов в таблице</a:t>
-            </a:r>
-          </a:p>
-          <a:p>
-            <a:pPr marL="457200" indent="-457200">
-              <a:lnSpc>
-                <a:spcPct val="150000"/>
-              </a:lnSpc>
-              <a:spcAft>
-                <a:spcPts val="1200"/>
-              </a:spcAft>
-              <a:buFont typeface="+mj-lt"/>
-              <a:buAutoNum type="arabicPeriod"/>
-            </a:pPr>
-            <a:r>
-              <a:rPr lang="ru-RU" sz="2000" dirty="0">
-                <a:solidFill>
-                  <a:schemeClr val="bg2">
-                    <a:lumMod val="20000"/>
-                    <a:lumOff val="80000"/>
-                  </a:schemeClr>
-                </a:solidFill>
-                <a:latin typeface="Calibri" panose="020F0502020204030204" pitchFamily="34" charset="0"/>
-                <a:ea typeface="Calibri" panose="020F0502020204030204" pitchFamily="34" charset="0"/>
-                <a:cs typeface="Times New Roman" panose="02020603050405020304" pitchFamily="18" charset="0"/>
-              </a:rPr>
-              <a:t>Скачивание таблицы с результатами</a:t>
-            </a:r>
+              <a:rPr lang="ru-RU" dirty="0"/>
+              <a:t>Основные библиотеки и модули:</a:t>
+            </a:r>
+          </a:p>
+          <a:p>
+            <a:r>
+              <a:rPr lang="ru-RU" dirty="0"/>
+              <a:t>PyQt5: создание графического интерфейса приложения</a:t>
+            </a:r>
+          </a:p>
+          <a:p>
+            <a:r>
+              <a:rPr lang="ru-RU" dirty="0"/>
+              <a:t>Sqlite3: хранение информации (база данных)</a:t>
+            </a:r>
+            <a:endParaRPr lang="ru-RU" sz="1400" dirty="0"/>
+          </a:p>
+          <a:p>
+            <a:r>
+              <a:rPr lang="en-US" dirty="0"/>
+              <a:t>Matplotlib</a:t>
+            </a:r>
+            <a:r>
+              <a:rPr lang="ru-RU" dirty="0"/>
+              <a:t>: для построения графика</a:t>
+            </a:r>
+          </a:p>
+          <a:p>
+            <a:r>
+              <a:rPr lang="en-US" dirty="0"/>
+              <a:t>Datetime</a:t>
+            </a:r>
+            <a:r>
+              <a:rPr lang="ru-RU" dirty="0"/>
+              <a:t>: для работы со временем</a:t>
+            </a:r>
+          </a:p>
+          <a:p>
+            <a:endParaRPr lang="ru-RU" dirty="0"/>
           </a:p>
         </p:txBody>
       </p:sp>
     </p:spTree>
     <p:extLst>
       <p:ext uri="{BB962C8B-B14F-4D97-AF65-F5344CB8AC3E}">
-        <p14:creationId xmlns:p14="http://schemas.microsoft.com/office/powerpoint/2010/main" val="1522713112"/>
+        <p14:creationId xmlns:p14="http://schemas.microsoft.com/office/powerpoint/2010/main" val="152466637"/>
       </p:ext>
     </p:extLst>
   </p:cSld>
@@ -6709,10 +6568,88 @@
       </p:grpSpPr>
       <p:sp>
         <p:nvSpPr>
+          <p:cNvPr id="4" name="Прямоугольник 3">
+            <a:extLst>
+              <a:ext uri="{FF2B5EF4-FFF2-40B4-BE49-F238E27FC236}">
+                <a16:creationId xmlns:a16="http://schemas.microsoft.com/office/drawing/2014/main" id="{344306E3-36DA-48AC-B749-90774CD2EFB9}"/>
+              </a:ext>
+            </a:extLst>
+          </p:cNvPr>
+          <p:cNvSpPr/>
+          <p:nvPr/>
+        </p:nvSpPr>
+        <p:spPr>
+          <a:xfrm>
+            <a:off x="406400" y="311611"/>
+            <a:ext cx="8953499" cy="1363322"/>
+          </a:xfrm>
+          <a:prstGeom prst="rect">
+            <a:avLst/>
+          </a:prstGeom>
+        </p:spPr>
+        <p:txBody>
+          <a:bodyPr wrap="square">
+            <a:spAutoFit/>
+          </a:bodyPr>
+          <a:lstStyle/>
+          <a:p>
+            <a:pPr algn="ctr">
+              <a:lnSpc>
+                <a:spcPct val="150000"/>
+              </a:lnSpc>
+              <a:spcBef>
+                <a:spcPts val="600"/>
+              </a:spcBef>
+              <a:spcAft>
+                <a:spcPts val="1200"/>
+              </a:spcAft>
+            </a:pPr>
+            <a:r>
+              <a:rPr lang="ru-RU" sz="2400" b="1" dirty="0">
+                <a:solidFill>
+                  <a:schemeClr val="tx1">
+                    <a:lumMod val="95000"/>
+                  </a:schemeClr>
+                </a:solidFill>
+                <a:latin typeface="+mj-lt"/>
+                <a:ea typeface="Calibri" panose="020F0502020204030204" pitchFamily="34" charset="0"/>
+                <a:cs typeface="Times New Roman" panose="02020603050405020304" pitchFamily="18" charset="0"/>
+              </a:rPr>
+              <a:t>Основное окно</a:t>
+            </a:r>
+          </a:p>
+          <a:p>
+            <a:pPr algn="ctr">
+              <a:lnSpc>
+                <a:spcPct val="150000"/>
+              </a:lnSpc>
+              <a:spcBef>
+                <a:spcPts val="600"/>
+              </a:spcBef>
+              <a:spcAft>
+                <a:spcPts val="1200"/>
+              </a:spcAft>
+            </a:pPr>
+            <a:endParaRPr lang="ru-RU" sz="2400" b="1" dirty="0">
+              <a:solidFill>
+                <a:schemeClr val="bg2">
+                  <a:lumMod val="20000"/>
+                  <a:lumOff val="80000"/>
+                </a:schemeClr>
+              </a:solidFill>
+              <a:latin typeface="+mj-lt"/>
+              <a:ea typeface="Calibri" panose="020F0502020204030204" pitchFamily="34" charset="0"/>
+              <a:cs typeface="Times New Roman" panose="02020603050405020304" pitchFamily="18" charset="0"/>
+            </a:endParaRPr>
+          </a:p>
+        </p:txBody>
+      </p:sp>
+      <p:sp>
+        <p:nvSpPr>
           <p:cNvPr id="2" name="Заголовок 1">
             <a:extLst>
               <a:ext uri="{FF2B5EF4-FFF2-40B4-BE49-F238E27FC236}">
-                <a16:creationId xmlns:a16="http://schemas.microsoft.com/office/drawing/2014/main" id="{69BEF8A6-6723-4EDD-8331-3B0B3A7AEB97}"/>
+                <a16:creationId xmlns:a16="http://schemas.microsoft.com/office/drawing/2014/main" id="{7E378BCF-2109-4F1F-81EB-3C21A52EA9B6}"/>
               </a:ext>
             </a:extLst>
           </p:cNvPr>
@@ -6723,32 +6660,26 @@
             <p:ph type="title"/>
           </p:nvPr>
         </p:nvSpPr>
-        <p:spPr/>
-        <p:txBody>
-          <a:bodyPr>
-            <a:normAutofit/>
-          </a:bodyPr>
-          <a:lstStyle/>
-          <a:p>
-            <a:r>
-              <a:rPr lang="ru-RU" sz="2800" dirty="0">
-                <a:solidFill>
-                  <a:schemeClr val="tx1">
-                    <a:lumMod val="85000"/>
-                  </a:schemeClr>
-                </a:solidFill>
-              </a:rPr>
-              <a:t>Использованные технологии</a:t>
-            </a:r>
-          </a:p>
-        </p:txBody>
-      </p:sp>
-      <p:sp>
-        <p:nvSpPr>
-          <p:cNvPr id="3" name="Объект 2">
+        <p:spPr>
+          <a:xfrm>
+            <a:off x="1336351" y="681298"/>
+            <a:ext cx="8596668" cy="1320800"/>
+          </a:xfrm>
+        </p:spPr>
+        <p:txBody>
+          <a:bodyPr/>
+          <a:lstStyle/>
+          <a:p>
+            <a:endParaRPr lang="ru-RU" dirty="0"/>
+          </a:p>
+        </p:txBody>
+      </p:sp>
+      <p:sp>
+        <p:nvSpPr>
+          <p:cNvPr id="5" name="Объект 2">
             <a:extLst>
               <a:ext uri="{FF2B5EF4-FFF2-40B4-BE49-F238E27FC236}">
-                <a16:creationId xmlns:a16="http://schemas.microsoft.com/office/drawing/2014/main" id="{5FDC863B-8DF6-4FA1-A8EE-DD54A9402829}"/>
+                <a16:creationId xmlns:a16="http://schemas.microsoft.com/office/drawing/2014/main" id="{6AF0C458-7FEE-4F10-B49C-AAF1E0E19186}"/>
               </a:ext>
             </a:extLst>
           </p:cNvPr>
@@ -6759,85 +6690,127 @@
             <p:ph idx="1"/>
           </p:nvPr>
         </p:nvSpPr>
-        <p:spPr/>
-        <p:txBody>
-          <a:bodyPr/>
-          <a:lstStyle/>
-          <a:p>
-            <a:r>
-              <a:rPr lang="ru-RU" dirty="0" err="1"/>
-              <a:t>Python</a:t>
-            </a:r>
-            <a:r>
-              <a:rPr lang="ru-RU" dirty="0"/>
-              <a:t>: язык программирования</a:t>
-            </a:r>
-          </a:p>
-          <a:p>
-            <a:r>
-              <a:rPr lang="en-US" dirty="0" err="1"/>
-              <a:t>QtDesigner</a:t>
-            </a:r>
-            <a:r>
-              <a:rPr lang="en-US" dirty="0"/>
-              <a:t>: </a:t>
-            </a:r>
-            <a:r>
-              <a:rPr lang="ru-RU" dirty="0"/>
-              <a:t>создание дизайна</a:t>
-            </a:r>
-          </a:p>
+        <p:spPr>
+          <a:xfrm>
+            <a:off x="5706368" y="1231978"/>
+            <a:ext cx="4671628" cy="5305534"/>
+          </a:xfrm>
+        </p:spPr>
+        <p:txBody>
+          <a:bodyPr vert="horz" lIns="91440" tIns="45720" rIns="91440" bIns="45720" rtlCol="0" anchor="t">
+            <a:normAutofit/>
+          </a:bodyPr>
+          <a:lstStyle/>
           <a:p>
             <a:pPr marL="0" indent="0">
               <a:buNone/>
             </a:pPr>
             <a:r>
-              <a:rPr lang="ru-RU" dirty="0"/>
-              <a:t>Основные библиотеки и модули:</a:t>
-            </a:r>
-          </a:p>
-          <a:p>
-            <a:r>
-              <a:rPr lang="ru-RU" dirty="0"/>
-              <a:t>PyQt5: создание графического приложения</a:t>
-            </a:r>
-          </a:p>
-          <a:p>
-            <a:r>
-              <a:rPr lang="ru-RU" dirty="0"/>
-              <a:t>Sqlite3: хранение информации (база данных)</a:t>
-            </a:r>
-            <a:endParaRPr lang="ru-RU" sz="1400" dirty="0"/>
-          </a:p>
-          <a:p>
-            <a:r>
-              <a:rPr lang="en-US" dirty="0"/>
-              <a:t>Matplotlib</a:t>
-            </a:r>
-            <a:r>
-              <a:rPr lang="ru-RU" dirty="0"/>
-              <a:t>: для построения графика</a:t>
-            </a:r>
-          </a:p>
-          <a:p>
-            <a:r>
-              <a:rPr lang="en-US" dirty="0"/>
-              <a:t>Datetime</a:t>
-            </a:r>
-            <a:r>
-              <a:rPr lang="ru-RU" dirty="0"/>
-              <a:t>: для работы со временем</a:t>
-            </a:r>
-          </a:p>
-          <a:p>
-            <a:endParaRPr lang="ru-RU" dirty="0"/>
-          </a:p>
-        </p:txBody>
-      </p:sp>
+              <a:rPr lang="ru-RU" sz="1600" dirty="0"/>
+              <a:t>Составляющие главного окна: создание спортивного задания, перемещение между заданиями, показ таблицы</a:t>
+            </a:r>
+            <a:r>
+              <a:rPr lang="en-US" sz="1600" dirty="0"/>
+              <a:t> </a:t>
+            </a:r>
+            <a:r>
+              <a:rPr lang="ru-RU" sz="1600" dirty="0"/>
+              <a:t>с результатами, занесение результатов в таблицу и их удаление по номеру строки.</a:t>
+            </a:r>
+          </a:p>
+          <a:p>
+            <a:pPr marL="0" indent="0">
+              <a:buNone/>
+            </a:pPr>
+            <a:r>
+              <a:rPr lang="ru-RU" sz="1600" dirty="0"/>
+              <a:t>Некоторые особенности:</a:t>
+            </a:r>
+          </a:p>
+          <a:p>
+            <a:r>
+              <a:rPr lang="ru-RU" sz="1600" dirty="0"/>
+              <a:t>Результаты в таблице отсортированы по дате</a:t>
+            </a:r>
+          </a:p>
+          <a:p>
+            <a:r>
+              <a:rPr lang="ru-RU" sz="1600" dirty="0"/>
+              <a:t>Можно скачать таблицу</a:t>
+            </a:r>
+            <a:r>
+              <a:rPr lang="en-US" sz="1600" dirty="0"/>
+              <a:t> </a:t>
+            </a:r>
+            <a:r>
+              <a:rPr lang="ru-RU" sz="1600" dirty="0"/>
+              <a:t>с результатами (формат .</a:t>
+            </a:r>
+            <a:r>
+              <a:rPr lang="en-US" sz="1600" dirty="0"/>
+              <a:t>xlsx, .csv</a:t>
+            </a:r>
+            <a:r>
+              <a:rPr lang="ru-RU" sz="1600" dirty="0"/>
+              <a:t>.) (Файл -</a:t>
+            </a:r>
+            <a:r>
+              <a:rPr lang="en-US" sz="1600" dirty="0"/>
+              <a:t>&gt; </a:t>
+            </a:r>
+            <a:r>
+              <a:rPr lang="ru-RU" sz="1600" dirty="0"/>
+              <a:t>Скачать таблицу)</a:t>
+            </a:r>
+          </a:p>
+          <a:p>
+            <a:r>
+              <a:rPr lang="ru-RU" sz="1600" dirty="0"/>
+              <a:t>Посмотреть или скачать график, созданный на основе спортивных результатов. Для этого надо выбрать сколько записей (результатов) будет в графике. По умолчанию – первые 30 записей. (Файл -&gt; Скачать график или Данные -&gt; Показать график)</a:t>
+            </a:r>
+          </a:p>
+          <a:p>
+            <a:endParaRPr lang="ru-RU" sz="1600" dirty="0"/>
+          </a:p>
+          <a:p>
+            <a:endParaRPr lang="ru-RU" sz="1600" dirty="0"/>
+          </a:p>
+        </p:txBody>
+      </p:sp>
+      <p:pic>
+        <p:nvPicPr>
+          <p:cNvPr id="6" name="Рисунок 5">
+            <a:extLst>
+              <a:ext uri="{FF2B5EF4-FFF2-40B4-BE49-F238E27FC236}">
+                <a16:creationId xmlns:a16="http://schemas.microsoft.com/office/drawing/2014/main" id="{FA813A3A-D530-4503-9F36-A1681B723EA8}"/>
+              </a:ext>
+            </a:extLst>
+          </p:cNvPr>
+          <p:cNvPicPr>
+            <a:picLocks noChangeAspect="1"/>
+          </p:cNvPicPr>
+          <p:nvPr/>
+        </p:nvPicPr>
+        <p:blipFill>
+          <a:blip r:embed="rId2"/>
+          <a:stretch>
+            <a:fillRect/>
+          </a:stretch>
+        </p:blipFill>
+        <p:spPr>
+          <a:xfrm>
+            <a:off x="155953" y="1341698"/>
+            <a:ext cx="5478732" cy="5032469"/>
+          </a:xfrm>
+          <a:prstGeom prst="rect">
+            <a:avLst/>
+          </a:prstGeom>
+        </p:spPr>
+      </p:pic>
     </p:spTree>
     <p:extLst>
       <p:ext uri="{BB962C8B-B14F-4D97-AF65-F5344CB8AC3E}">
-        <p14:creationId xmlns:p14="http://schemas.microsoft.com/office/powerpoint/2010/main" val="152466637"/>
+        <p14:creationId xmlns:p14="http://schemas.microsoft.com/office/powerpoint/2010/main" val="3099303924"/>
       </p:ext>
     </p:extLst>
   </p:cSld>
@@ -6866,285 +6839,6 @@
       </p:grpSpPr>
       <p:sp>
         <p:nvSpPr>
-          <p:cNvPr id="4" name="Прямоугольник 3">
-            <a:extLst>
-              <a:ext uri="{FF2B5EF4-FFF2-40B4-BE49-F238E27FC236}">
-                <a16:creationId xmlns:a16="http://schemas.microsoft.com/office/drawing/2014/main" id="{344306E3-36DA-48AC-B749-90774CD2EFB9}"/>
-              </a:ext>
-            </a:extLst>
-          </p:cNvPr>
-          <p:cNvSpPr/>
-          <p:nvPr/>
-        </p:nvSpPr>
-        <p:spPr>
-          <a:xfrm>
-            <a:off x="406400" y="320488"/>
-            <a:ext cx="8953499" cy="1363322"/>
-          </a:xfrm>
-          <a:prstGeom prst="rect">
-            <a:avLst/>
-          </a:prstGeom>
-        </p:spPr>
-        <p:txBody>
-          <a:bodyPr wrap="square">
-            <a:spAutoFit/>
-          </a:bodyPr>
-          <a:lstStyle/>
-          <a:p>
-            <a:pPr algn="ctr">
-              <a:lnSpc>
-                <a:spcPct val="150000"/>
-              </a:lnSpc>
-              <a:spcBef>
-                <a:spcPts val="600"/>
-              </a:spcBef>
-              <a:spcAft>
-                <a:spcPts val="1200"/>
-              </a:spcAft>
-            </a:pPr>
-            <a:r>
-              <a:rPr lang="ru-RU" sz="2400" b="1" dirty="0">
-                <a:solidFill>
-                  <a:schemeClr val="bg2">
-                    <a:lumMod val="20000"/>
-                    <a:lumOff val="80000"/>
-                  </a:schemeClr>
-                </a:solidFill>
-                <a:latin typeface="+mj-lt"/>
-                <a:ea typeface="Calibri" panose="020F0502020204030204" pitchFamily="34" charset="0"/>
-                <a:cs typeface="Times New Roman" panose="02020603050405020304" pitchFamily="18" charset="0"/>
-              </a:rPr>
-              <a:t>Основное окно</a:t>
-            </a:r>
-          </a:p>
-          <a:p>
-            <a:pPr algn="ctr">
-              <a:lnSpc>
-                <a:spcPct val="150000"/>
-              </a:lnSpc>
-              <a:spcBef>
-                <a:spcPts val="600"/>
-              </a:spcBef>
-              <a:spcAft>
-                <a:spcPts val="1200"/>
-              </a:spcAft>
-            </a:pPr>
-            <a:endParaRPr lang="ru-RU" sz="2400" b="1" dirty="0">
-              <a:solidFill>
-                <a:schemeClr val="bg2">
-                  <a:lumMod val="20000"/>
-                  <a:lumOff val="80000"/>
-                </a:schemeClr>
-              </a:solidFill>
-              <a:latin typeface="+mj-lt"/>
-              <a:ea typeface="Calibri" panose="020F0502020204030204" pitchFamily="34" charset="0"/>
-              <a:cs typeface="Times New Roman" panose="02020603050405020304" pitchFamily="18" charset="0"/>
-            </a:endParaRPr>
-          </a:p>
-        </p:txBody>
-      </p:sp>
-      <p:sp>
-        <p:nvSpPr>
-          <p:cNvPr id="2" name="Заголовок 1">
-            <a:extLst>
-              <a:ext uri="{FF2B5EF4-FFF2-40B4-BE49-F238E27FC236}">
-                <a16:creationId xmlns:a16="http://schemas.microsoft.com/office/drawing/2014/main" id="{7E378BCF-2109-4F1F-81EB-3C21A52EA9B6}"/>
-              </a:ext>
-            </a:extLst>
-          </p:cNvPr>
-          <p:cNvSpPr>
-            <a:spLocks noGrp="1"/>
-          </p:cNvSpPr>
-          <p:nvPr>
-            <p:ph type="title"/>
-          </p:nvPr>
-        </p:nvSpPr>
-        <p:spPr>
-          <a:xfrm>
-            <a:off x="1147850" y="601400"/>
-            <a:ext cx="8596668" cy="1320800"/>
-          </a:xfrm>
-        </p:spPr>
-        <p:txBody>
-          <a:bodyPr/>
-          <a:lstStyle/>
-          <a:p>
-            <a:endParaRPr lang="ru-RU" dirty="0"/>
-          </a:p>
-        </p:txBody>
-      </p:sp>
-      <p:sp>
-        <p:nvSpPr>
-          <p:cNvPr id="5" name="Объект 2">
-            <a:extLst>
-              <a:ext uri="{FF2B5EF4-FFF2-40B4-BE49-F238E27FC236}">
-                <a16:creationId xmlns:a16="http://schemas.microsoft.com/office/drawing/2014/main" id="{6AF0C458-7FEE-4F10-B49C-AAF1E0E19186}"/>
-              </a:ext>
-            </a:extLst>
-          </p:cNvPr>
-          <p:cNvSpPr>
-            <a:spLocks noGrp="1"/>
-          </p:cNvSpPr>
-          <p:nvPr>
-            <p:ph idx="1"/>
-          </p:nvPr>
-        </p:nvSpPr>
-        <p:spPr>
-          <a:xfrm>
-            <a:off x="5706368" y="1231978"/>
-            <a:ext cx="4671628" cy="5305534"/>
-          </a:xfrm>
-        </p:spPr>
-        <p:txBody>
-          <a:bodyPr vert="horz" lIns="91440" tIns="45720" rIns="91440" bIns="45720" rtlCol="0" anchor="t">
-            <a:normAutofit/>
-          </a:bodyPr>
-          <a:lstStyle/>
-          <a:p>
-            <a:pPr marL="0" indent="0">
-              <a:buNone/>
-            </a:pPr>
-            <a:r>
-              <a:rPr lang="ru-RU" sz="1600" dirty="0"/>
-              <a:t>Составляющие главного окна: создание задания, перемещение между заданиями, показ таблицы</a:t>
-            </a:r>
-            <a:r>
-              <a:rPr lang="en-US" sz="1600" dirty="0"/>
-              <a:t> </a:t>
-            </a:r>
-            <a:r>
-              <a:rPr lang="ru-RU" sz="1600" dirty="0"/>
-              <a:t>с результатами, занесение в таблицу результатов заданий (дата</a:t>
-            </a:r>
-            <a:r>
-              <a:rPr lang="en-US" sz="1600" dirty="0"/>
-              <a:t>, </a:t>
-            </a:r>
-            <a:r>
-              <a:rPr lang="ru-RU" sz="1600" dirty="0"/>
-              <a:t>результат</a:t>
-            </a:r>
-            <a:r>
-              <a:rPr lang="en-US" sz="1600" dirty="0"/>
-              <a:t>, </a:t>
-            </a:r>
-            <a:r>
-              <a:rPr lang="ru-RU" sz="1600" dirty="0"/>
-              <a:t>оценка, комментарий) и их удаление. Результаты в таблице отсортированы по дате. Также есть возможность:</a:t>
-            </a:r>
-          </a:p>
-          <a:p>
-            <a:r>
-              <a:rPr lang="ru-RU" sz="1600" dirty="0"/>
-              <a:t>Скачать таблицу</a:t>
-            </a:r>
-            <a:r>
-              <a:rPr lang="en-US" sz="1600" dirty="0"/>
-              <a:t> </a:t>
-            </a:r>
-            <a:r>
-              <a:rPr lang="ru-RU" sz="1600" dirty="0"/>
-              <a:t>с результатами в формате .</a:t>
-            </a:r>
-            <a:r>
-              <a:rPr lang="en-US" sz="1600" dirty="0"/>
-              <a:t>xlsx, .csv</a:t>
-            </a:r>
-            <a:r>
-              <a:rPr lang="ru-RU" sz="1600" dirty="0"/>
-              <a:t>. Файл -</a:t>
-            </a:r>
-            <a:r>
-              <a:rPr lang="en-US" sz="1600" dirty="0"/>
-              <a:t>&gt; </a:t>
-            </a:r>
-            <a:r>
-              <a:rPr lang="ru-RU" sz="1600" dirty="0"/>
-              <a:t>Скачать таблицу</a:t>
-            </a:r>
-          </a:p>
-          <a:p>
-            <a:r>
-              <a:rPr lang="ru-RU" sz="1600" dirty="0"/>
-              <a:t>Посмотреть или скачать график с результатами. Для этого надо выбрать сколько записей (результатов) будет в графике. По умолчанию – первые 30 записей.</a:t>
-            </a:r>
-          </a:p>
-          <a:p>
-            <a:r>
-              <a:rPr lang="ru-RU" sz="1600" dirty="0"/>
-              <a:t>Удалить задачу, если появилась необходимость.</a:t>
-            </a:r>
-          </a:p>
-          <a:p>
-            <a:r>
-              <a:rPr lang="ru-RU" sz="1600" dirty="0"/>
-              <a:t>Удалить запись (результат) из таблицы по номеру строки в таблице.</a:t>
-            </a:r>
-          </a:p>
-        </p:txBody>
-      </p:sp>
-      <p:pic>
-        <p:nvPicPr>
-          <p:cNvPr id="6" name="Рисунок 5">
-            <a:extLst>
-              <a:ext uri="{FF2B5EF4-FFF2-40B4-BE49-F238E27FC236}">
-                <a16:creationId xmlns:a16="http://schemas.microsoft.com/office/drawing/2014/main" id="{E6BDC1A3-CC13-41E5-9EDE-413296320A61}"/>
-              </a:ext>
-            </a:extLst>
-          </p:cNvPr>
-          <p:cNvPicPr>
-            <a:picLocks noChangeAspect="1"/>
-          </p:cNvPicPr>
-          <p:nvPr/>
-        </p:nvPicPr>
-        <p:blipFill>
-          <a:blip r:embed="rId2"/>
-          <a:stretch>
-            <a:fillRect/>
-          </a:stretch>
-        </p:blipFill>
-        <p:spPr>
-          <a:xfrm>
-            <a:off x="222509" y="1341698"/>
-            <a:ext cx="5412176" cy="4979203"/>
-          </a:xfrm>
-          <a:prstGeom prst="rect">
-            <a:avLst/>
-          </a:prstGeom>
-        </p:spPr>
-      </p:pic>
-    </p:spTree>
-    <p:extLst>
-      <p:ext uri="{BB962C8B-B14F-4D97-AF65-F5344CB8AC3E}">
-        <p14:creationId xmlns:p14="http://schemas.microsoft.com/office/powerpoint/2010/main" val="3099303924"/>
-      </p:ext>
-    </p:extLst>
-  </p:cSld>
-  <p:clrMapOvr>
-    <a:masterClrMapping/>
-  </p:clrMapOvr>
-</p:sld>
-</file>
-
-<file path=ppt/slides/slide7.xml><?xml version="1.0" encoding="utf-8"?>
-<p:sld xmlns:a="http://schemas.openxmlformats.org/drawingml/2006/main" xmlns:r="http://schemas.openxmlformats.org/officeDocument/2006/relationships" xmlns:p="http://schemas.openxmlformats.org/presentationml/2006/main">
-  <p:cSld>
-    <p:spTree>
-      <p:nvGrpSpPr>
-        <p:cNvPr id="1" name=""/>
-        <p:cNvGrpSpPr/>
-        <p:nvPr/>
-      </p:nvGrpSpPr>
-      <p:grpSpPr>
-        <a:xfrm>
-          <a:off x="0" y="0"/>
-          <a:ext cx="0" cy="0"/>
-          <a:chOff x="0" y="0"/>
-          <a:chExt cx="0" cy="0"/>
-        </a:xfrm>
-      </p:grpSpPr>
-      <p:sp>
-        <p:nvSpPr>
           <p:cNvPr id="2" name="Заголовок 1">
             <a:extLst>
               <a:ext uri="{FF2B5EF4-FFF2-40B4-BE49-F238E27FC236}">
@@ -7175,11 +6869,11 @@
               <a:rPr lang="ru-RU" sz="2400" dirty="0">
                 <a:solidFill>
                   <a:schemeClr val="tx1">
-                    <a:lumMod val="85000"/>
+                    <a:lumMod val="95000"/>
                   </a:schemeClr>
                 </a:solidFill>
               </a:rPr>
-              <a:t>Примеры создания задания и записи результата в таблицу</a:t>
+              <a:t>Примеры создания спортивного задания и добавления результата в таблицу</a:t>
             </a:r>
           </a:p>
         </p:txBody>
@@ -7256,7 +6950,7 @@
 </p:sld>
 </file>
 
-<file path=ppt/slides/slide8.xml><?xml version="1.0" encoding="utf-8"?>
+<file path=ppt/slides/slide7.xml><?xml version="1.0" encoding="utf-8"?>
 <p:sld xmlns:a="http://schemas.openxmlformats.org/drawingml/2006/main" xmlns:r="http://schemas.openxmlformats.org/officeDocument/2006/relationships" xmlns:p="http://schemas.openxmlformats.org/presentationml/2006/main">
   <p:cSld>
     <p:spTree>
@@ -7300,7 +6994,7 @@
               <a:rPr lang="ru-RU" sz="2400" dirty="0">
                 <a:solidFill>
                   <a:schemeClr val="tx1">
-                    <a:lumMod val="85000"/>
+                    <a:lumMod val="95000"/>
                   </a:schemeClr>
                 </a:solidFill>
               </a:rPr>
@@ -7381,6 +7075,175 @@
 </p:sld>
 </file>
 
+<file path=ppt/slides/slide8.xml><?xml version="1.0" encoding="utf-8"?>
+<p:sld xmlns:a="http://schemas.openxmlformats.org/drawingml/2006/main" xmlns:r="http://schemas.openxmlformats.org/officeDocument/2006/relationships" xmlns:p="http://schemas.openxmlformats.org/presentationml/2006/main">
+  <p:cSld>
+    <p:spTree>
+      <p:nvGrpSpPr>
+        <p:cNvPr id="1" name=""/>
+        <p:cNvGrpSpPr/>
+        <p:nvPr/>
+      </p:nvGrpSpPr>
+      <p:grpSpPr>
+        <a:xfrm>
+          <a:off x="0" y="0"/>
+          <a:ext cx="0" cy="0"/>
+          <a:chOff x="0" y="0"/>
+          <a:chExt cx="0" cy="0"/>
+        </a:xfrm>
+      </p:grpSpPr>
+      <p:sp>
+        <p:nvSpPr>
+          <p:cNvPr id="4" name="Прямоугольник 3">
+            <a:extLst>
+              <a:ext uri="{FF2B5EF4-FFF2-40B4-BE49-F238E27FC236}">
+                <a16:creationId xmlns:a16="http://schemas.microsoft.com/office/drawing/2014/main" id="{344306E3-36DA-48AC-B749-90774CD2EFB9}"/>
+              </a:ext>
+            </a:extLst>
+          </p:cNvPr>
+          <p:cNvSpPr/>
+          <p:nvPr/>
+        </p:nvSpPr>
+        <p:spPr>
+          <a:xfrm>
+            <a:off x="406400" y="320488"/>
+            <a:ext cx="8953499" cy="3368614"/>
+          </a:xfrm>
+          <a:prstGeom prst="rect">
+            <a:avLst/>
+          </a:prstGeom>
+        </p:spPr>
+        <p:txBody>
+          <a:bodyPr wrap="square">
+            <a:spAutoFit/>
+          </a:bodyPr>
+          <a:lstStyle/>
+          <a:p>
+            <a:pPr algn="ctr">
+              <a:lnSpc>
+                <a:spcPct val="150000"/>
+              </a:lnSpc>
+              <a:spcBef>
+                <a:spcPts val="600"/>
+              </a:spcBef>
+              <a:spcAft>
+                <a:spcPts val="1200"/>
+              </a:spcAft>
+            </a:pPr>
+            <a:r>
+              <a:rPr lang="ru-RU" sz="2400" b="1" dirty="0">
+                <a:solidFill>
+                  <a:schemeClr val="tx1">
+                    <a:lumMod val="95000"/>
+                  </a:schemeClr>
+                </a:solidFill>
+                <a:latin typeface="+mj-lt"/>
+                <a:ea typeface="Times New Roman" panose="02020603050405020304" pitchFamily="18" charset="0"/>
+                <a:cs typeface="Times New Roman" panose="02020603050405020304" pitchFamily="18" charset="0"/>
+              </a:rPr>
+              <a:t>Развитие проектной работы</a:t>
+            </a:r>
+          </a:p>
+          <a:p>
+            <a:pPr marL="457200" indent="-457200" algn="just">
+              <a:lnSpc>
+                <a:spcPct val="150000"/>
+              </a:lnSpc>
+              <a:spcAft>
+                <a:spcPts val="1200"/>
+              </a:spcAft>
+              <a:buFont typeface="+mj-lt"/>
+              <a:buAutoNum type="arabicPeriod"/>
+            </a:pPr>
+            <a:r>
+              <a:rPr lang="ru-RU" sz="2000" dirty="0">
+                <a:solidFill>
+                  <a:schemeClr val="tx1">
+                    <a:lumMod val="95000"/>
+                  </a:schemeClr>
+                </a:solidFill>
+                <a:latin typeface="Calibri" panose="020F0502020204030204" pitchFamily="34" charset="0"/>
+                <a:ea typeface="Calibri" panose="020F0502020204030204" pitchFamily="34" charset="0"/>
+                <a:cs typeface="Times New Roman" panose="02020603050405020304" pitchFamily="18" charset="0"/>
+              </a:rPr>
+              <a:t>Добавить поиск данных в таблице.</a:t>
+            </a:r>
+            <a:endParaRPr lang="en-US" sz="2000" dirty="0">
+              <a:solidFill>
+                <a:schemeClr val="tx1">
+                  <a:lumMod val="95000"/>
+                </a:schemeClr>
+              </a:solidFill>
+              <a:latin typeface="Calibri" panose="020F0502020204030204" pitchFamily="34" charset="0"/>
+              <a:ea typeface="Calibri" panose="020F0502020204030204" pitchFamily="34" charset="0"/>
+              <a:cs typeface="Times New Roman" panose="02020603050405020304" pitchFamily="18" charset="0"/>
+            </a:endParaRPr>
+          </a:p>
+          <a:p>
+            <a:pPr marL="457200" indent="-457200" algn="just">
+              <a:lnSpc>
+                <a:spcPct val="150000"/>
+              </a:lnSpc>
+              <a:spcAft>
+                <a:spcPts val="1200"/>
+              </a:spcAft>
+              <a:buFont typeface="+mj-lt"/>
+              <a:buAutoNum type="arabicPeriod"/>
+            </a:pPr>
+            <a:r>
+              <a:rPr lang="ru-RU" sz="2000" dirty="0">
+                <a:solidFill>
+                  <a:schemeClr val="tx1">
+                    <a:lumMod val="95000"/>
+                  </a:schemeClr>
+                </a:solidFill>
+                <a:latin typeface="Calibri" panose="020F0502020204030204" pitchFamily="34" charset="0"/>
+                <a:ea typeface="Calibri" panose="020F0502020204030204" pitchFamily="34" charset="0"/>
+                <a:cs typeface="Times New Roman" panose="02020603050405020304" pitchFamily="18" charset="0"/>
+              </a:rPr>
+              <a:t>Добавить возможность получать советы по улучшению и предотвращению ухудшения спортивных результатов, анализируя комментарии во время роста и падения показателей соответственно.</a:t>
+            </a:r>
+          </a:p>
+          <a:p>
+            <a:pPr marL="457200" indent="-457200" algn="just">
+              <a:lnSpc>
+                <a:spcPct val="150000"/>
+              </a:lnSpc>
+              <a:spcAft>
+                <a:spcPts val="1200"/>
+              </a:spcAft>
+              <a:buFont typeface="+mj-lt"/>
+              <a:buAutoNum type="arabicPeriod"/>
+            </a:pPr>
+            <a:r>
+              <a:rPr lang="ru-RU" sz="2000" dirty="0">
+                <a:solidFill>
+                  <a:schemeClr val="tx1">
+                    <a:lumMod val="95000"/>
+                  </a:schemeClr>
+                </a:solidFill>
+                <a:latin typeface="Calibri" panose="020F0502020204030204" pitchFamily="34" charset="0"/>
+                <a:ea typeface="Calibri" panose="020F0502020204030204" pitchFamily="34" charset="0"/>
+                <a:cs typeface="Times New Roman" panose="02020603050405020304" pitchFamily="18" charset="0"/>
+              </a:rPr>
+              <a:t>Прогнозировать рост или падение спортивных результатов на основе ИИ.</a:t>
+            </a:r>
+          </a:p>
+        </p:txBody>
+      </p:sp>
+    </p:spTree>
+    <p:extLst>
+      <p:ext uri="{BB962C8B-B14F-4D97-AF65-F5344CB8AC3E}">
+        <p14:creationId xmlns:p14="http://schemas.microsoft.com/office/powerpoint/2010/main" val="3310185435"/>
+      </p:ext>
+    </p:extLst>
+  </p:cSld>
+  <p:clrMapOvr>
+    <a:masterClrMapping/>
+  </p:clrMapOvr>
+</p:sld>
+</file>
+
 <file path=ppt/slides/slide9.xml><?xml version="1.0" encoding="utf-8"?>
 <p:sld xmlns:a="http://schemas.openxmlformats.org/drawingml/2006/main" xmlns:r="http://schemas.openxmlformats.org/officeDocument/2006/relationships" xmlns:p="http://schemas.openxmlformats.org/presentationml/2006/main">
   <p:cSld>
@@ -7400,10 +7263,10 @@
       </p:grpSpPr>
       <p:sp>
         <p:nvSpPr>
-          <p:cNvPr id="4" name="Прямоугольник 3">
+          <p:cNvPr id="2" name="Прямоугольник 1">
             <a:extLst>
               <a:ext uri="{FF2B5EF4-FFF2-40B4-BE49-F238E27FC236}">
-                <a16:creationId xmlns:a16="http://schemas.microsoft.com/office/drawing/2014/main" id="{344306E3-36DA-48AC-B749-90774CD2EFB9}"/>
+                <a16:creationId xmlns:a16="http://schemas.microsoft.com/office/drawing/2014/main" id="{6456F81B-4B94-42DA-9941-3F0AA38DD112}"/>
               </a:ext>
             </a:extLst>
           </p:cNvPr>
@@ -7412,8 +7275,8 @@
         </p:nvSpPr>
         <p:spPr>
           <a:xfrm>
-            <a:off x="406400" y="320488"/>
-            <a:ext cx="8953499" cy="4291944"/>
+            <a:off x="975156" y="2983925"/>
+            <a:ext cx="8792215" cy="523220"/>
           </a:xfrm>
           <a:prstGeom prst="rect">
             <a:avLst/>
@@ -7425,127 +7288,163 @@
           </a:bodyPr>
           <a:lstStyle/>
           <a:p>
-            <a:pPr algn="ctr">
-              <a:lnSpc>
-                <a:spcPct val="150000"/>
-              </a:lnSpc>
-              <a:spcBef>
-                <a:spcPts val="600"/>
-              </a:spcBef>
-              <a:spcAft>
-                <a:spcPts val="1200"/>
-              </a:spcAft>
-            </a:pPr>
-            <a:r>
-              <a:rPr lang="ru-RU" sz="2400" b="1" dirty="0">
+            <a:endParaRPr lang="ru-RU" sz="2800" dirty="0">
+              <a:latin typeface="Calibri" panose="020F0502020204030204" pitchFamily="34" charset="0"/>
+            </a:endParaRPr>
+          </a:p>
+        </p:txBody>
+      </p:sp>
+      <p:sp>
+        <p:nvSpPr>
+          <p:cNvPr id="3" name="TextBox 2">
+            <a:extLst>
+              <a:ext uri="{FF2B5EF4-FFF2-40B4-BE49-F238E27FC236}">
+                <a16:creationId xmlns:a16="http://schemas.microsoft.com/office/drawing/2014/main" id="{30F75D33-984B-427F-813B-43835FAA1152}"/>
+              </a:ext>
+            </a:extLst>
+          </p:cNvPr>
+          <p:cNvSpPr txBox="1"/>
+          <p:nvPr/>
+        </p:nvSpPr>
+        <p:spPr>
+          <a:xfrm>
+            <a:off x="975156" y="695328"/>
+            <a:ext cx="6961481" cy="553998"/>
+          </a:xfrm>
+          <a:prstGeom prst="rect">
+            <a:avLst/>
+          </a:prstGeom>
+          <a:noFill/>
+        </p:spPr>
+        <p:txBody>
+          <a:bodyPr wrap="square" rtlCol="0">
+            <a:spAutoFit/>
+          </a:bodyPr>
+          <a:lstStyle/>
+          <a:p>
+            <a:r>
+              <a:rPr lang="ru-RU" sz="3000" dirty="0">
                 <a:solidFill>
                   <a:schemeClr val="bg2">
                     <a:lumMod val="20000"/>
                     <a:lumOff val="80000"/>
                   </a:schemeClr>
                 </a:solidFill>
-                <a:latin typeface="+mj-lt"/>
-                <a:ea typeface="Times New Roman" panose="02020603050405020304" pitchFamily="18" charset="0"/>
-                <a:cs typeface="Times New Roman" panose="02020603050405020304" pitchFamily="18" charset="0"/>
               </a:rPr>
-              <a:t>Развитие проектной работы</a:t>
-            </a:r>
-          </a:p>
-          <a:p>
-            <a:pPr marL="457200" indent="-457200" algn="just">
-              <a:lnSpc>
-                <a:spcPct val="150000"/>
-              </a:lnSpc>
-              <a:spcAft>
-                <a:spcPts val="1200"/>
-              </a:spcAft>
-              <a:buFont typeface="+mj-lt"/>
-              <a:buAutoNum type="arabicPeriod"/>
-            </a:pPr>
-            <a:r>
-              <a:rPr lang="ru-RU" sz="2000" dirty="0">
+              <a:t>К</a:t>
+            </a:r>
+            <a:r>
+              <a:rPr lang="ru-RU" sz="3000" kern="1200" dirty="0">
                 <a:solidFill>
                   <a:schemeClr val="bg2">
                     <a:lumMod val="20000"/>
                     <a:lumOff val="80000"/>
                   </a:schemeClr>
                 </a:solidFill>
-                <a:latin typeface="Calibri" panose="020F0502020204030204" pitchFamily="34" charset="0"/>
-                <a:ea typeface="Calibri" panose="020F0502020204030204" pitchFamily="34" charset="0"/>
-                <a:cs typeface="Times New Roman" panose="02020603050405020304" pitchFamily="18" charset="0"/>
+                <a:latin typeface="+mn-lt"/>
+                <a:ea typeface="+mn-ea"/>
+                <a:cs typeface="+mn-cs"/>
               </a:rPr>
-              <a:t>Добавить просмотр минимального, максимального и среднего результатов в таблице.</a:t>
-            </a:r>
-          </a:p>
-          <a:p>
-            <a:pPr marL="457200" indent="-457200" algn="just">
-              <a:lnSpc>
-                <a:spcPct val="150000"/>
-              </a:lnSpc>
-              <a:spcAft>
-                <a:spcPts val="1200"/>
-              </a:spcAft>
-              <a:buFont typeface="+mj-lt"/>
-              <a:buAutoNum type="arabicPeriod"/>
-            </a:pPr>
-            <a:r>
-              <a:rPr lang="ru-RU" sz="2000" dirty="0">
+              <a:t>од </a:t>
+            </a:r>
+            <a:r>
+              <a:rPr lang="ru-RU" sz="3000" dirty="0">
                 <a:solidFill>
                   <a:schemeClr val="bg2">
                     <a:lumMod val="20000"/>
                     <a:lumOff val="80000"/>
                   </a:schemeClr>
                 </a:solidFill>
-                <a:latin typeface="Calibri" panose="020F0502020204030204" pitchFamily="34" charset="0"/>
-                <a:ea typeface="Calibri" panose="020F0502020204030204" pitchFamily="34" charset="0"/>
-                <a:cs typeface="Times New Roman" panose="02020603050405020304" pitchFamily="18" charset="0"/>
               </a:rPr>
-              <a:t>Добавить поиск данных в таблице</a:t>
-            </a:r>
-            <a:endParaRPr lang="en-US" sz="2000" dirty="0">
-              <a:solidFill>
-                <a:schemeClr val="bg2">
-                  <a:lumMod val="20000"/>
-                  <a:lumOff val="80000"/>
-                </a:schemeClr>
-              </a:solidFill>
-              <a:latin typeface="Calibri" panose="020F0502020204030204" pitchFamily="34" charset="0"/>
-              <a:ea typeface="Calibri" panose="020F0502020204030204" pitchFamily="34" charset="0"/>
-              <a:cs typeface="Times New Roman" panose="02020603050405020304" pitchFamily="18" charset="0"/>
-            </a:endParaRPr>
-          </a:p>
-          <a:p>
-            <a:pPr marL="457200" indent="-457200" algn="just">
-              <a:lnSpc>
-                <a:spcPct val="150000"/>
-              </a:lnSpc>
-              <a:spcAft>
-                <a:spcPts val="1200"/>
-              </a:spcAft>
-              <a:buFont typeface="+mj-lt"/>
-              <a:buAutoNum type="arabicPeriod"/>
-            </a:pPr>
-            <a:r>
-              <a:rPr lang="ru-RU" sz="2000" dirty="0">
+              <a:t>проекта</a:t>
+            </a:r>
+            <a:r>
+              <a:rPr lang="ru-RU" sz="3000" kern="1200" dirty="0">
                 <a:solidFill>
                   <a:schemeClr val="bg2">
                     <a:lumMod val="20000"/>
                     <a:lumOff val="80000"/>
                   </a:schemeClr>
                 </a:solidFill>
-                <a:latin typeface="Calibri" panose="020F0502020204030204" pitchFamily="34" charset="0"/>
-                <a:ea typeface="Calibri" panose="020F0502020204030204" pitchFamily="34" charset="0"/>
-                <a:cs typeface="Times New Roman" panose="02020603050405020304" pitchFamily="18" charset="0"/>
+                <a:latin typeface="+mn-lt"/>
+                <a:ea typeface="+mn-ea"/>
+                <a:cs typeface="+mn-cs"/>
               </a:rPr>
-              <a:t>Сделать возможность давать советы по улучшению спортивных результатов, анализируя комментарии во время улучшения показателей, и предотвращать ухудшение результатов, анализируя комментарии во время падения формы.</a:t>
-            </a:r>
-          </a:p>
-        </p:txBody>
-      </p:sp>
+              <a:t> доступен по </a:t>
+            </a:r>
+            <a:r>
+              <a:rPr lang="en-US" sz="3000" dirty="0">
+                <a:solidFill>
+                  <a:schemeClr val="bg2">
+                    <a:lumMod val="20000"/>
+                    <a:lumOff val="80000"/>
+                  </a:schemeClr>
+                </a:solidFill>
+              </a:rPr>
+              <a:t>QR-</a:t>
+            </a:r>
+            <a:r>
+              <a:rPr lang="ru-RU" sz="3000" dirty="0">
+                <a:solidFill>
+                  <a:schemeClr val="bg2">
+                    <a:lumMod val="20000"/>
+                    <a:lumOff val="80000"/>
+                  </a:schemeClr>
+                </a:solidFill>
+              </a:rPr>
+              <a:t>коду</a:t>
+            </a:r>
+            <a:r>
+              <a:rPr lang="ru-RU" sz="3000" kern="1200" dirty="0">
+                <a:solidFill>
+                  <a:schemeClr val="bg2">
+                    <a:lumMod val="20000"/>
+                    <a:lumOff val="80000"/>
+                  </a:schemeClr>
+                </a:solidFill>
+                <a:latin typeface="+mn-lt"/>
+                <a:ea typeface="+mn-ea"/>
+                <a:cs typeface="+mn-cs"/>
+              </a:rPr>
+              <a:t>:</a:t>
+            </a:r>
+          </a:p>
+        </p:txBody>
+      </p:sp>
+      <p:pic>
+        <p:nvPicPr>
+          <p:cNvPr id="7" name="Рисунок 6">
+            <a:extLst>
+              <a:ext uri="{FF2B5EF4-FFF2-40B4-BE49-F238E27FC236}">
+                <a16:creationId xmlns:a16="http://schemas.microsoft.com/office/drawing/2014/main" id="{C5FAB801-1EFC-442C-B0D8-8B751E0E231A}"/>
+              </a:ext>
+            </a:extLst>
+          </p:cNvPr>
+          <p:cNvPicPr>
+            <a:picLocks noChangeAspect="1"/>
+          </p:cNvPicPr>
+          <p:nvPr/>
+        </p:nvPicPr>
+        <p:blipFill>
+          <a:blip r:embed="rId2"/>
+          <a:stretch>
+            <a:fillRect/>
+          </a:stretch>
+        </p:blipFill>
+        <p:spPr>
+          <a:xfrm>
+            <a:off x="2176054" y="1597980"/>
+            <a:ext cx="4358936" cy="4358936"/>
+          </a:xfrm>
+          <a:prstGeom prst="rect">
+            <a:avLst/>
+          </a:prstGeom>
+        </p:spPr>
+      </p:pic>
     </p:spTree>
     <p:extLst>
       <p:ext uri="{BB962C8B-B14F-4D97-AF65-F5344CB8AC3E}">
-        <p14:creationId xmlns:p14="http://schemas.microsoft.com/office/powerpoint/2010/main" val="3310185435"/>
+        <p14:creationId xmlns:p14="http://schemas.microsoft.com/office/powerpoint/2010/main" val="798394565"/>
       </p:ext>
     </p:extLst>
   </p:cSld>

--- a/description_project/Презентация.pptx
+++ b/description_project/Презентация.pptx
@@ -9,11 +9,10 @@
     <p:sldId id="258" r:id="rId3"/>
     <p:sldId id="265" r:id="rId4"/>
     <p:sldId id="268" r:id="rId5"/>
-    <p:sldId id="264" r:id="rId6"/>
-    <p:sldId id="270" r:id="rId7"/>
-    <p:sldId id="271" r:id="rId8"/>
-    <p:sldId id="267" r:id="rId9"/>
-    <p:sldId id="261" r:id="rId10"/>
+    <p:sldId id="270" r:id="rId6"/>
+    <p:sldId id="264" r:id="rId7"/>
+    <p:sldId id="267" r:id="rId8"/>
+    <p:sldId id="261" r:id="rId9"/>
   </p:sldIdLst>
   <p:sldSz cx="12192000" cy="6858000"/>
   <p:notesSz cx="6858000" cy="9144000"/>
@@ -845,7 +844,7 @@
             <a:fld id="{B61BEF0D-F0BB-DE4B-95CE-6DB70DBA9567}" type="datetimeFigureOut">
               <a:rPr lang="en-US" dirty="0"/>
               <a:pPr/>
-              <a:t>4/16/2024</a:t>
+              <a:t>4/17/2024</a:t>
             </a:fld>
             <a:endParaRPr lang="en-US" dirty="0"/>
           </a:p>
@@ -1093,7 +1092,7 @@
             <a:fld id="{B61BEF0D-F0BB-DE4B-95CE-6DB70DBA9567}" type="datetimeFigureOut">
               <a:rPr lang="en-US" dirty="0"/>
               <a:pPr/>
-              <a:t>4/16/2024</a:t>
+              <a:t>4/17/2024</a:t>
             </a:fld>
             <a:endParaRPr lang="en-US" dirty="0"/>
           </a:p>
@@ -1404,7 +1403,7 @@
             <a:fld id="{B61BEF0D-F0BB-DE4B-95CE-6DB70DBA9567}" type="datetimeFigureOut">
               <a:rPr lang="en-US" dirty="0"/>
               <a:pPr/>
-              <a:t>4/16/2024</a:t>
+              <a:t>4/17/2024</a:t>
             </a:fld>
             <a:endParaRPr lang="en-US" dirty="0"/>
           </a:p>
@@ -1728,7 +1727,7 @@
             <a:fld id="{B61BEF0D-F0BB-DE4B-95CE-6DB70DBA9567}" type="datetimeFigureOut">
               <a:rPr lang="en-US" dirty="0"/>
               <a:pPr/>
-              <a:t>4/16/2024</a:t>
+              <a:t>4/17/2024</a:t>
             </a:fld>
             <a:endParaRPr lang="en-US" dirty="0"/>
           </a:p>
@@ -2039,7 +2038,7 @@
             <a:fld id="{B61BEF0D-F0BB-DE4B-95CE-6DB70DBA9567}" type="datetimeFigureOut">
               <a:rPr lang="en-US" dirty="0"/>
               <a:pPr/>
-              <a:t>4/16/2024</a:t>
+              <a:t>4/17/2024</a:t>
             </a:fld>
             <a:endParaRPr lang="en-US" dirty="0"/>
           </a:p>
@@ -2423,7 +2422,7 @@
             <a:fld id="{B61BEF0D-F0BB-DE4B-95CE-6DB70DBA9567}" type="datetimeFigureOut">
               <a:rPr lang="en-US" dirty="0"/>
               <a:pPr/>
-              <a:t>4/16/2024</a:t>
+              <a:t>4/17/2024</a:t>
             </a:fld>
             <a:endParaRPr lang="en-US" dirty="0"/>
           </a:p>
@@ -2589,7 +2588,7 @@
           <a:p>
             <a:fld id="{55C6B4A9-1611-4792-9094-5F34BCA07E0B}" type="datetimeFigureOut">
               <a:rPr lang="en-US" dirty="0"/>
-              <a:t>4/16/2024</a:t>
+              <a:t>4/17/2024</a:t>
             </a:fld>
             <a:endParaRPr lang="en-US" dirty="0"/>
           </a:p>
@@ -2765,7 +2764,7 @@
             <a:fld id="{B61BEF0D-F0BB-DE4B-95CE-6DB70DBA9567}" type="datetimeFigureOut">
               <a:rPr lang="en-US" dirty="0"/>
               <a:pPr/>
-              <a:t>4/16/2024</a:t>
+              <a:t>4/17/2024</a:t>
             </a:fld>
             <a:endParaRPr lang="en-US" dirty="0"/>
           </a:p>
@@ -2938,7 +2937,7 @@
             <a:fld id="{B61BEF0D-F0BB-DE4B-95CE-6DB70DBA9567}" type="datetimeFigureOut">
               <a:rPr lang="en-US" dirty="0"/>
               <a:pPr/>
-              <a:t>4/16/2024</a:t>
+              <a:t>4/17/2024</a:t>
             </a:fld>
             <a:endParaRPr lang="en-US" dirty="0"/>
           </a:p>
@@ -3182,7 +3181,7 @@
             <a:fld id="{B61BEF0D-F0BB-DE4B-95CE-6DB70DBA9567}" type="datetimeFigureOut">
               <a:rPr lang="en-US" dirty="0"/>
               <a:pPr/>
-              <a:t>4/16/2024</a:t>
+              <a:t>4/17/2024</a:t>
             </a:fld>
             <a:endParaRPr lang="en-US" dirty="0"/>
           </a:p>
@@ -3410,7 +3409,7 @@
           <a:p>
             <a:fld id="{EB712588-04B1-427B-82EE-E8DB90309F08}" type="datetimeFigureOut">
               <a:rPr lang="en-US" dirty="0"/>
-              <a:t>4/16/2024</a:t>
+              <a:t>4/17/2024</a:t>
             </a:fld>
             <a:endParaRPr lang="en-US" dirty="0"/>
           </a:p>
@@ -3780,7 +3779,7 @@
             <a:fld id="{B61BEF0D-F0BB-DE4B-95CE-6DB70DBA9567}" type="datetimeFigureOut">
               <a:rPr lang="en-US" dirty="0"/>
               <a:pPr/>
-              <a:t>4/16/2024</a:t>
+              <a:t>4/17/2024</a:t>
             </a:fld>
             <a:endParaRPr lang="en-US" dirty="0"/>
           </a:p>
@@ -3900,7 +3899,7 @@
             <a:fld id="{B61BEF0D-F0BB-DE4B-95CE-6DB70DBA9567}" type="datetimeFigureOut">
               <a:rPr lang="en-US" dirty="0"/>
               <a:pPr/>
-              <a:t>4/16/2024</a:t>
+              <a:t>4/17/2024</a:t>
             </a:fld>
             <a:endParaRPr lang="en-US" dirty="0"/>
           </a:p>
@@ -3992,7 +3991,7 @@
             <a:fld id="{B61BEF0D-F0BB-DE4B-95CE-6DB70DBA9567}" type="datetimeFigureOut">
               <a:rPr lang="en-US" dirty="0"/>
               <a:pPr/>
-              <a:t>4/16/2024</a:t>
+              <a:t>4/17/2024</a:t>
             </a:fld>
             <a:endParaRPr lang="en-US" dirty="0"/>
           </a:p>
@@ -4243,7 +4242,7 @@
           <a:p>
             <a:fld id="{42A54C80-263E-416B-A8E0-580EDEADCBDC}" type="datetimeFigureOut">
               <a:rPr lang="en-US" dirty="0"/>
-              <a:t>4/16/2024</a:t>
+              <a:t>4/17/2024</a:t>
             </a:fld>
             <a:endParaRPr lang="en-US" dirty="0"/>
           </a:p>
@@ -4502,7 +4501,7 @@
             <a:fld id="{B61BEF0D-F0BB-DE4B-95CE-6DB70DBA9567}" type="datetimeFigureOut">
               <a:rPr lang="en-US" dirty="0"/>
               <a:pPr/>
-              <a:t>4/16/2024</a:t>
+              <a:t>4/17/2024</a:t>
             </a:fld>
             <a:endParaRPr lang="en-US" dirty="0"/>
           </a:p>
@@ -5244,7 +5243,7 @@
             <a:fld id="{B61BEF0D-F0BB-DE4B-95CE-6DB70DBA9567}" type="datetimeFigureOut">
               <a:rPr lang="en-US" dirty="0"/>
               <a:pPr/>
-              <a:t>4/16/2024</a:t>
+              <a:t>4/17/2024</a:t>
             </a:fld>
             <a:endParaRPr lang="en-US" dirty="0"/>
           </a:p>
@@ -5930,7 +5929,7 @@
         <p:spPr>
           <a:xfrm>
             <a:off x="406400" y="320488"/>
-            <a:ext cx="8953499" cy="6277103"/>
+            <a:ext cx="8953499" cy="5415329"/>
           </a:xfrm>
           <a:prstGeom prst="rect">
             <a:avLst/>
@@ -5985,13 +5984,15 @@
             </a:endParaRPr>
           </a:p>
           <a:p>
-            <a:pPr>
+            <a:pPr marL="342900" indent="-342900">
               <a:lnSpc>
-                <a:spcPct val="150000"/>
+                <a:spcPct val="110000"/>
               </a:lnSpc>
               <a:spcAft>
                 <a:spcPts val="1200"/>
               </a:spcAft>
+              <a:buFont typeface="Wingdings" panose="05000000000000000000" pitchFamily="2" charset="2"/>
+              <a:buChar char="v"/>
             </a:pPr>
             <a:r>
               <a:rPr lang="ru-RU" sz="2000" dirty="0">
@@ -5999,23 +6000,88 @@
                 <a:ea typeface="Calibri" panose="020F0502020204030204" pitchFamily="34" charset="0"/>
                 <a:cs typeface="Times New Roman" panose="02020603050405020304" pitchFamily="18" charset="0"/>
               </a:rPr>
-              <a:t>У профессиональных спортсменов и особенно у любителей возникает потребность использования платформы, в которой удобно вести учет спортивных нормативов, хранить результаты тренировок и проводить анализ . Это нужно, так как человеку с течением времени и накоплением спортивных результатов бывает необходимо наглядно просматривать свои достижения в динамике, делать выводы, как улучшить показатели, возникает потребность переслать тренеру результаты для получения советов. Иногда появляется надобность скачать или просмотреть график, созданный на основе результатов тренировок за определенный промежуток времени, чтобы в дальнейшем проводить анализ или похвастаться знакомым в соц. сетях.</a:t>
-            </a:r>
-          </a:p>
-          <a:p>
-            <a:pPr>
+              <a:t>Результаты спортсменов-профессионалов и любителей напрямую зависят от их уровня подготовки к соревнованиям.</a:t>
+            </a:r>
+          </a:p>
+          <a:p>
+            <a:pPr marL="342900" indent="-342900">
               <a:lnSpc>
-                <a:spcPct val="150000"/>
+                <a:spcPct val="110000"/>
               </a:lnSpc>
               <a:spcAft>
                 <a:spcPts val="1200"/>
               </a:spcAft>
+              <a:buFont typeface="Wingdings" panose="05000000000000000000" pitchFamily="2" charset="2"/>
+              <a:buChar char="v"/>
             </a:pPr>
-            <a:endParaRPr lang="ru-RU" sz="2000" dirty="0">
-              <a:latin typeface="Calibri" panose="020F0502020204030204" pitchFamily="34" charset="0"/>
-              <a:ea typeface="Calibri" panose="020F0502020204030204" pitchFamily="34" charset="0"/>
-              <a:cs typeface="Times New Roman" panose="02020603050405020304" pitchFamily="18" charset="0"/>
-            </a:endParaRPr>
+            <a:r>
+              <a:rPr lang="ru-RU" sz="2000" dirty="0">
+                <a:latin typeface="Calibri" panose="020F0502020204030204" pitchFamily="34" charset="0"/>
+                <a:ea typeface="Calibri" panose="020F0502020204030204" pitchFamily="34" charset="0"/>
+                <a:cs typeface="Times New Roman" panose="02020603050405020304" pitchFamily="18" charset="0"/>
+              </a:rPr>
+              <a:t>Подготовка достигается в ходе тренировочного процесса.</a:t>
+            </a:r>
+          </a:p>
+          <a:p>
+            <a:pPr marL="342900" indent="-342900">
+              <a:lnSpc>
+                <a:spcPct val="110000"/>
+              </a:lnSpc>
+              <a:spcAft>
+                <a:spcPts val="1200"/>
+              </a:spcAft>
+              <a:buFont typeface="Wingdings" panose="05000000000000000000" pitchFamily="2" charset="2"/>
+              <a:buChar char="v"/>
+            </a:pPr>
+            <a:r>
+              <a:rPr lang="ru-RU" sz="2000" dirty="0">
+                <a:latin typeface="Calibri" panose="020F0502020204030204" pitchFamily="34" charset="0"/>
+                <a:ea typeface="Calibri" panose="020F0502020204030204" pitchFamily="34" charset="0"/>
+                <a:cs typeface="Times New Roman" panose="02020603050405020304" pitchFamily="18" charset="0"/>
+              </a:rPr>
+              <a:t>Тренировочный процесс должен строиться на основе анализа состояния спортсмена, возможностей его организма, с учетом корректировки предыдущих соревновательных циклов.</a:t>
+            </a:r>
+          </a:p>
+          <a:p>
+            <a:pPr marL="342900" indent="-342900">
+              <a:lnSpc>
+                <a:spcPct val="110000"/>
+              </a:lnSpc>
+              <a:spcAft>
+                <a:spcPts val="1200"/>
+              </a:spcAft>
+              <a:buFont typeface="Wingdings" panose="05000000000000000000" pitchFamily="2" charset="2"/>
+              <a:buChar char="v"/>
+            </a:pPr>
+            <a:r>
+              <a:rPr lang="ru-RU" sz="2000" dirty="0">
+                <a:latin typeface="Calibri" panose="020F0502020204030204" pitchFamily="34" charset="0"/>
+                <a:ea typeface="Calibri" panose="020F0502020204030204" pitchFamily="34" charset="0"/>
+                <a:cs typeface="Times New Roman" panose="02020603050405020304" pitchFamily="18" charset="0"/>
+              </a:rPr>
+              <a:t>В настоящее время появилось специальное программное обеспечение, которое позволяет вести необходимый учет и выполнять прогнозирование состояний спортсменов.</a:t>
+            </a:r>
+          </a:p>
+          <a:p>
+            <a:pPr marL="342900" indent="-342900">
+              <a:lnSpc>
+                <a:spcPct val="110000"/>
+              </a:lnSpc>
+              <a:spcAft>
+                <a:spcPts val="1200"/>
+              </a:spcAft>
+              <a:buFont typeface="Wingdings" panose="05000000000000000000" pitchFamily="2" charset="2"/>
+              <a:buChar char="v"/>
+            </a:pPr>
+            <a:r>
+              <a:rPr lang="ru-RU" sz="2000" dirty="0">
+                <a:latin typeface="Calibri" panose="020F0502020204030204" pitchFamily="34" charset="0"/>
+                <a:ea typeface="Calibri" panose="020F0502020204030204" pitchFamily="34" charset="0"/>
+                <a:cs typeface="Times New Roman" panose="02020603050405020304" pitchFamily="18" charset="0"/>
+              </a:rPr>
+              <a:t>Однако такое ПО в большинстве своем недоступно для начинающих спортсменов и уж тем более для любителей. </a:t>
+            </a:r>
           </a:p>
         </p:txBody>
       </p:sp>
@@ -6064,7 +6130,7 @@
         <p:spPr>
           <a:xfrm>
             <a:off x="406400" y="302733"/>
-            <a:ext cx="8953499" cy="6318525"/>
+            <a:ext cx="8953499" cy="5776838"/>
           </a:xfrm>
           <a:prstGeom prst="rect">
             <a:avLst/>
@@ -6108,7 +6174,33 @@
                 <a:ea typeface="Times New Roman" panose="02020603050405020304" pitchFamily="18" charset="0"/>
                 <a:cs typeface="Times New Roman" panose="02020603050405020304" pitchFamily="18" charset="0"/>
               </a:rPr>
-              <a:t>Цель работы</a:t>
+              <a:t>Цель и задачи</a:t>
+            </a:r>
+          </a:p>
+          <a:p>
+            <a:pPr>
+              <a:lnSpc>
+                <a:spcPct val="110000"/>
+              </a:lnSpc>
+              <a:spcBef>
+                <a:spcPts val="600"/>
+              </a:spcBef>
+            </a:pPr>
+            <a:r>
+              <a:rPr lang="ru-RU" b="1" dirty="0">
+                <a:solidFill>
+                  <a:schemeClr val="tx1">
+                    <a:lumMod val="95000"/>
+                  </a:schemeClr>
+                </a:solidFill>
+                <a:ea typeface="Times New Roman" panose="02020603050405020304" pitchFamily="18" charset="0"/>
+                <a:cs typeface="Times New Roman" panose="02020603050405020304" pitchFamily="18" charset="0"/>
+              </a:rPr>
+              <a:t>Цель: р</a:t>
+            </a:r>
+            <a:r>
+              <a:rPr lang="ru-RU" dirty="0"/>
+              <a:t>азработать приложение, позволяющее накапливать необходимую аналитическую базу, представлять динамические изменения достижений в форме графиков за определенные промежутки времени. </a:t>
             </a:r>
           </a:p>
           <a:p>
@@ -6131,13 +6223,13 @@
                 <a:ea typeface="Calibri" panose="020F0502020204030204" pitchFamily="34" charset="0"/>
                 <a:cs typeface="Times New Roman" panose="02020603050405020304" pitchFamily="18" charset="0"/>
               </a:rPr>
-              <a:t>Создать дневник, предназначенный для учёта результатов поставленных спортивных задач, в котором можно:</a:t>
+              <a:t>Задачи:</a:t>
             </a:r>
           </a:p>
           <a:p>
             <a:pPr marL="457200" indent="-457200">
               <a:lnSpc>
-                <a:spcPct val="150000"/>
+                <a:spcPct val="110000"/>
               </a:lnSpc>
               <a:spcBef>
                 <a:spcPts val="600"/>
@@ -6155,7 +6247,7 @@
                 <a:ea typeface="Calibri" panose="020F0502020204030204" pitchFamily="34" charset="0"/>
                 <a:cs typeface="Times New Roman" panose="02020603050405020304" pitchFamily="18" charset="0"/>
               </a:rPr>
-              <a:t>создавать</a:t>
+              <a:t>Создавать</a:t>
             </a:r>
             <a:r>
               <a:rPr lang="en-US" sz="2200" dirty="0">
@@ -6181,13 +6273,13 @@
                 <a:ea typeface="Calibri" panose="020F0502020204030204" pitchFamily="34" charset="0"/>
                 <a:cs typeface="Times New Roman" panose="02020603050405020304" pitchFamily="18" charset="0"/>
               </a:rPr>
-              <a:t>удалять спортивные задачи</a:t>
+              <a:t>редактировать/удалять спортивные задачи</a:t>
             </a:r>
           </a:p>
           <a:p>
             <a:pPr marL="457200" indent="-457200">
               <a:lnSpc>
-                <a:spcPct val="150000"/>
+                <a:spcPct val="110000"/>
               </a:lnSpc>
               <a:spcBef>
                 <a:spcPts val="600"/>
@@ -6205,7 +6297,7 @@
                 <a:ea typeface="Calibri" panose="020F0502020204030204" pitchFamily="34" charset="0"/>
                 <a:cs typeface="Times New Roman" panose="02020603050405020304" pitchFamily="18" charset="0"/>
               </a:rPr>
-              <a:t>хранить, добавлять</a:t>
+              <a:t>Хранить/добавлять</a:t>
             </a:r>
             <a:r>
               <a:rPr lang="en-US" sz="2200" dirty="0">
@@ -6237,7 +6329,7 @@
           <a:p>
             <a:pPr marL="457200" indent="-457200">
               <a:lnSpc>
-                <a:spcPct val="150000"/>
+                <a:spcPct val="110000"/>
               </a:lnSpc>
               <a:spcBef>
                 <a:spcPts val="600"/>
@@ -6255,13 +6347,13 @@
                 <a:ea typeface="Calibri" panose="020F0502020204030204" pitchFamily="34" charset="0"/>
                 <a:cs typeface="Times New Roman" panose="02020603050405020304" pitchFamily="18" charset="0"/>
               </a:rPr>
-              <a:t>комментировать результаты</a:t>
+              <a:t>Комментировать результаты</a:t>
             </a:r>
           </a:p>
           <a:p>
             <a:pPr marL="457200" indent="-457200">
               <a:lnSpc>
-                <a:spcPct val="150000"/>
+                <a:spcPct val="110000"/>
               </a:lnSpc>
               <a:spcBef>
                 <a:spcPts val="600"/>
@@ -6279,13 +6371,13 @@
                 <a:ea typeface="Calibri" panose="020F0502020204030204" pitchFamily="34" charset="0"/>
                 <a:cs typeface="Times New Roman" panose="02020603050405020304" pitchFamily="18" charset="0"/>
               </a:rPr>
-              <a:t>перемещаться между таблицами с результатами спортивных задач</a:t>
+              <a:t>Формировать графики достижений, созданные на основе результатов спортивной задачи за данный промежуток времени</a:t>
             </a:r>
           </a:p>
           <a:p>
             <a:pPr marL="457200" indent="-457200">
               <a:lnSpc>
-                <a:spcPct val="150000"/>
+                <a:spcPct val="110000"/>
               </a:lnSpc>
               <a:spcBef>
                 <a:spcPts val="600"/>
@@ -6303,57 +6395,7 @@
                 <a:ea typeface="Calibri" panose="020F0502020204030204" pitchFamily="34" charset="0"/>
                 <a:cs typeface="Times New Roman" panose="02020603050405020304" pitchFamily="18" charset="0"/>
               </a:rPr>
-              <a:t>Просматривать</a:t>
-            </a:r>
-            <a:r>
-              <a:rPr lang="en-US" sz="2200" dirty="0">
-                <a:solidFill>
-                  <a:schemeClr val="tx1">
-                    <a:lumMod val="95000"/>
-                  </a:schemeClr>
-                </a:solidFill>
-                <a:latin typeface="Calibri" panose="020F0502020204030204" pitchFamily="34" charset="0"/>
-                <a:ea typeface="Calibri" panose="020F0502020204030204" pitchFamily="34" charset="0"/>
-                <a:cs typeface="Times New Roman" panose="02020603050405020304" pitchFamily="18" charset="0"/>
-              </a:rPr>
-              <a:t>/</a:t>
-            </a:r>
-            <a:r>
-              <a:rPr lang="ru-RU" sz="2200" dirty="0">
-                <a:solidFill>
-                  <a:schemeClr val="tx1">
-                    <a:lumMod val="95000"/>
-                  </a:schemeClr>
-                </a:solidFill>
-                <a:latin typeface="Calibri" panose="020F0502020204030204" pitchFamily="34" charset="0"/>
-                <a:ea typeface="Calibri" panose="020F0502020204030204" pitchFamily="34" charset="0"/>
-                <a:cs typeface="Times New Roman" panose="02020603050405020304" pitchFamily="18" charset="0"/>
-              </a:rPr>
-              <a:t>скачивать график, созданный на основе результатов спортивной задачи за данный промежуток времени</a:t>
-            </a:r>
-          </a:p>
-          <a:p>
-            <a:pPr marL="457200" indent="-457200">
-              <a:lnSpc>
-                <a:spcPct val="150000"/>
-              </a:lnSpc>
-              <a:spcBef>
-                <a:spcPts val="600"/>
-              </a:spcBef>
-              <a:buAutoNum type="arabicParenR"/>
-            </a:pPr>
-            <a:r>
-              <a:rPr lang="ru-RU" sz="2200" dirty="0">
-                <a:solidFill>
-                  <a:schemeClr val="tx1">
-                    <a:lumMod val="95000"/>
-                  </a:schemeClr>
-                </a:solidFill>
-                <a:latin typeface="Calibri" panose="020F0502020204030204" pitchFamily="34" charset="0"/>
-                <a:ea typeface="Calibri" panose="020F0502020204030204" pitchFamily="34" charset="0"/>
-                <a:cs typeface="Times New Roman" panose="02020603050405020304" pitchFamily="18" charset="0"/>
-              </a:rPr>
-              <a:t>скачивать таблицу с результатами.</a:t>
+              <a:t>Экспортировать таблицы с результатами в формат электронных таблиц.</a:t>
             </a:r>
           </a:p>
           <a:p>
@@ -6466,6 +6508,16 @@
           <a:bodyPr/>
           <a:lstStyle/>
           <a:p>
+            <a:pPr>
+              <a:lnSpc>
+                <a:spcPct val="110000"/>
+              </a:lnSpc>
+              <a:spcBef>
+                <a:spcPts val="1200"/>
+              </a:spcBef>
+              <a:buFont typeface="Wingdings" panose="05000000000000000000" pitchFamily="2" charset="2"/>
+              <a:buChar char="v"/>
+            </a:pPr>
             <a:r>
               <a:rPr lang="ru-RU" dirty="0" err="1"/>
               <a:t>Python</a:t>
@@ -6476,6 +6528,16 @@
             </a:r>
           </a:p>
           <a:p>
+            <a:pPr>
+              <a:lnSpc>
+                <a:spcPct val="110000"/>
+              </a:lnSpc>
+              <a:spcBef>
+                <a:spcPts val="1200"/>
+              </a:spcBef>
+              <a:buFont typeface="Wingdings" panose="05000000000000000000" pitchFamily="2" charset="2"/>
+              <a:buChar char="v"/>
+            </a:pPr>
             <a:r>
               <a:rPr lang="en-US" dirty="0" err="1"/>
               <a:t>QtDesigner</a:t>
@@ -6490,8 +6552,9 @@
             </a:r>
           </a:p>
           <a:p>
-            <a:pPr marL="0" indent="0">
-              <a:buNone/>
+            <a:pPr>
+              <a:buFont typeface="Wingdings" panose="05000000000000000000" pitchFamily="2" charset="2"/>
+              <a:buChar char="v"/>
             </a:pPr>
             <a:r>
               <a:rPr lang="ru-RU" dirty="0"/>
@@ -6499,29 +6562,68 @@
             </a:r>
           </a:p>
           <a:p>
+            <a:pPr marL="720725">
+              <a:lnSpc>
+                <a:spcPct val="110000"/>
+              </a:lnSpc>
+              <a:spcBef>
+                <a:spcPts val="1200"/>
+              </a:spcBef>
+              <a:buFont typeface="Wingdings" panose="05000000000000000000" pitchFamily="2" charset="2"/>
+              <a:buChar char="q"/>
+            </a:pPr>
             <a:r>
               <a:rPr lang="ru-RU" dirty="0"/>
               <a:t>PyQt5: создание графического интерфейса приложения</a:t>
             </a:r>
           </a:p>
           <a:p>
+            <a:pPr marL="720725">
+              <a:lnSpc>
+                <a:spcPct val="110000"/>
+              </a:lnSpc>
+              <a:spcBef>
+                <a:spcPts val="1200"/>
+              </a:spcBef>
+              <a:buFont typeface="Wingdings" panose="05000000000000000000" pitchFamily="2" charset="2"/>
+              <a:buChar char="q"/>
+            </a:pPr>
             <a:r>
               <a:rPr lang="ru-RU" dirty="0"/>
               <a:t>Sqlite3: хранение информации (база данных)</a:t>
             </a:r>
-            <a:endParaRPr lang="ru-RU" sz="1400" dirty="0"/>
-          </a:p>
-          <a:p>
+          </a:p>
+          <a:p>
+            <a:pPr marL="720725">
+              <a:lnSpc>
+                <a:spcPct val="110000"/>
+              </a:lnSpc>
+              <a:spcBef>
+                <a:spcPts val="1200"/>
+              </a:spcBef>
+              <a:buFont typeface="Wingdings" panose="05000000000000000000" pitchFamily="2" charset="2"/>
+              <a:buChar char="q"/>
+            </a:pPr>
             <a:r>
               <a:rPr lang="en-US" dirty="0"/>
               <a:t>Matplotlib</a:t>
             </a:r>
             <a:r>
               <a:rPr lang="ru-RU" dirty="0"/>
-              <a:t>: для построения графика</a:t>
-            </a:r>
-          </a:p>
-          <a:p>
+              <a:t>: построение графиков</a:t>
+            </a:r>
+          </a:p>
+          <a:p>
+            <a:pPr marL="720725">
+              <a:lnSpc>
+                <a:spcPct val="110000"/>
+              </a:lnSpc>
+              <a:spcBef>
+                <a:spcPts val="1200"/>
+              </a:spcBef>
+              <a:buFont typeface="Wingdings" panose="05000000000000000000" pitchFamily="2" charset="2"/>
+              <a:buChar char="q"/>
+            </a:pPr>
             <a:r>
               <a:rPr lang="en-US" dirty="0"/>
               <a:t>Datetime</a:t>
@@ -6568,88 +6670,46 @@
       </p:grpSpPr>
       <p:sp>
         <p:nvSpPr>
-          <p:cNvPr id="4" name="Прямоугольник 3">
+          <p:cNvPr id="2" name="Заголовок 1">
             <a:extLst>
               <a:ext uri="{FF2B5EF4-FFF2-40B4-BE49-F238E27FC236}">
-                <a16:creationId xmlns:a16="http://schemas.microsoft.com/office/drawing/2014/main" id="{344306E3-36DA-48AC-B749-90774CD2EFB9}"/>
+                <a16:creationId xmlns:a16="http://schemas.microsoft.com/office/drawing/2014/main" id="{69BEF8A6-6723-4EDD-8331-3B0B3A7AEB97}"/>
               </a:ext>
             </a:extLst>
           </p:cNvPr>
-          <p:cNvSpPr/>
-          <p:nvPr/>
-        </p:nvSpPr>
-        <p:spPr>
-          <a:xfrm>
-            <a:off x="406400" y="311611"/>
-            <a:ext cx="8953499" cy="1363322"/>
-          </a:xfrm>
-          <a:prstGeom prst="rect">
-            <a:avLst/>
-          </a:prstGeom>
-        </p:spPr>
-        <p:txBody>
-          <a:bodyPr wrap="square">
-            <a:spAutoFit/>
+          <p:cNvSpPr>
+            <a:spLocks noGrp="1"/>
+          </p:cNvSpPr>
+          <p:nvPr>
+            <p:ph type="title"/>
+          </p:nvPr>
+        </p:nvSpPr>
+        <p:spPr/>
+        <p:txBody>
+          <a:bodyPr>
+            <a:normAutofit/>
           </a:bodyPr>
           <a:lstStyle/>
           <a:p>
-            <a:pPr algn="ctr">
-              <a:lnSpc>
-                <a:spcPct val="150000"/>
-              </a:lnSpc>
-              <a:spcBef>
-                <a:spcPts val="600"/>
-              </a:spcBef>
-              <a:spcAft>
-                <a:spcPts val="1200"/>
-              </a:spcAft>
-            </a:pPr>
-            <a:r>
-              <a:rPr lang="ru-RU" sz="2400" b="1" dirty="0">
+            <a:r>
+              <a:rPr lang="ru-RU" sz="2800" dirty="0">
                 <a:solidFill>
                   <a:schemeClr val="tx1">
                     <a:lumMod val="95000"/>
                   </a:schemeClr>
                 </a:solidFill>
-                <a:latin typeface="+mj-lt"/>
-                <a:ea typeface="Calibri" panose="020F0502020204030204" pitchFamily="34" charset="0"/>
-                <a:cs typeface="Times New Roman" panose="02020603050405020304" pitchFamily="18" charset="0"/>
               </a:rPr>
-              <a:t>Основное окно</a:t>
-            </a:r>
-          </a:p>
-          <a:p>
-            <a:pPr algn="ctr">
-              <a:lnSpc>
-                <a:spcPct val="150000"/>
-              </a:lnSpc>
-              <a:spcBef>
-                <a:spcPts val="600"/>
-              </a:spcBef>
-              <a:spcAft>
-                <a:spcPts val="1200"/>
-              </a:spcAft>
-            </a:pPr>
-            <a:endParaRPr lang="ru-RU" sz="2400" b="1" dirty="0">
-              <a:solidFill>
-                <a:schemeClr val="bg2">
-                  <a:lumMod val="20000"/>
-                  <a:lumOff val="80000"/>
-                </a:schemeClr>
-              </a:solidFill>
-              <a:latin typeface="+mj-lt"/>
-              <a:ea typeface="Calibri" panose="020F0502020204030204" pitchFamily="34" charset="0"/>
-              <a:cs typeface="Times New Roman" panose="02020603050405020304" pitchFamily="18" charset="0"/>
-            </a:endParaRPr>
-          </a:p>
-        </p:txBody>
-      </p:sp>
-      <p:sp>
-        <p:nvSpPr>
-          <p:cNvPr id="2" name="Заголовок 1">
+              <a:t>Функциональные возможности и некоторые особенности приложения</a:t>
+            </a:r>
+          </a:p>
+        </p:txBody>
+      </p:sp>
+      <p:sp>
+        <p:nvSpPr>
+          <p:cNvPr id="3" name="Объект 2">
             <a:extLst>
               <a:ext uri="{FF2B5EF4-FFF2-40B4-BE49-F238E27FC236}">
-                <a16:creationId xmlns:a16="http://schemas.microsoft.com/office/drawing/2014/main" id="{7E378BCF-2109-4F1F-81EB-3C21A52EA9B6}"/>
+                <a16:creationId xmlns:a16="http://schemas.microsoft.com/office/drawing/2014/main" id="{5FDC863B-8DF6-4FA1-A8EE-DD54A9402829}"/>
               </a:ext>
             </a:extLst>
           </p:cNvPr>
@@ -6657,160 +6717,170 @@
             <a:spLocks noGrp="1"/>
           </p:cNvSpPr>
           <p:nvPr>
-            <p:ph type="title"/>
-          </p:nvPr>
-        </p:nvSpPr>
-        <p:spPr>
-          <a:xfrm>
-            <a:off x="1336351" y="681298"/>
-            <a:ext cx="8596668" cy="1320800"/>
-          </a:xfrm>
-        </p:spPr>
-        <p:txBody>
-          <a:bodyPr/>
-          <a:lstStyle/>
-          <a:p>
-            <a:endParaRPr lang="ru-RU" dirty="0"/>
-          </a:p>
-        </p:txBody>
-      </p:sp>
-      <p:sp>
-        <p:nvSpPr>
-          <p:cNvPr id="5" name="Объект 2">
-            <a:extLst>
-              <a:ext uri="{FF2B5EF4-FFF2-40B4-BE49-F238E27FC236}">
-                <a16:creationId xmlns:a16="http://schemas.microsoft.com/office/drawing/2014/main" id="{6AF0C458-7FEE-4F10-B49C-AAF1E0E19186}"/>
-              </a:ext>
-            </a:extLst>
-          </p:cNvPr>
-          <p:cNvSpPr>
-            <a:spLocks noGrp="1"/>
-          </p:cNvSpPr>
-          <p:nvPr>
             <p:ph idx="1"/>
           </p:nvPr>
         </p:nvSpPr>
-        <p:spPr>
-          <a:xfrm>
-            <a:off x="5706368" y="1231978"/>
-            <a:ext cx="4671628" cy="5305534"/>
-          </a:xfrm>
-        </p:spPr>
-        <p:txBody>
-          <a:bodyPr vert="horz" lIns="91440" tIns="45720" rIns="91440" bIns="45720" rtlCol="0" anchor="t">
+        <p:spPr/>
+        <p:txBody>
+          <a:bodyPr>
             <a:normAutofit/>
           </a:bodyPr>
           <a:lstStyle/>
           <a:p>
+            <a:pPr>
+              <a:lnSpc>
+                <a:spcPct val="110000"/>
+              </a:lnSpc>
+              <a:spcBef>
+                <a:spcPts val="1200"/>
+              </a:spcBef>
+              <a:buFont typeface="Wingdings" panose="05000000000000000000" pitchFamily="2" charset="2"/>
+              <a:buChar char="v"/>
+            </a:pPr>
+            <a:r>
+              <a:rPr lang="ru-RU" dirty="0"/>
+              <a:t>Создание спортивного задания</a:t>
+            </a:r>
+          </a:p>
+          <a:p>
+            <a:pPr>
+              <a:lnSpc>
+                <a:spcPct val="110000"/>
+              </a:lnSpc>
+              <a:spcBef>
+                <a:spcPts val="1200"/>
+              </a:spcBef>
+              <a:buFont typeface="Wingdings" panose="05000000000000000000" pitchFamily="2" charset="2"/>
+              <a:buChar char="v"/>
+            </a:pPr>
+            <a:r>
+              <a:rPr lang="ru-RU" dirty="0"/>
+              <a:t>Перемещение между заданиями</a:t>
+            </a:r>
+          </a:p>
+          <a:p>
+            <a:pPr>
+              <a:lnSpc>
+                <a:spcPct val="110000"/>
+              </a:lnSpc>
+              <a:spcBef>
+                <a:spcPts val="1200"/>
+              </a:spcBef>
+              <a:buFont typeface="Wingdings" panose="05000000000000000000" pitchFamily="2" charset="2"/>
+              <a:buChar char="v"/>
+            </a:pPr>
+            <a:r>
+              <a:rPr lang="ru-RU" dirty="0"/>
+              <a:t>Демонстрация таблицы с результатами</a:t>
+            </a:r>
+          </a:p>
+          <a:p>
+            <a:pPr>
+              <a:lnSpc>
+                <a:spcPct val="110000"/>
+              </a:lnSpc>
+              <a:spcBef>
+                <a:spcPts val="1200"/>
+              </a:spcBef>
+              <a:buFont typeface="Wingdings" panose="05000000000000000000" pitchFamily="2" charset="2"/>
+              <a:buChar char="v"/>
+            </a:pPr>
+            <a:r>
+              <a:rPr lang="ru-RU" dirty="0"/>
+              <a:t>Работа с результатами</a:t>
+            </a:r>
+          </a:p>
+          <a:p>
             <a:pPr marL="0" indent="0">
               <a:buNone/>
             </a:pPr>
             <a:r>
-              <a:rPr lang="ru-RU" sz="1600" dirty="0"/>
-              <a:t>Составляющие главного окна: создание спортивного задания, перемещение между заданиями, показ таблицы</a:t>
-            </a:r>
-            <a:r>
-              <a:rPr lang="en-US" sz="1600" dirty="0"/>
-              <a:t> </a:t>
-            </a:r>
-            <a:r>
-              <a:rPr lang="ru-RU" sz="1600" dirty="0"/>
-              <a:t>с результатами, занесение результатов в таблицу и их удаление по номеру строки.</a:t>
-            </a:r>
-          </a:p>
-          <a:p>
-            <a:pPr marL="0" indent="0">
-              <a:buNone/>
+              <a:rPr lang="ru-RU" dirty="0"/>
+              <a:t>Некоторые особенности:</a:t>
+            </a:r>
+          </a:p>
+          <a:p>
+            <a:pPr marL="720725">
+              <a:lnSpc>
+                <a:spcPct val="110000"/>
+              </a:lnSpc>
+              <a:spcBef>
+                <a:spcPts val="1200"/>
+              </a:spcBef>
+              <a:buFont typeface="Wingdings" panose="05000000000000000000" pitchFamily="2" charset="2"/>
+              <a:buChar char="q"/>
             </a:pPr>
             <a:r>
-              <a:rPr lang="ru-RU" sz="1600" dirty="0"/>
-              <a:t>Некоторые особенности:</a:t>
-            </a:r>
-          </a:p>
-          <a:p>
-            <a:r>
-              <a:rPr lang="ru-RU" sz="1600" dirty="0"/>
+              <a:rPr lang="ru-RU" dirty="0"/>
               <a:t>Результаты в таблице отсортированы по дате</a:t>
             </a:r>
           </a:p>
           <a:p>
-            <a:r>
-              <a:rPr lang="ru-RU" sz="1600" dirty="0"/>
-              <a:t>Можно скачать таблицу</a:t>
-            </a:r>
-            <a:r>
-              <a:rPr lang="en-US" sz="1600" dirty="0"/>
-              <a:t> </a:t>
-            </a:r>
-            <a:r>
-              <a:rPr lang="ru-RU" sz="1600" dirty="0"/>
-              <a:t>с результатами (формат .</a:t>
-            </a:r>
-            <a:r>
-              <a:rPr lang="en-US" sz="1600" dirty="0"/>
-              <a:t>xlsx, .csv</a:t>
-            </a:r>
-            <a:r>
-              <a:rPr lang="ru-RU" sz="1600" dirty="0"/>
-              <a:t>.) (Файл -</a:t>
-            </a:r>
-            <a:r>
-              <a:rPr lang="en-US" sz="1600" dirty="0"/>
-              <a:t>&gt; </a:t>
-            </a:r>
-            <a:r>
-              <a:rPr lang="ru-RU" sz="1600" dirty="0"/>
-              <a:t>Скачать таблицу)</a:t>
-            </a:r>
-          </a:p>
-          <a:p>
-            <a:r>
-              <a:rPr lang="ru-RU" sz="1600" dirty="0"/>
-              <a:t>Посмотреть или скачать график, созданный на основе спортивных результатов. Для этого надо выбрать сколько записей (результатов) будет в графике. По умолчанию – первые 30 записей. (Файл -&gt; Скачать график или Данные -&gt; Показать график)</a:t>
-            </a:r>
-          </a:p>
-          <a:p>
-            <a:endParaRPr lang="ru-RU" sz="1600" dirty="0"/>
-          </a:p>
-          <a:p>
-            <a:endParaRPr lang="ru-RU" sz="1600" dirty="0"/>
-          </a:p>
-        </p:txBody>
-      </p:sp>
-      <p:pic>
-        <p:nvPicPr>
-          <p:cNvPr id="6" name="Рисунок 5">
-            <a:extLst>
-              <a:ext uri="{FF2B5EF4-FFF2-40B4-BE49-F238E27FC236}">
-                <a16:creationId xmlns:a16="http://schemas.microsoft.com/office/drawing/2014/main" id="{FA813A3A-D530-4503-9F36-A1681B723EA8}"/>
-              </a:ext>
-            </a:extLst>
-          </p:cNvPr>
-          <p:cNvPicPr>
-            <a:picLocks noChangeAspect="1"/>
-          </p:cNvPicPr>
-          <p:nvPr/>
-        </p:nvPicPr>
-        <p:blipFill>
-          <a:blip r:embed="rId2"/>
-          <a:stretch>
-            <a:fillRect/>
-          </a:stretch>
-        </p:blipFill>
-        <p:spPr>
-          <a:xfrm>
-            <a:off x="155953" y="1341698"/>
-            <a:ext cx="5478732" cy="5032469"/>
-          </a:xfrm>
-          <a:prstGeom prst="rect">
-            <a:avLst/>
-          </a:prstGeom>
-        </p:spPr>
-      </p:pic>
+            <a:pPr marL="720725">
+              <a:lnSpc>
+                <a:spcPct val="110000"/>
+              </a:lnSpc>
+              <a:spcBef>
+                <a:spcPts val="1200"/>
+              </a:spcBef>
+              <a:buFont typeface="Wingdings" panose="05000000000000000000" pitchFamily="2" charset="2"/>
+              <a:buChar char="q"/>
+            </a:pPr>
+            <a:r>
+              <a:rPr lang="ru-RU" dirty="0"/>
+              <a:t>Экспорт таблиц (формат .</a:t>
+            </a:r>
+            <a:r>
+              <a:rPr lang="ru-RU" dirty="0" err="1"/>
+              <a:t>xlsx</a:t>
+            </a:r>
+            <a:r>
+              <a:rPr lang="ru-RU" dirty="0"/>
+              <a:t>, .</a:t>
+            </a:r>
+            <a:r>
+              <a:rPr lang="ru-RU" dirty="0" err="1"/>
+              <a:t>csv</a:t>
+            </a:r>
+            <a:r>
+              <a:rPr lang="ru-RU" dirty="0"/>
+              <a:t>)</a:t>
+            </a:r>
+          </a:p>
+          <a:p>
+            <a:pPr marL="720725">
+              <a:lnSpc>
+                <a:spcPct val="110000"/>
+              </a:lnSpc>
+              <a:spcBef>
+                <a:spcPts val="1200"/>
+              </a:spcBef>
+              <a:buFont typeface="Wingdings" panose="05000000000000000000" pitchFamily="2" charset="2"/>
+              <a:buChar char="q"/>
+            </a:pPr>
+            <a:r>
+              <a:rPr lang="ru-RU" dirty="0"/>
+              <a:t>Экспорт графиков (.</a:t>
+            </a:r>
+            <a:r>
+              <a:rPr lang="en-US" dirty="0"/>
+              <a:t>jpg, .jpeg, .</a:t>
+            </a:r>
+            <a:r>
+              <a:rPr lang="en-US" dirty="0" err="1"/>
+              <a:t>png</a:t>
+            </a:r>
+            <a:r>
+              <a:rPr lang="ru-RU" dirty="0"/>
+              <a:t>)</a:t>
+            </a:r>
+          </a:p>
+        </p:txBody>
+      </p:sp>
     </p:spTree>
     <p:extLst>
       <p:ext uri="{BB962C8B-B14F-4D97-AF65-F5344CB8AC3E}">
-        <p14:creationId xmlns:p14="http://schemas.microsoft.com/office/powerpoint/2010/main" val="3099303924"/>
+        <p14:creationId xmlns:p14="http://schemas.microsoft.com/office/powerpoint/2010/main" val="1891148266"/>
       </p:ext>
     </p:extLst>
   </p:cSld>
@@ -6839,10 +6909,88 @@
       </p:grpSpPr>
       <p:sp>
         <p:nvSpPr>
+          <p:cNvPr id="4" name="Прямоугольник 3">
+            <a:extLst>
+              <a:ext uri="{FF2B5EF4-FFF2-40B4-BE49-F238E27FC236}">
+                <a16:creationId xmlns:a16="http://schemas.microsoft.com/office/drawing/2014/main" id="{344306E3-36DA-48AC-B749-90774CD2EFB9}"/>
+              </a:ext>
+            </a:extLst>
+          </p:cNvPr>
+          <p:cNvSpPr/>
+          <p:nvPr/>
+        </p:nvSpPr>
+        <p:spPr>
+          <a:xfrm>
+            <a:off x="350982" y="93648"/>
+            <a:ext cx="8953499" cy="1363322"/>
+          </a:xfrm>
+          <a:prstGeom prst="rect">
+            <a:avLst/>
+          </a:prstGeom>
+        </p:spPr>
+        <p:txBody>
+          <a:bodyPr wrap="square">
+            <a:spAutoFit/>
+          </a:bodyPr>
+          <a:lstStyle/>
+          <a:p>
+            <a:pPr algn="ctr">
+              <a:lnSpc>
+                <a:spcPct val="150000"/>
+              </a:lnSpc>
+              <a:spcBef>
+                <a:spcPts val="600"/>
+              </a:spcBef>
+              <a:spcAft>
+                <a:spcPts val="1200"/>
+              </a:spcAft>
+            </a:pPr>
+            <a:r>
+              <a:rPr lang="ru-RU" sz="2400" b="1" dirty="0">
+                <a:solidFill>
+                  <a:schemeClr val="tx1">
+                    <a:lumMod val="95000"/>
+                  </a:schemeClr>
+                </a:solidFill>
+                <a:latin typeface="+mj-lt"/>
+                <a:ea typeface="Calibri" panose="020F0502020204030204" pitchFamily="34" charset="0"/>
+                <a:cs typeface="Times New Roman" panose="02020603050405020304" pitchFamily="18" charset="0"/>
+              </a:rPr>
+              <a:t>Рабочее окно</a:t>
+            </a:r>
+          </a:p>
+          <a:p>
+            <a:pPr algn="ctr">
+              <a:lnSpc>
+                <a:spcPct val="150000"/>
+              </a:lnSpc>
+              <a:spcBef>
+                <a:spcPts val="600"/>
+              </a:spcBef>
+              <a:spcAft>
+                <a:spcPts val="1200"/>
+              </a:spcAft>
+            </a:pPr>
+            <a:endParaRPr lang="ru-RU" sz="2400" b="1" dirty="0">
+              <a:solidFill>
+                <a:schemeClr val="bg2">
+                  <a:lumMod val="20000"/>
+                  <a:lumOff val="80000"/>
+                </a:schemeClr>
+              </a:solidFill>
+              <a:latin typeface="+mj-lt"/>
+              <a:ea typeface="Calibri" panose="020F0502020204030204" pitchFamily="34" charset="0"/>
+              <a:cs typeface="Times New Roman" panose="02020603050405020304" pitchFamily="18" charset="0"/>
+            </a:endParaRPr>
+          </a:p>
+        </p:txBody>
+      </p:sp>
+      <p:sp>
+        <p:nvSpPr>
           <p:cNvPr id="2" name="Заголовок 1">
             <a:extLst>
               <a:ext uri="{FF2B5EF4-FFF2-40B4-BE49-F238E27FC236}">
-                <a16:creationId xmlns:a16="http://schemas.microsoft.com/office/drawing/2014/main" id="{71342F63-4F15-4007-BB7A-793391B3D982}"/>
+                <a16:creationId xmlns:a16="http://schemas.microsoft.com/office/drawing/2014/main" id="{7E378BCF-2109-4F1F-81EB-3C21A52EA9B6}"/>
               </a:ext>
             </a:extLst>
           </p:cNvPr>
@@ -6855,35 +7003,24 @@
         </p:nvSpPr>
         <p:spPr>
           <a:xfrm>
-            <a:off x="561924" y="280526"/>
+            <a:off x="1336351" y="681298"/>
             <a:ext cx="8596668" cy="1320800"/>
           </a:xfrm>
         </p:spPr>
         <p:txBody>
-          <a:bodyPr>
-            <a:normAutofit/>
-          </a:bodyPr>
-          <a:lstStyle/>
-          <a:p>
-            <a:r>
-              <a:rPr lang="ru-RU" sz="2400" dirty="0">
-                <a:solidFill>
-                  <a:schemeClr val="tx1">
-                    <a:lumMod val="95000"/>
-                  </a:schemeClr>
-                </a:solidFill>
-              </a:rPr>
-              <a:t>Примеры создания спортивного задания и добавления результата в таблицу</a:t>
-            </a:r>
+          <a:bodyPr/>
+          <a:lstStyle/>
+          <a:p>
+            <a:endParaRPr lang="ru-RU" dirty="0"/>
           </a:p>
         </p:txBody>
       </p:sp>
       <p:pic>
         <p:nvPicPr>
-          <p:cNvPr id="4" name="Объект 11">
+          <p:cNvPr id="8" name="Объект 7">
             <a:extLst>
               <a:ext uri="{FF2B5EF4-FFF2-40B4-BE49-F238E27FC236}">
-                <a16:creationId xmlns:a16="http://schemas.microsoft.com/office/drawing/2014/main" id="{E8F9EEE7-5D98-4947-98AF-62E48BAB364E}"/>
+                <a16:creationId xmlns:a16="http://schemas.microsoft.com/office/drawing/2014/main" id="{1D7205F4-FDCD-4AFA-ACC6-93D9906B63E0}"/>
               </a:ext>
             </a:extLst>
           </p:cNvPr>
@@ -6902,45 +7039,15 @@
         </p:blipFill>
         <p:spPr>
           <a:xfrm>
-            <a:off x="379170" y="1326085"/>
-            <a:ext cx="5308476" cy="4870527"/>
+            <a:off x="1950098" y="998400"/>
+            <a:ext cx="6067066" cy="5602710"/>
           </a:xfrm>
-        </p:spPr>
-      </p:pic>
-      <p:pic>
-        <p:nvPicPr>
-          <p:cNvPr id="5" name="Рисунок 4">
-            <a:extLst>
-              <a:ext uri="{FF2B5EF4-FFF2-40B4-BE49-F238E27FC236}">
-                <a16:creationId xmlns:a16="http://schemas.microsoft.com/office/drawing/2014/main" id="{369A703E-1643-4E15-B50B-F61C93F69CAA}"/>
-              </a:ext>
-            </a:extLst>
-          </p:cNvPr>
-          <p:cNvPicPr>
-            <a:picLocks noChangeAspect="1"/>
-          </p:cNvPicPr>
-          <p:nvPr/>
-        </p:nvPicPr>
-        <p:blipFill>
-          <a:blip r:embed="rId3"/>
-          <a:stretch>
-            <a:fillRect/>
-          </a:stretch>
-        </p:blipFill>
-        <p:spPr>
-          <a:xfrm>
-            <a:off x="5972424" y="1071976"/>
-            <a:ext cx="5840406" cy="5378743"/>
-          </a:xfrm>
-          <a:prstGeom prst="rect">
-            <a:avLst/>
-          </a:prstGeom>
         </p:spPr>
       </p:pic>
     </p:spTree>
     <p:extLst>
       <p:ext uri="{BB962C8B-B14F-4D97-AF65-F5344CB8AC3E}">
-        <p14:creationId xmlns:p14="http://schemas.microsoft.com/office/powerpoint/2010/main" val="1322357468"/>
+        <p14:creationId xmlns:p14="http://schemas.microsoft.com/office/powerpoint/2010/main" val="3099303924"/>
       </p:ext>
     </p:extLst>
   </p:cSld>
@@ -6969,131 +7076,6 @@
       </p:grpSpPr>
       <p:sp>
         <p:nvSpPr>
-          <p:cNvPr id="2" name="Заголовок 1">
-            <a:extLst>
-              <a:ext uri="{FF2B5EF4-FFF2-40B4-BE49-F238E27FC236}">
-                <a16:creationId xmlns:a16="http://schemas.microsoft.com/office/drawing/2014/main" id="{5E5B4CB8-5DDD-4474-88B7-121DEDB4DD90}"/>
-              </a:ext>
-            </a:extLst>
-          </p:cNvPr>
-          <p:cNvSpPr>
-            <a:spLocks noGrp="1"/>
-          </p:cNvSpPr>
-          <p:nvPr>
-            <p:ph type="title"/>
-          </p:nvPr>
-        </p:nvSpPr>
-        <p:spPr/>
-        <p:txBody>
-          <a:bodyPr>
-            <a:normAutofit/>
-          </a:bodyPr>
-          <a:lstStyle/>
-          <a:p>
-            <a:r>
-              <a:rPr lang="ru-RU" sz="2400" dirty="0">
-                <a:solidFill>
-                  <a:schemeClr val="tx1">
-                    <a:lumMod val="95000"/>
-                  </a:schemeClr>
-                </a:solidFill>
-              </a:rPr>
-              <a:t>Пример графика и скачивания таблицы с результатами</a:t>
-            </a:r>
-          </a:p>
-        </p:txBody>
-      </p:sp>
-      <p:pic>
-        <p:nvPicPr>
-          <p:cNvPr id="4" name="Объект 6">
-            <a:extLst>
-              <a:ext uri="{FF2B5EF4-FFF2-40B4-BE49-F238E27FC236}">
-                <a16:creationId xmlns:a16="http://schemas.microsoft.com/office/drawing/2014/main" id="{E49685F9-2450-4F50-AE89-DA6371A1FE32}"/>
-              </a:ext>
-            </a:extLst>
-          </p:cNvPr>
-          <p:cNvPicPr>
-            <a:picLocks noGrp="1" noChangeAspect="1"/>
-          </p:cNvPicPr>
-          <p:nvPr>
-            <p:ph idx="1"/>
-          </p:nvPr>
-        </p:nvPicPr>
-        <p:blipFill>
-          <a:blip r:embed="rId2"/>
-          <a:stretch>
-            <a:fillRect/>
-          </a:stretch>
-        </p:blipFill>
-        <p:spPr>
-          <a:xfrm>
-            <a:off x="375092" y="1619682"/>
-            <a:ext cx="5324381" cy="4259505"/>
-          </a:xfrm>
-        </p:spPr>
-      </p:pic>
-      <p:pic>
-        <p:nvPicPr>
-          <p:cNvPr id="5" name="Рисунок 4">
-            <a:extLst>
-              <a:ext uri="{FF2B5EF4-FFF2-40B4-BE49-F238E27FC236}">
-                <a16:creationId xmlns:a16="http://schemas.microsoft.com/office/drawing/2014/main" id="{3C3FDE72-6013-42E5-9DF3-3D46C450E243}"/>
-              </a:ext>
-            </a:extLst>
-          </p:cNvPr>
-          <p:cNvPicPr>
-            <a:picLocks noChangeAspect="1"/>
-          </p:cNvPicPr>
-          <p:nvPr/>
-        </p:nvPicPr>
-        <p:blipFill>
-          <a:blip r:embed="rId3"/>
-          <a:stretch>
-            <a:fillRect/>
-          </a:stretch>
-        </p:blipFill>
-        <p:spPr>
-          <a:xfrm>
-            <a:off x="5895762" y="1930400"/>
-            <a:ext cx="6144873" cy="3826669"/>
-          </a:xfrm>
-          <a:prstGeom prst="rect">
-            <a:avLst/>
-          </a:prstGeom>
-        </p:spPr>
-      </p:pic>
-    </p:spTree>
-    <p:extLst>
-      <p:ext uri="{BB962C8B-B14F-4D97-AF65-F5344CB8AC3E}">
-        <p14:creationId xmlns:p14="http://schemas.microsoft.com/office/powerpoint/2010/main" val="3108407021"/>
-      </p:ext>
-    </p:extLst>
-  </p:cSld>
-  <p:clrMapOvr>
-    <a:masterClrMapping/>
-  </p:clrMapOvr>
-</p:sld>
-</file>
-
-<file path=ppt/slides/slide8.xml><?xml version="1.0" encoding="utf-8"?>
-<p:sld xmlns:a="http://schemas.openxmlformats.org/drawingml/2006/main" xmlns:r="http://schemas.openxmlformats.org/officeDocument/2006/relationships" xmlns:p="http://schemas.openxmlformats.org/presentationml/2006/main">
-  <p:cSld>
-    <p:spTree>
-      <p:nvGrpSpPr>
-        <p:cNvPr id="1" name=""/>
-        <p:cNvGrpSpPr/>
-        <p:nvPr/>
-      </p:nvGrpSpPr>
-      <p:grpSpPr>
-        <a:xfrm>
-          <a:off x="0" y="0"/>
-          <a:ext cx="0" cy="0"/>
-          <a:chOff x="0" y="0"/>
-          <a:chExt cx="0" cy="0"/>
-        </a:xfrm>
-      </p:grpSpPr>
-      <p:sp>
-        <p:nvSpPr>
           <p:cNvPr id="4" name="Прямоугольник 3">
             <a:extLst>
               <a:ext uri="{FF2B5EF4-FFF2-40B4-BE49-F238E27FC236}">
@@ -7107,7 +7089,7 @@
         <p:spPr>
           <a:xfrm>
             <a:off x="406400" y="320488"/>
-            <a:ext cx="8953499" cy="3368614"/>
+            <a:ext cx="8953499" cy="3691780"/>
           </a:xfrm>
           <a:prstGeom prst="rect">
             <a:avLst/>
@@ -7145,6 +7127,29 @@
             </a:r>
           </a:p>
           <a:p>
+            <a:pPr algn="ctr">
+              <a:lnSpc>
+                <a:spcPct val="150000"/>
+              </a:lnSpc>
+              <a:spcBef>
+                <a:spcPts val="600"/>
+              </a:spcBef>
+              <a:spcAft>
+                <a:spcPts val="1200"/>
+              </a:spcAft>
+            </a:pPr>
+            <a:endParaRPr lang="ru-RU" sz="2400" b="1" dirty="0">
+              <a:solidFill>
+                <a:schemeClr val="tx1">
+                  <a:lumMod val="95000"/>
+                </a:schemeClr>
+              </a:solidFill>
+              <a:latin typeface="+mj-lt"/>
+              <a:ea typeface="Times New Roman" panose="02020603050405020304" pitchFamily="18" charset="0"/>
+              <a:cs typeface="Times New Roman" panose="02020603050405020304" pitchFamily="18" charset="0"/>
+            </a:endParaRPr>
+          </a:p>
+          <a:p>
             <a:pPr marL="457200" indent="-457200" algn="just">
               <a:lnSpc>
                 <a:spcPct val="150000"/>
@@ -7201,7 +7206,7 @@
                 <a:ea typeface="Calibri" panose="020F0502020204030204" pitchFamily="34" charset="0"/>
                 <a:cs typeface="Times New Roman" panose="02020603050405020304" pitchFamily="18" charset="0"/>
               </a:rPr>
-              <a:t>Добавить возможность получать советы по улучшению и предотвращению ухудшения спортивных результатов, анализируя комментарии во время роста и падения показателей соответственно.</a:t>
+              <a:t>Разработка инструментов для прогнозирования и анализа динамических изменений достижений на основе накопленных данных</a:t>
             </a:r>
           </a:p>
           <a:p>
@@ -7226,7 +7231,7 @@
                 <a:ea typeface="Calibri" panose="020F0502020204030204" pitchFamily="34" charset="0"/>
                 <a:cs typeface="Times New Roman" panose="02020603050405020304" pitchFamily="18" charset="0"/>
               </a:rPr>
-              <a:t>Прогнозировать рост или падение спортивных результатов на основе ИИ.</a:t>
+              <a:t>Разработка мобильной версии приложения</a:t>
             </a:r>
           </a:p>
         </p:txBody>
@@ -7244,7 +7249,7 @@
 </p:sld>
 </file>
 
-<file path=ppt/slides/slide9.xml><?xml version="1.0" encoding="utf-8"?>
+<file path=ppt/slides/slide8.xml><?xml version="1.0" encoding="utf-8"?>
 <p:sld xmlns:a="http://schemas.openxmlformats.org/drawingml/2006/main" xmlns:r="http://schemas.openxmlformats.org/officeDocument/2006/relationships" xmlns:p="http://schemas.openxmlformats.org/presentationml/2006/main">
   <p:cSld>
     <p:spTree>

--- a/description_project/Презентация.pptx
+++ b/description_project/Презентация.pptx
@@ -844,7 +844,7 @@
             <a:fld id="{B61BEF0D-F0BB-DE4B-95CE-6DB70DBA9567}" type="datetimeFigureOut">
               <a:rPr lang="en-US" dirty="0"/>
               <a:pPr/>
-              <a:t>4/17/2024</a:t>
+              <a:t>4/30/2024</a:t>
             </a:fld>
             <a:endParaRPr lang="en-US" dirty="0"/>
           </a:p>
@@ -1092,7 +1092,7 @@
             <a:fld id="{B61BEF0D-F0BB-DE4B-95CE-6DB70DBA9567}" type="datetimeFigureOut">
               <a:rPr lang="en-US" dirty="0"/>
               <a:pPr/>
-              <a:t>4/17/2024</a:t>
+              <a:t>4/30/2024</a:t>
             </a:fld>
             <a:endParaRPr lang="en-US" dirty="0"/>
           </a:p>
@@ -1403,7 +1403,7 @@
             <a:fld id="{B61BEF0D-F0BB-DE4B-95CE-6DB70DBA9567}" type="datetimeFigureOut">
               <a:rPr lang="en-US" dirty="0"/>
               <a:pPr/>
-              <a:t>4/17/2024</a:t>
+              <a:t>4/30/2024</a:t>
             </a:fld>
             <a:endParaRPr lang="en-US" dirty="0"/>
           </a:p>
@@ -1727,7 +1727,7 @@
             <a:fld id="{B61BEF0D-F0BB-DE4B-95CE-6DB70DBA9567}" type="datetimeFigureOut">
               <a:rPr lang="en-US" dirty="0"/>
               <a:pPr/>
-              <a:t>4/17/2024</a:t>
+              <a:t>4/30/2024</a:t>
             </a:fld>
             <a:endParaRPr lang="en-US" dirty="0"/>
           </a:p>
@@ -2038,7 +2038,7 @@
             <a:fld id="{B61BEF0D-F0BB-DE4B-95CE-6DB70DBA9567}" type="datetimeFigureOut">
               <a:rPr lang="en-US" dirty="0"/>
               <a:pPr/>
-              <a:t>4/17/2024</a:t>
+              <a:t>4/30/2024</a:t>
             </a:fld>
             <a:endParaRPr lang="en-US" dirty="0"/>
           </a:p>
@@ -2422,7 +2422,7 @@
             <a:fld id="{B61BEF0D-F0BB-DE4B-95CE-6DB70DBA9567}" type="datetimeFigureOut">
               <a:rPr lang="en-US" dirty="0"/>
               <a:pPr/>
-              <a:t>4/17/2024</a:t>
+              <a:t>4/30/2024</a:t>
             </a:fld>
             <a:endParaRPr lang="en-US" dirty="0"/>
           </a:p>
@@ -2588,7 +2588,7 @@
           <a:p>
             <a:fld id="{55C6B4A9-1611-4792-9094-5F34BCA07E0B}" type="datetimeFigureOut">
               <a:rPr lang="en-US" dirty="0"/>
-              <a:t>4/17/2024</a:t>
+              <a:t>4/30/2024</a:t>
             </a:fld>
             <a:endParaRPr lang="en-US" dirty="0"/>
           </a:p>
@@ -2764,7 +2764,7 @@
             <a:fld id="{B61BEF0D-F0BB-DE4B-95CE-6DB70DBA9567}" type="datetimeFigureOut">
               <a:rPr lang="en-US" dirty="0"/>
               <a:pPr/>
-              <a:t>4/17/2024</a:t>
+              <a:t>4/30/2024</a:t>
             </a:fld>
             <a:endParaRPr lang="en-US" dirty="0"/>
           </a:p>
@@ -2937,7 +2937,7 @@
             <a:fld id="{B61BEF0D-F0BB-DE4B-95CE-6DB70DBA9567}" type="datetimeFigureOut">
               <a:rPr lang="en-US" dirty="0"/>
               <a:pPr/>
-              <a:t>4/17/2024</a:t>
+              <a:t>4/30/2024</a:t>
             </a:fld>
             <a:endParaRPr lang="en-US" dirty="0"/>
           </a:p>
@@ -3181,7 +3181,7 @@
             <a:fld id="{B61BEF0D-F0BB-DE4B-95CE-6DB70DBA9567}" type="datetimeFigureOut">
               <a:rPr lang="en-US" dirty="0"/>
               <a:pPr/>
-              <a:t>4/17/2024</a:t>
+              <a:t>4/30/2024</a:t>
             </a:fld>
             <a:endParaRPr lang="en-US" dirty="0"/>
           </a:p>
@@ -3409,7 +3409,7 @@
           <a:p>
             <a:fld id="{EB712588-04B1-427B-82EE-E8DB90309F08}" type="datetimeFigureOut">
               <a:rPr lang="en-US" dirty="0"/>
-              <a:t>4/17/2024</a:t>
+              <a:t>4/30/2024</a:t>
             </a:fld>
             <a:endParaRPr lang="en-US" dirty="0"/>
           </a:p>
@@ -3779,7 +3779,7 @@
             <a:fld id="{B61BEF0D-F0BB-DE4B-95CE-6DB70DBA9567}" type="datetimeFigureOut">
               <a:rPr lang="en-US" dirty="0"/>
               <a:pPr/>
-              <a:t>4/17/2024</a:t>
+              <a:t>4/30/2024</a:t>
             </a:fld>
             <a:endParaRPr lang="en-US" dirty="0"/>
           </a:p>
@@ -3899,7 +3899,7 @@
             <a:fld id="{B61BEF0D-F0BB-DE4B-95CE-6DB70DBA9567}" type="datetimeFigureOut">
               <a:rPr lang="en-US" dirty="0"/>
               <a:pPr/>
-              <a:t>4/17/2024</a:t>
+              <a:t>4/30/2024</a:t>
             </a:fld>
             <a:endParaRPr lang="en-US" dirty="0"/>
           </a:p>
@@ -3991,7 +3991,7 @@
             <a:fld id="{B61BEF0D-F0BB-DE4B-95CE-6DB70DBA9567}" type="datetimeFigureOut">
               <a:rPr lang="en-US" dirty="0"/>
               <a:pPr/>
-              <a:t>4/17/2024</a:t>
+              <a:t>4/30/2024</a:t>
             </a:fld>
             <a:endParaRPr lang="en-US" dirty="0"/>
           </a:p>
@@ -4242,7 +4242,7 @@
           <a:p>
             <a:fld id="{42A54C80-263E-416B-A8E0-580EDEADCBDC}" type="datetimeFigureOut">
               <a:rPr lang="en-US" dirty="0"/>
-              <a:t>4/17/2024</a:t>
+              <a:t>4/30/2024</a:t>
             </a:fld>
             <a:endParaRPr lang="en-US" dirty="0"/>
           </a:p>
@@ -4501,7 +4501,7 @@
             <a:fld id="{B61BEF0D-F0BB-DE4B-95CE-6DB70DBA9567}" type="datetimeFigureOut">
               <a:rPr lang="en-US" dirty="0"/>
               <a:pPr/>
-              <a:t>4/17/2024</a:t>
+              <a:t>4/30/2024</a:t>
             </a:fld>
             <a:endParaRPr lang="en-US" dirty="0"/>
           </a:p>
@@ -5243,7 +5243,7 @@
             <a:fld id="{B61BEF0D-F0BB-DE4B-95CE-6DB70DBA9567}" type="datetimeFigureOut">
               <a:rPr lang="en-US" dirty="0"/>
               <a:pPr/>
-              <a:t>4/17/2024</a:t>
+              <a:t>4/30/2024</a:t>
             </a:fld>
             <a:endParaRPr lang="en-US" dirty="0"/>
           </a:p>
@@ -5879,7 +5879,40 @@
                   </a:schemeClr>
                 </a:solidFill>
               </a:rPr>
-              <a:t>					ГБОУ Школа №1507</a:t>
+              <a:t>			</a:t>
+            </a:r>
+            <a:r>
+              <a:rPr lang="en-US" sz="2000">
+                <a:solidFill>
+                  <a:schemeClr val="bg2">
+                    <a:lumMod val="20000"/>
+                    <a:lumOff val="80000"/>
+                  </a:schemeClr>
+                </a:solidFill>
+              </a:rPr>
+              <a:t>  </a:t>
+            </a:r>
+            <a:r>
+              <a:rPr lang="ru-RU" sz="2000">
+                <a:solidFill>
+                  <a:schemeClr val="bg2">
+                    <a:lumMod val="20000"/>
+                    <a:lumOff val="80000"/>
+                  </a:schemeClr>
+                </a:solidFill>
+              </a:rPr>
+              <a:t>Лицей </a:t>
+            </a:r>
+            <a:r>
+              <a:rPr lang="ru-RU" sz="2000" dirty="0">
+                <a:solidFill>
+                  <a:schemeClr val="bg2">
+                    <a:lumMod val="20000"/>
+                    <a:lumOff val="80000"/>
+                  </a:schemeClr>
+                </a:solidFill>
+              </a:rPr>
+              <a:t>Академии Яндекса</a:t>
             </a:r>
           </a:p>
         </p:txBody>
@@ -7171,7 +7204,33 @@
                 <a:ea typeface="Calibri" panose="020F0502020204030204" pitchFamily="34" charset="0"/>
                 <a:cs typeface="Times New Roman" panose="02020603050405020304" pitchFamily="18" charset="0"/>
               </a:rPr>
-              <a:t>Добавить поиск данных в таблице.</a:t>
+              <a:t>Добавить поиск </a:t>
+            </a:r>
+            <a:r>
+              <a:rPr lang="ru-RU" sz="2000">
+                <a:solidFill>
+                  <a:schemeClr val="tx1">
+                    <a:lumMod val="95000"/>
+                  </a:schemeClr>
+                </a:solidFill>
+                <a:latin typeface="Calibri" panose="020F0502020204030204" pitchFamily="34" charset="0"/>
+                <a:ea typeface="Calibri" panose="020F0502020204030204" pitchFamily="34" charset="0"/>
+                <a:cs typeface="Times New Roman" panose="02020603050405020304" pitchFamily="18" charset="0"/>
+              </a:rPr>
+              <a:t>данных по </a:t>
+            </a:r>
+            <a:r>
+              <a:rPr lang="ru-RU" sz="2000" dirty="0">
+                <a:solidFill>
+                  <a:schemeClr val="tx1">
+                    <a:lumMod val="95000"/>
+                  </a:schemeClr>
+                </a:solidFill>
+                <a:latin typeface="Calibri" panose="020F0502020204030204" pitchFamily="34" charset="0"/>
+                <a:ea typeface="Calibri" panose="020F0502020204030204" pitchFamily="34" charset="0"/>
+                <a:cs typeface="Times New Roman" panose="02020603050405020304" pitchFamily="18" charset="0"/>
+              </a:rPr>
+              <a:t>таблице.</a:t>
             </a:r>
             <a:endParaRPr lang="en-US" sz="2000" dirty="0">
               <a:solidFill>
